--- a/pdf/20251005_access/lunch_map_E404.pptx
+++ b/pdf/20251005_access/lunch_map_E404.pptx
@@ -6480,6 +6480,36 @@
           </a:p>
         </p:txBody>
       </p:sp>
+      <p:pic>
+        <p:nvPicPr>
+          <p:cNvPr id="8" name="図 7">
+            <a:extLst>
+              <a:ext uri="{FF2B5EF4-FFF2-40B4-BE49-F238E27FC236}">
+                <a16:creationId xmlns:a16="http://schemas.microsoft.com/office/drawing/2014/main" id="{013C9320-B712-3770-B9F5-0B6C2AABB427}"/>
+              </a:ext>
+            </a:extLst>
+          </p:cNvPr>
+          <p:cNvPicPr>
+            <a:picLocks noChangeAspect="1"/>
+          </p:cNvPicPr>
+          <p:nvPr/>
+        </p:nvPicPr>
+        <p:blipFill>
+          <a:blip r:embed="rId3"/>
+          <a:stretch>
+            <a:fillRect/>
+          </a:stretch>
+        </p:blipFill>
+        <p:spPr>
+          <a:xfrm>
+            <a:off x="1834685" y="3411813"/>
+            <a:ext cx="2286000" cy="2286000"/>
+          </a:xfrm>
+          <a:prstGeom prst="rect">
+            <a:avLst/>
+          </a:prstGeom>
+        </p:spPr>
+      </p:pic>
     </p:spTree>
     <p:extLst>
       <p:ext uri="{BB962C8B-B14F-4D97-AF65-F5344CB8AC3E}">

--- a/pdf/20251005_access/lunch_map_E404.pptx
+++ b/pdf/20251005_access/lunch_map_E404.pptx
@@ -209,7 +209,7 @@
           <a:p>
             <a:fld id="{BCDE465C-17AB-F74D-83D6-A06446C30CBD}" type="datetimeFigureOut">
               <a:rPr kumimoji="1" lang="ja-JP" altLang="en-US" smtClean="0"/>
-              <a:t>2025/10/5</a:t>
+              <a:t>2025/10/7</a:t>
             </a:fld>
             <a:endParaRPr kumimoji="1" lang="ja-JP" altLang="en-US"/>
           </a:p>
@@ -771,7 +771,7 @@
           <a:p>
             <a:fld id="{5BCAD085-E8A6-8845-BD4E-CB4CCA059FC4}" type="datetimeFigureOut">
               <a:rPr lang="en-US" smtClean="0"/>
-              <a:t>10/5/25</a:t>
+              <a:t>10/7/25</a:t>
             </a:fld>
             <a:endParaRPr lang="en-US"/>
           </a:p>
@@ -939,7 +939,7 @@
           <a:p>
             <a:fld id="{5BCAD085-E8A6-8845-BD4E-CB4CCA059FC4}" type="datetimeFigureOut">
               <a:rPr lang="en-US" smtClean="0"/>
-              <a:t>10/5/25</a:t>
+              <a:t>10/7/25</a:t>
             </a:fld>
             <a:endParaRPr lang="en-US"/>
           </a:p>
@@ -1117,7 +1117,7 @@
           <a:p>
             <a:fld id="{5BCAD085-E8A6-8845-BD4E-CB4CCA059FC4}" type="datetimeFigureOut">
               <a:rPr lang="en-US" smtClean="0"/>
-              <a:t>10/5/25</a:t>
+              <a:t>10/7/25</a:t>
             </a:fld>
             <a:endParaRPr lang="en-US"/>
           </a:p>
@@ -1285,7 +1285,7 @@
           <a:p>
             <a:fld id="{5BCAD085-E8A6-8845-BD4E-CB4CCA059FC4}" type="datetimeFigureOut">
               <a:rPr lang="en-US" smtClean="0"/>
-              <a:t>10/5/25</a:t>
+              <a:t>10/7/25</a:t>
             </a:fld>
             <a:endParaRPr lang="en-US"/>
           </a:p>
@@ -1530,7 +1530,7 @@
           <a:p>
             <a:fld id="{5BCAD085-E8A6-8845-BD4E-CB4CCA059FC4}" type="datetimeFigureOut">
               <a:rPr lang="en-US" smtClean="0"/>
-              <a:t>10/5/25</a:t>
+              <a:t>10/7/25</a:t>
             </a:fld>
             <a:endParaRPr lang="en-US"/>
           </a:p>
@@ -1815,7 +1815,7 @@
           <a:p>
             <a:fld id="{5BCAD085-E8A6-8845-BD4E-CB4CCA059FC4}" type="datetimeFigureOut">
               <a:rPr lang="en-US" smtClean="0"/>
-              <a:t>10/5/25</a:t>
+              <a:t>10/7/25</a:t>
             </a:fld>
             <a:endParaRPr lang="en-US"/>
           </a:p>
@@ -2234,7 +2234,7 @@
           <a:p>
             <a:fld id="{5BCAD085-E8A6-8845-BD4E-CB4CCA059FC4}" type="datetimeFigureOut">
               <a:rPr lang="en-US" smtClean="0"/>
-              <a:t>10/5/25</a:t>
+              <a:t>10/7/25</a:t>
             </a:fld>
             <a:endParaRPr lang="en-US"/>
           </a:p>
@@ -2351,7 +2351,7 @@
           <a:p>
             <a:fld id="{5BCAD085-E8A6-8845-BD4E-CB4CCA059FC4}" type="datetimeFigureOut">
               <a:rPr lang="en-US" smtClean="0"/>
-              <a:t>10/5/25</a:t>
+              <a:t>10/7/25</a:t>
             </a:fld>
             <a:endParaRPr lang="en-US"/>
           </a:p>
@@ -2446,7 +2446,7 @@
           <a:p>
             <a:fld id="{5BCAD085-E8A6-8845-BD4E-CB4CCA059FC4}" type="datetimeFigureOut">
               <a:rPr lang="en-US" smtClean="0"/>
-              <a:t>10/5/25</a:t>
+              <a:t>10/7/25</a:t>
             </a:fld>
             <a:endParaRPr lang="en-US"/>
           </a:p>
@@ -2721,7 +2721,7 @@
           <a:p>
             <a:fld id="{5BCAD085-E8A6-8845-BD4E-CB4CCA059FC4}" type="datetimeFigureOut">
               <a:rPr lang="en-US" smtClean="0"/>
-              <a:t>10/5/25</a:t>
+              <a:t>10/7/25</a:t>
             </a:fld>
             <a:endParaRPr lang="en-US"/>
           </a:p>
@@ -2973,7 +2973,7 @@
           <a:p>
             <a:fld id="{5BCAD085-E8A6-8845-BD4E-CB4CCA059FC4}" type="datetimeFigureOut">
               <a:rPr lang="en-US" smtClean="0"/>
-              <a:t>10/5/25</a:t>
+              <a:t>10/7/25</a:t>
             </a:fld>
             <a:endParaRPr lang="en-US"/>
           </a:p>
@@ -3184,7 +3184,7 @@
           <a:p>
             <a:fld id="{5BCAD085-E8A6-8845-BD4E-CB4CCA059FC4}" type="datetimeFigureOut">
               <a:rPr lang="en-US" smtClean="0"/>
-              <a:t>10/5/25</a:t>
+              <a:t>10/7/25</a:t>
             </a:fld>
             <a:endParaRPr lang="en-US"/>
           </a:p>
@@ -3559,12 +3559,244 @@
           <a:chExt cx="0" cy="0"/>
         </a:xfrm>
       </p:grpSpPr>
+      <p:sp>
+        <p:nvSpPr>
+          <p:cNvPr id="15" name="テキスト ボックス 14">
+            <a:extLst>
+              <a:ext uri="{FF2B5EF4-FFF2-40B4-BE49-F238E27FC236}">
+                <a16:creationId xmlns:a16="http://schemas.microsoft.com/office/drawing/2014/main" id="{BC5752E2-8287-33A1-3DB5-04AAC688343B}"/>
+              </a:ext>
+            </a:extLst>
+          </p:cNvPr>
+          <p:cNvSpPr txBox="1"/>
+          <p:nvPr/>
+        </p:nvSpPr>
+        <p:spPr>
+          <a:xfrm>
+            <a:off x="1765259" y="211110"/>
+            <a:ext cx="1805302" cy="523220"/>
+          </a:xfrm>
+          <a:prstGeom prst="rect">
+            <a:avLst/>
+          </a:prstGeom>
+          <a:noFill/>
+        </p:spPr>
+        <p:txBody>
+          <a:bodyPr wrap="none" rtlCol="0">
+            <a:spAutoFit/>
+          </a:bodyPr>
+          <a:lstStyle/>
+          <a:p>
+            <a:r>
+              <a:rPr kumimoji="1" lang="en-US" altLang="ja-JP" sz="2800" dirty="0"/>
+              <a:t>Lunch Map</a:t>
+            </a:r>
+            <a:endParaRPr kumimoji="1" lang="ja-JP" altLang="en-US" sz="2800"/>
+          </a:p>
+        </p:txBody>
+      </p:sp>
+      <p:sp>
+        <p:nvSpPr>
+          <p:cNvPr id="16" name="テキスト ボックス 15">
+            <a:extLst>
+              <a:ext uri="{FF2B5EF4-FFF2-40B4-BE49-F238E27FC236}">
+                <a16:creationId xmlns:a16="http://schemas.microsoft.com/office/drawing/2014/main" id="{25A6E151-1C56-012D-25C4-967308C08C52}"/>
+              </a:ext>
+            </a:extLst>
+          </p:cNvPr>
+          <p:cNvSpPr txBox="1"/>
+          <p:nvPr/>
+        </p:nvSpPr>
+        <p:spPr>
+          <a:xfrm>
+            <a:off x="237043" y="5605448"/>
+            <a:ext cx="4943487" cy="1598454"/>
+          </a:xfrm>
+          <a:prstGeom prst="rect">
+            <a:avLst/>
+          </a:prstGeom>
+          <a:noFill/>
+          <a:scene3d>
+            <a:camera prst="orthographicFront"/>
+            <a:lightRig rig="threePt" dir="t"/>
+          </a:scene3d>
+          <a:sp3d contourW="12700">
+            <a:bevelT w="0"/>
+          </a:sp3d>
+        </p:spPr>
+        <p:txBody>
+          <a:bodyPr wrap="square" rtlCol="0">
+            <a:spAutoFit/>
+          </a:bodyPr>
+          <a:lstStyle/>
+          <a:p>
+            <a:r>
+              <a:rPr kumimoji="1" lang="en-US" altLang="ja-JP" sz="1400" dirty="0"/>
+              <a:t>Remark:</a:t>
+            </a:r>
+          </a:p>
+          <a:p>
+            <a:pPr marL="285750" indent="-285750">
+              <a:buFont typeface="Arial" panose="020B0604020202020204" pitchFamily="34" charset="0"/>
+              <a:buChar char="•"/>
+            </a:pPr>
+            <a:r>
+              <a:rPr lang="en" altLang="ja-JP" sz="1400" dirty="0"/>
+              <a:t>No. 5 is located behind No. 6.</a:t>
+            </a:r>
+          </a:p>
+          <a:p>
+            <a:pPr marL="285750" indent="-285750">
+              <a:buFont typeface="Arial" panose="020B0604020202020204" pitchFamily="34" charset="0"/>
+              <a:buChar char="•"/>
+            </a:pPr>
+            <a:r>
+              <a:rPr lang="en" altLang="ja-JP" sz="1400" dirty="0"/>
+              <a:t>     means convenience stores.</a:t>
+            </a:r>
+          </a:p>
+          <a:p>
+            <a:pPr marL="285750" indent="-285750">
+              <a:buFont typeface="Arial" panose="020B0604020202020204" pitchFamily="34" charset="0"/>
+              <a:buChar char="•"/>
+            </a:pPr>
+            <a:r>
+              <a:rPr lang="en" altLang="ja-JP" sz="1400" dirty="0"/>
+              <a:t>     means Lecture room E404.</a:t>
+            </a:r>
+          </a:p>
+          <a:p>
+            <a:pPr marL="285750" indent="-285750">
+              <a:buFont typeface="Arial" panose="020B0604020202020204" pitchFamily="34" charset="0"/>
+              <a:buChar char="•"/>
+            </a:pPr>
+            <a:r>
+              <a:rPr lang="en" altLang="ja-JP" sz="1400" b="0" i="0" u="none" strike="noStrike" dirty="0">
+                <a:solidFill>
+                  <a:srgbClr val="000000"/>
+                </a:solidFill>
+                <a:effectLst/>
+                <a:latin typeface="-webkit-standard"/>
+              </a:rPr>
+              <a:t>In the top-left corner of the map, there are many restaurants near Ishibashi-</a:t>
+            </a:r>
+            <a:r>
+              <a:rPr lang="en" altLang="ja-JP" sz="1400" b="0" i="0" u="none" strike="noStrike" dirty="0" err="1">
+                <a:solidFill>
+                  <a:srgbClr val="000000"/>
+                </a:solidFill>
+                <a:effectLst/>
+                <a:latin typeface="-webkit-standard"/>
+              </a:rPr>
+              <a:t>Handai</a:t>
+            </a:r>
+            <a:r>
+              <a:rPr lang="en" altLang="ja-JP" sz="1400" b="0" i="0" u="none" strike="noStrike" dirty="0">
+                <a:solidFill>
+                  <a:srgbClr val="000000"/>
+                </a:solidFill>
+                <a:effectLst/>
+                <a:latin typeface="-webkit-standard"/>
+              </a:rPr>
+              <a:t>-</a:t>
+            </a:r>
+            <a:r>
+              <a:rPr lang="en" altLang="ja-JP" sz="1400" b="0" i="0" u="none" strike="noStrike" dirty="0" err="1">
+                <a:solidFill>
+                  <a:srgbClr val="000000"/>
+                </a:solidFill>
+                <a:effectLst/>
+                <a:latin typeface="-webkit-standard"/>
+              </a:rPr>
+              <a:t>mae</a:t>
+            </a:r>
+            <a:r>
+              <a:rPr lang="en" altLang="ja-JP" sz="1400" b="0" i="0" u="none" strike="noStrike" dirty="0">
+                <a:solidFill>
+                  <a:srgbClr val="000000"/>
+                </a:solidFill>
+                <a:effectLst/>
+                <a:latin typeface="-webkit-standard"/>
+              </a:rPr>
+              <a:t> Station</a:t>
+            </a:r>
+            <a:r>
+              <a:rPr lang="en" altLang="ja-JP" sz="1400" dirty="0">
+                <a:solidFill>
+                  <a:srgbClr val="000000"/>
+                </a:solidFill>
+                <a:latin typeface="-webkit-standard"/>
+              </a:rPr>
+              <a:t> (</a:t>
+            </a:r>
+            <a:r>
+              <a:rPr lang="ja-JP" altLang="en-US" sz="1400" b="0" i="0" u="none" strike="noStrike">
+                <a:solidFill>
+                  <a:srgbClr val="000000"/>
+                </a:solidFill>
+                <a:effectLst/>
+                <a:latin typeface="-webkit-standard"/>
+              </a:rPr>
+              <a:t>石橋阪大前駅</a:t>
+            </a:r>
+            <a:r>
+              <a:rPr lang="en" altLang="ja-JP" sz="1400" b="0" i="0" u="none" strike="noStrike" dirty="0">
+                <a:solidFill>
+                  <a:srgbClr val="000000"/>
+                </a:solidFill>
+                <a:effectLst/>
+                <a:latin typeface="-webkit-standard"/>
+              </a:rPr>
+              <a:t>) . </a:t>
+            </a:r>
+            <a:r>
+              <a:rPr lang="en" altLang="ja-JP" sz="1400" dirty="0">
+                <a:solidFill>
+                  <a:srgbClr val="000000"/>
+                </a:solidFill>
+                <a:latin typeface="-webkit-standard"/>
+              </a:rPr>
+              <a:t>B</a:t>
+            </a:r>
+            <a:r>
+              <a:rPr lang="en" altLang="ja-JP" sz="1400" b="0" i="0" u="none" strike="noStrike" dirty="0">
+                <a:solidFill>
+                  <a:srgbClr val="000000"/>
+                </a:solidFill>
+                <a:effectLst/>
+                <a:latin typeface="-webkit-standard"/>
+              </a:rPr>
+              <a:t>ut it takes about 25–30 minutes on </a:t>
+            </a:r>
+            <a:r>
+              <a:rPr lang="en" altLang="ja-JP" sz="1400" dirty="0">
+                <a:solidFill>
+                  <a:srgbClr val="000000"/>
+                </a:solidFill>
+                <a:latin typeface="-webkit-standard"/>
+              </a:rPr>
+              <a:t>foot </a:t>
+            </a:r>
+            <a:r>
+              <a:rPr lang="en" altLang="ja-JP" sz="1400" b="0" i="0" u="none" strike="noStrike" dirty="0">
+                <a:solidFill>
+                  <a:srgbClr val="000000"/>
+                </a:solidFill>
+                <a:effectLst/>
+                <a:latin typeface="-webkit-standard"/>
+              </a:rPr>
+              <a:t>to get there.</a:t>
+            </a:r>
+            <a:endParaRPr lang="en" altLang="ja-JP" sz="1400" dirty="0"/>
+          </a:p>
+        </p:txBody>
+      </p:sp>
       <p:graphicFrame>
         <p:nvGraphicFramePr>
-          <p:cNvPr id="10" name="表 9">
+          <p:cNvPr id="3" name="表 2">
             <a:extLst>
               <a:ext uri="{FF2B5EF4-FFF2-40B4-BE49-F238E27FC236}">
-                <a16:creationId xmlns:a16="http://schemas.microsoft.com/office/drawing/2014/main" id="{A6CB6B02-D9CD-591A-1715-910E723D8E45}"/>
+                <a16:creationId xmlns:a16="http://schemas.microsoft.com/office/drawing/2014/main" id="{BEA8AE5E-03DC-ABEB-23DD-1B3D18B5018B}"/>
               </a:ext>
             </a:extLst>
           </p:cNvPr>
@@ -3574,14 +3806,14 @@
           <p:nvPr>
             <p:extLst>
               <p:ext uri="{D42A27DB-BD31-4B8C-83A1-F6EECF244321}">
-                <p14:modId xmlns:p14="http://schemas.microsoft.com/office/powerpoint/2010/main" val="3249645457"/>
+                <p14:modId xmlns:p14="http://schemas.microsoft.com/office/powerpoint/2010/main" val="3491710631"/>
               </p:ext>
             </p:extLst>
           </p:nvPr>
         </p:nvGraphicFramePr>
         <p:xfrm>
-          <a:off x="5345906" y="287762"/>
-          <a:ext cx="5261133" cy="7051780"/>
+          <a:off x="5345906" y="355771"/>
+          <a:ext cx="5172876" cy="6848131"/>
         </p:xfrm>
         <a:graphic>
           <a:graphicData uri="http://schemas.openxmlformats.org/drawingml/2006/table">
@@ -3590,35 +3822,35 @@
                 <a:tableStyleId>{5C22544A-7EE6-4342-B048-85BDC9FD1C3A}</a:tableStyleId>
               </a:tblPr>
               <a:tblGrid>
-                <a:gridCol w="255903">
+                <a:gridCol w="362337">
                   <a:extLst>
                     <a:ext uri="{9D8B030D-6E8A-4147-A177-3AD203B41FA5}">
                       <a16:colId xmlns:a16="http://schemas.microsoft.com/office/drawing/2014/main" val="1668481678"/>
                     </a:ext>
                   </a:extLst>
                 </a:gridCol>
-                <a:gridCol w="1744059">
+                <a:gridCol w="1749287">
                   <a:extLst>
                     <a:ext uri="{9D8B030D-6E8A-4147-A177-3AD203B41FA5}">
                       <a16:colId xmlns:a16="http://schemas.microsoft.com/office/drawing/2014/main" val="701489623"/>
                     </a:ext>
                   </a:extLst>
                 </a:gridCol>
-                <a:gridCol w="1257141">
+                <a:gridCol w="1302026">
                   <a:extLst>
                     <a:ext uri="{9D8B030D-6E8A-4147-A177-3AD203B41FA5}">
                       <a16:colId xmlns:a16="http://schemas.microsoft.com/office/drawing/2014/main" val="2166577437"/>
                     </a:ext>
                   </a:extLst>
                 </a:gridCol>
-                <a:gridCol w="1099998">
+                <a:gridCol w="943451">
                   <a:extLst>
                     <a:ext uri="{9D8B030D-6E8A-4147-A177-3AD203B41FA5}">
                       <a16:colId xmlns:a16="http://schemas.microsoft.com/office/drawing/2014/main" val="2021080276"/>
                     </a:ext>
                   </a:extLst>
                 </a:gridCol>
-                <a:gridCol w="904032">
+                <a:gridCol w="815775">
                   <a:extLst>
                     <a:ext uri="{9D8B030D-6E8A-4147-A177-3AD203B41FA5}">
                       <a16:colId xmlns:a16="http://schemas.microsoft.com/office/drawing/2014/main" val="1497016226"/>
@@ -3721,7 +3953,7 @@
                         <a:buNone/>
                       </a:pPr>
                       <a:r>
-                        <a:rPr kumimoji="1" lang="en-US" altLang="ja-JP" sz="1200" dirty="0"/>
+                        <a:rPr kumimoji="1" lang="en-US" altLang="ja-JP" sz="1100" dirty="0"/>
                         <a:t>1</a:t>
                       </a:r>
                     </a:p>
@@ -3861,7 +4093,7 @@
                         <a:buNone/>
                       </a:pPr>
                       <a:r>
-                        <a:rPr kumimoji="1" lang="en-US" altLang="ja-JP" sz="1200" dirty="0"/>
+                        <a:rPr kumimoji="1" lang="en-US" altLang="ja-JP" sz="1100" dirty="0"/>
                         <a:t>2</a:t>
                       </a:r>
                     </a:p>
@@ -3992,7 +4224,7 @@
                         <a:buNone/>
                       </a:pPr>
                       <a:r>
-                        <a:rPr kumimoji="1" lang="en-US" altLang="ja-JP" sz="1200" dirty="0"/>
+                        <a:rPr kumimoji="1" lang="en-US" altLang="ja-JP" sz="1100" dirty="0"/>
                         <a:t>3</a:t>
                       </a:r>
                     </a:p>
@@ -4147,7 +4379,7 @@
                         <a:buNone/>
                       </a:pPr>
                       <a:r>
-                        <a:rPr kumimoji="1" lang="en-US" altLang="ja-JP" sz="1200" dirty="0"/>
+                        <a:rPr kumimoji="1" lang="en-US" altLang="ja-JP" sz="1100" dirty="0"/>
                         <a:t>4</a:t>
                       </a:r>
                     </a:p>
@@ -4287,7 +4519,7 @@
                         <a:buNone/>
                       </a:pPr>
                       <a:r>
-                        <a:rPr kumimoji="1" lang="en-US" altLang="ja-JP" sz="1200" dirty="0"/>
+                        <a:rPr kumimoji="1" lang="en-US" altLang="ja-JP" sz="1100" dirty="0"/>
                         <a:t>5</a:t>
                       </a:r>
                     </a:p>
@@ -4427,7 +4659,7 @@
                         <a:buNone/>
                       </a:pPr>
                       <a:r>
-                        <a:rPr kumimoji="1" lang="en-US" altLang="ja-JP" sz="1200" dirty="0"/>
+                        <a:rPr kumimoji="1" lang="en-US" altLang="ja-JP" sz="1100" dirty="0"/>
                         <a:t>6</a:t>
                       </a:r>
                     </a:p>
@@ -4567,7 +4799,7 @@
                         <a:buNone/>
                       </a:pPr>
                       <a:r>
-                        <a:rPr kumimoji="1" lang="en-US" altLang="ja-JP" sz="1200" dirty="0"/>
+                        <a:rPr kumimoji="1" lang="en-US" altLang="ja-JP" sz="1100" dirty="0"/>
                         <a:t>7</a:t>
                       </a:r>
                     </a:p>
@@ -4671,7 +4903,7 @@
                         <a:buNone/>
                       </a:pPr>
                       <a:r>
-                        <a:rPr kumimoji="1" lang="en-US" altLang="ja-JP" sz="1200" dirty="0"/>
+                        <a:rPr kumimoji="1" lang="en-US" altLang="ja-JP" sz="1100" dirty="0"/>
                         <a:t>8</a:t>
                       </a:r>
                     </a:p>
@@ -4818,7 +5050,7 @@
                         <a:buNone/>
                       </a:pPr>
                       <a:r>
-                        <a:rPr kumimoji="1" lang="en-US" altLang="ja-JP" sz="1200" dirty="0"/>
+                        <a:rPr kumimoji="1" lang="en-US" altLang="ja-JP" sz="1100" dirty="0"/>
                         <a:t>9</a:t>
                       </a:r>
                     </a:p>
@@ -5005,7 +5237,7 @@
                         <a:buNone/>
                       </a:pPr>
                       <a:r>
-                        <a:rPr kumimoji="1" lang="en-US" altLang="ja-JP" sz="1200" dirty="0"/>
+                        <a:rPr kumimoji="1" lang="en-US" altLang="ja-JP" sz="1100" dirty="0"/>
                         <a:t>10</a:t>
                       </a:r>
                     </a:p>
@@ -5157,7 +5389,7 @@
                         <a:buNone/>
                       </a:pPr>
                       <a:r>
-                        <a:rPr kumimoji="1" lang="en-US" altLang="ja-JP" sz="1200" dirty="0"/>
+                        <a:rPr kumimoji="1" lang="en-US" altLang="ja-JP" sz="1100" dirty="0"/>
                         <a:t>11</a:t>
                       </a:r>
                     </a:p>
@@ -5288,7 +5520,7 @@
                         <a:buNone/>
                       </a:pPr>
                       <a:r>
-                        <a:rPr kumimoji="1" lang="en-US" altLang="ja-JP" sz="1200" dirty="0"/>
+                        <a:rPr kumimoji="1" lang="en-US" altLang="ja-JP" sz="1100" dirty="0"/>
                         <a:t>12</a:t>
                       </a:r>
                     </a:p>
@@ -5350,7 +5582,7 @@
                           <a:ea typeface="+mn-ea"/>
                           <a:cs typeface="+mn-cs"/>
                         </a:rPr>
-                        <a:t> / </a:t>
+                        <a:t>/</a:t>
                       </a:r>
                       <a:r>
                         <a:rPr lang="ja-JP" altLang="en-US" sz="1200" b="0" i="0" u="none" strike="noStrike" kern="1200">
@@ -5443,7 +5675,7 @@
                         <a:buNone/>
                       </a:pPr>
                       <a:r>
-                        <a:rPr kumimoji="1" lang="en-US" altLang="ja-JP" sz="1200" dirty="0"/>
+                        <a:rPr kumimoji="1" lang="en-US" altLang="ja-JP" sz="1100" dirty="0"/>
                         <a:t>13</a:t>
                       </a:r>
                     </a:p>
@@ -5602,7 +5834,7 @@
                         <a:buNone/>
                       </a:pPr>
                       <a:r>
-                        <a:rPr kumimoji="1" lang="en-US" altLang="ja-JP" sz="1200" dirty="0"/>
+                        <a:rPr kumimoji="1" lang="en-US" altLang="ja-JP" sz="1100" dirty="0"/>
                         <a:t>14</a:t>
                       </a:r>
                     </a:p>
@@ -5726,7 +5958,7 @@
                         <a:buNone/>
                       </a:pPr>
                       <a:r>
-                        <a:rPr kumimoji="1" lang="en-US" altLang="ja-JP" sz="1200" dirty="0"/>
+                        <a:rPr kumimoji="1" lang="en-US" altLang="ja-JP" sz="1100" dirty="0"/>
                         <a:t>15</a:t>
                       </a:r>
                     </a:p>
@@ -5878,244 +6110,12 @@
           </a:graphicData>
         </a:graphic>
       </p:graphicFrame>
-      <p:sp>
-        <p:nvSpPr>
-          <p:cNvPr id="15" name="テキスト ボックス 14">
+      <p:pic>
+        <p:nvPicPr>
+          <p:cNvPr id="6" name="図 5">
             <a:extLst>
               <a:ext uri="{FF2B5EF4-FFF2-40B4-BE49-F238E27FC236}">
-                <a16:creationId xmlns:a16="http://schemas.microsoft.com/office/drawing/2014/main" id="{BC5752E2-8287-33A1-3DB5-04AAC688343B}"/>
-              </a:ext>
-            </a:extLst>
-          </p:cNvPr>
-          <p:cNvSpPr txBox="1"/>
-          <p:nvPr/>
-        </p:nvSpPr>
-        <p:spPr>
-          <a:xfrm>
-            <a:off x="1765259" y="211110"/>
-            <a:ext cx="1805302" cy="523220"/>
-          </a:xfrm>
-          <a:prstGeom prst="rect">
-            <a:avLst/>
-          </a:prstGeom>
-          <a:noFill/>
-        </p:spPr>
-        <p:txBody>
-          <a:bodyPr wrap="none" rtlCol="0">
-            <a:spAutoFit/>
-          </a:bodyPr>
-          <a:lstStyle/>
-          <a:p>
-            <a:r>
-              <a:rPr kumimoji="1" lang="en-US" altLang="ja-JP" sz="2800" dirty="0"/>
-              <a:t>Lunch Map</a:t>
-            </a:r>
-            <a:endParaRPr kumimoji="1" lang="ja-JP" altLang="en-US" sz="2800"/>
-          </a:p>
-        </p:txBody>
-      </p:sp>
-      <p:sp>
-        <p:nvSpPr>
-          <p:cNvPr id="16" name="テキスト ボックス 15">
-            <a:extLst>
-              <a:ext uri="{FF2B5EF4-FFF2-40B4-BE49-F238E27FC236}">
-                <a16:creationId xmlns:a16="http://schemas.microsoft.com/office/drawing/2014/main" id="{25A6E151-1C56-012D-25C4-967308C08C52}"/>
-              </a:ext>
-            </a:extLst>
-          </p:cNvPr>
-          <p:cNvSpPr txBox="1"/>
-          <p:nvPr/>
-        </p:nvSpPr>
-        <p:spPr>
-          <a:xfrm>
-            <a:off x="237043" y="5741088"/>
-            <a:ext cx="4943487" cy="1598454"/>
-          </a:xfrm>
-          <a:prstGeom prst="rect">
-            <a:avLst/>
-          </a:prstGeom>
-          <a:noFill/>
-          <a:scene3d>
-            <a:camera prst="orthographicFront"/>
-            <a:lightRig rig="threePt" dir="t"/>
-          </a:scene3d>
-          <a:sp3d contourW="12700">
-            <a:bevelT w="0"/>
-          </a:sp3d>
-        </p:spPr>
-        <p:txBody>
-          <a:bodyPr wrap="square" rtlCol="0">
-            <a:spAutoFit/>
-          </a:bodyPr>
-          <a:lstStyle/>
-          <a:p>
-            <a:r>
-              <a:rPr kumimoji="1" lang="en-US" altLang="ja-JP" sz="1400" dirty="0"/>
-              <a:t>Remark:</a:t>
-            </a:r>
-          </a:p>
-          <a:p>
-            <a:pPr marL="285750" indent="-285750">
-              <a:buFont typeface="Arial" panose="020B0604020202020204" pitchFamily="34" charset="0"/>
-              <a:buChar char="•"/>
-            </a:pPr>
-            <a:r>
-              <a:rPr lang="en" altLang="ja-JP" sz="1400" dirty="0"/>
-              <a:t>No. 6 is located behind No. 5.</a:t>
-            </a:r>
-          </a:p>
-          <a:p>
-            <a:pPr marL="285750" indent="-285750">
-              <a:buFont typeface="Arial" panose="020B0604020202020204" pitchFamily="34" charset="0"/>
-              <a:buChar char="•"/>
-            </a:pPr>
-            <a:r>
-              <a:rPr lang="en" altLang="ja-JP" sz="1400" dirty="0"/>
-              <a:t>The red dot means convenience stores.</a:t>
-            </a:r>
-          </a:p>
-          <a:p>
-            <a:pPr marL="285750" indent="-285750">
-              <a:buFont typeface="Arial" panose="020B0604020202020204" pitchFamily="34" charset="0"/>
-              <a:buChar char="•"/>
-            </a:pPr>
-            <a:r>
-              <a:rPr lang="en" altLang="ja-JP" sz="1400" dirty="0"/>
-              <a:t>The house icon means Lecture room E404.</a:t>
-            </a:r>
-          </a:p>
-          <a:p>
-            <a:pPr marL="285750" indent="-285750">
-              <a:buFont typeface="Arial" panose="020B0604020202020204" pitchFamily="34" charset="0"/>
-              <a:buChar char="•"/>
-            </a:pPr>
-            <a:r>
-              <a:rPr lang="en" altLang="ja-JP" sz="1400" b="0" i="0" u="none" strike="noStrike" dirty="0">
-                <a:solidFill>
-                  <a:srgbClr val="000000"/>
-                </a:solidFill>
-                <a:effectLst/>
-                <a:latin typeface="-webkit-standard"/>
-              </a:rPr>
-              <a:t>In the top-left corner of the map, there are many restaurants near Ishibashi-</a:t>
-            </a:r>
-            <a:r>
-              <a:rPr lang="en" altLang="ja-JP" sz="1400" b="0" i="0" u="none" strike="noStrike" dirty="0" err="1">
-                <a:solidFill>
-                  <a:srgbClr val="000000"/>
-                </a:solidFill>
-                <a:effectLst/>
-                <a:latin typeface="-webkit-standard"/>
-              </a:rPr>
-              <a:t>Handai</a:t>
-            </a:r>
-            <a:r>
-              <a:rPr lang="en" altLang="ja-JP" sz="1400" b="0" i="0" u="none" strike="noStrike" dirty="0">
-                <a:solidFill>
-                  <a:srgbClr val="000000"/>
-                </a:solidFill>
-                <a:effectLst/>
-                <a:latin typeface="-webkit-standard"/>
-              </a:rPr>
-              <a:t>-</a:t>
-            </a:r>
-            <a:r>
-              <a:rPr lang="en" altLang="ja-JP" sz="1400" b="0" i="0" u="none" strike="noStrike" dirty="0" err="1">
-                <a:solidFill>
-                  <a:srgbClr val="000000"/>
-                </a:solidFill>
-                <a:effectLst/>
-                <a:latin typeface="-webkit-standard"/>
-              </a:rPr>
-              <a:t>mae</a:t>
-            </a:r>
-            <a:r>
-              <a:rPr lang="en" altLang="ja-JP" sz="1400" b="0" i="0" u="none" strike="noStrike" dirty="0">
-                <a:solidFill>
-                  <a:srgbClr val="000000"/>
-                </a:solidFill>
-                <a:effectLst/>
-                <a:latin typeface="-webkit-standard"/>
-              </a:rPr>
-              <a:t> Station</a:t>
-            </a:r>
-            <a:r>
-              <a:rPr lang="en" altLang="ja-JP" sz="1400" dirty="0">
-                <a:solidFill>
-                  <a:srgbClr val="000000"/>
-                </a:solidFill>
-                <a:latin typeface="-webkit-standard"/>
-              </a:rPr>
-              <a:t> (</a:t>
-            </a:r>
-            <a:r>
-              <a:rPr lang="ja-JP" altLang="en-US" sz="1400" b="0" i="0" u="none" strike="noStrike">
-                <a:solidFill>
-                  <a:srgbClr val="000000"/>
-                </a:solidFill>
-                <a:effectLst/>
-                <a:latin typeface="-webkit-standard"/>
-              </a:rPr>
-              <a:t>石橋阪大前駅</a:t>
-            </a:r>
-            <a:r>
-              <a:rPr lang="en" altLang="ja-JP" sz="1400" b="0" i="0" u="none" strike="noStrike" dirty="0">
-                <a:solidFill>
-                  <a:srgbClr val="000000"/>
-                </a:solidFill>
-                <a:effectLst/>
-                <a:latin typeface="-webkit-standard"/>
-              </a:rPr>
-              <a:t>) . </a:t>
-            </a:r>
-            <a:r>
-              <a:rPr lang="en" altLang="ja-JP" sz="1400" dirty="0">
-                <a:solidFill>
-                  <a:srgbClr val="000000"/>
-                </a:solidFill>
-                <a:latin typeface="-webkit-standard"/>
-              </a:rPr>
-              <a:t>B</a:t>
-            </a:r>
-            <a:r>
-              <a:rPr lang="en" altLang="ja-JP" sz="1400" b="0" i="0" u="none" strike="noStrike" dirty="0">
-                <a:solidFill>
-                  <a:srgbClr val="000000"/>
-                </a:solidFill>
-                <a:effectLst/>
-                <a:latin typeface="-webkit-standard"/>
-              </a:rPr>
-              <a:t>ut it takes about 25–30 minutes on </a:t>
-            </a:r>
-            <a:r>
-              <a:rPr lang="en" altLang="ja-JP" sz="1400" dirty="0">
-                <a:solidFill>
-                  <a:srgbClr val="000000"/>
-                </a:solidFill>
-                <a:latin typeface="-webkit-standard"/>
-              </a:rPr>
-              <a:t>foot </a:t>
-            </a:r>
-            <a:r>
-              <a:rPr lang="en" altLang="ja-JP" sz="1400" b="0" i="0" u="none" strike="noStrike" dirty="0">
-                <a:solidFill>
-                  <a:srgbClr val="000000"/>
-                </a:solidFill>
-                <a:effectLst/>
-                <a:latin typeface="-webkit-standard"/>
-              </a:rPr>
-              <a:t>to get there.</a:t>
-            </a:r>
-            <a:endParaRPr lang="en" altLang="ja-JP" sz="1400" dirty="0"/>
-          </a:p>
-        </p:txBody>
-      </p:sp>
-      <p:pic>
-        <p:nvPicPr>
-          <p:cNvPr id="5" name="図 4">
-            <a:extLst>
-              <a:ext uri="{FF2B5EF4-FFF2-40B4-BE49-F238E27FC236}">
-                <a16:creationId xmlns:a16="http://schemas.microsoft.com/office/drawing/2014/main" id="{16423A52-AF46-BBF4-9AD6-F57E6C923641}"/>
+                <a16:creationId xmlns:a16="http://schemas.microsoft.com/office/drawing/2014/main" id="{13B81295-4F4E-7DDE-801D-A3BA576EDC41}"/>
               </a:ext>
             </a:extLst>
           </p:cNvPr>
@@ -6132,8 +6132,8 @@
         </p:blipFill>
         <p:spPr>
           <a:xfrm>
-            <a:off x="237043" y="6454404"/>
-            <a:ext cx="287759" cy="226096"/>
+            <a:off x="237044" y="734329"/>
+            <a:ext cx="4956432" cy="4685164"/>
           </a:xfrm>
           <a:prstGeom prst="rect">
             <a:avLst/>
@@ -6142,10 +6142,10 @@
       </p:pic>
       <p:pic>
         <p:nvPicPr>
-          <p:cNvPr id="7" name="図 6">
+          <p:cNvPr id="9" name="図 8">
             <a:extLst>
               <a:ext uri="{FF2B5EF4-FFF2-40B4-BE49-F238E27FC236}">
-                <a16:creationId xmlns:a16="http://schemas.microsoft.com/office/drawing/2014/main" id="{F2239773-814B-FA5C-6617-F15F44120531}"/>
+                <a16:creationId xmlns:a16="http://schemas.microsoft.com/office/drawing/2014/main" id="{D7B9D5E6-AF5C-D8DE-CF9D-4119E922D98E}"/>
               </a:ext>
             </a:extLst>
           </p:cNvPr>
@@ -6161,9 +6161,9 @@
           </a:stretch>
         </p:blipFill>
         <p:spPr>
-          <a:xfrm flipV="1">
-            <a:off x="277294" y="6228308"/>
-            <a:ext cx="207255" cy="226096"/>
+          <a:xfrm>
+            <a:off x="604160" y="6109491"/>
+            <a:ext cx="164573" cy="180000"/>
           </a:xfrm>
           <a:prstGeom prst="rect">
             <a:avLst/>
@@ -6172,10 +6172,10 @@
       </p:pic>
       <p:pic>
         <p:nvPicPr>
-          <p:cNvPr id="11" name="図 10">
+          <p:cNvPr id="13" name="図 12">
             <a:extLst>
               <a:ext uri="{FF2B5EF4-FFF2-40B4-BE49-F238E27FC236}">
-                <a16:creationId xmlns:a16="http://schemas.microsoft.com/office/drawing/2014/main" id="{C8EFF532-5B9F-C6C4-F0C4-AD39F30DD594}"/>
+                <a16:creationId xmlns:a16="http://schemas.microsoft.com/office/drawing/2014/main" id="{2D08D579-8594-EFC8-02DC-E93DCA2B17DB}"/>
               </a:ext>
             </a:extLst>
           </p:cNvPr>
@@ -6192,8 +6192,8 @@
         </p:blipFill>
         <p:spPr>
           <a:xfrm>
-            <a:off x="225308" y="782611"/>
-            <a:ext cx="4943486" cy="4542423"/>
+            <a:off x="580374" y="6314675"/>
+            <a:ext cx="212143" cy="180000"/>
           </a:xfrm>
           <a:prstGeom prst="rect">
             <a:avLst/>

--- a/pdf/20251005_access/lunch_map_E404.pptx
+++ b/pdf/20251005_access/lunch_map_E404.pptx
@@ -209,7 +209,7 @@
           <a:p>
             <a:fld id="{BCDE465C-17AB-F74D-83D6-A06446C30CBD}" type="datetimeFigureOut">
               <a:rPr kumimoji="1" lang="ja-JP" altLang="en-US" smtClean="0"/>
-              <a:t>2025/10/7</a:t>
+              <a:t>2025/10/29</a:t>
             </a:fld>
             <a:endParaRPr kumimoji="1" lang="ja-JP" altLang="en-US"/>
           </a:p>
@@ -771,7 +771,7 @@
           <a:p>
             <a:fld id="{5BCAD085-E8A6-8845-BD4E-CB4CCA059FC4}" type="datetimeFigureOut">
               <a:rPr lang="en-US" smtClean="0"/>
-              <a:t>10/7/25</a:t>
+              <a:t>10/29/25</a:t>
             </a:fld>
             <a:endParaRPr lang="en-US"/>
           </a:p>
@@ -939,7 +939,7 @@
           <a:p>
             <a:fld id="{5BCAD085-E8A6-8845-BD4E-CB4CCA059FC4}" type="datetimeFigureOut">
               <a:rPr lang="en-US" smtClean="0"/>
-              <a:t>10/7/25</a:t>
+              <a:t>10/29/25</a:t>
             </a:fld>
             <a:endParaRPr lang="en-US"/>
           </a:p>
@@ -1117,7 +1117,7 @@
           <a:p>
             <a:fld id="{5BCAD085-E8A6-8845-BD4E-CB4CCA059FC4}" type="datetimeFigureOut">
               <a:rPr lang="en-US" smtClean="0"/>
-              <a:t>10/7/25</a:t>
+              <a:t>10/29/25</a:t>
             </a:fld>
             <a:endParaRPr lang="en-US"/>
           </a:p>
@@ -1285,7 +1285,7 @@
           <a:p>
             <a:fld id="{5BCAD085-E8A6-8845-BD4E-CB4CCA059FC4}" type="datetimeFigureOut">
               <a:rPr lang="en-US" smtClean="0"/>
-              <a:t>10/7/25</a:t>
+              <a:t>10/29/25</a:t>
             </a:fld>
             <a:endParaRPr lang="en-US"/>
           </a:p>
@@ -1530,7 +1530,7 @@
           <a:p>
             <a:fld id="{5BCAD085-E8A6-8845-BD4E-CB4CCA059FC4}" type="datetimeFigureOut">
               <a:rPr lang="en-US" smtClean="0"/>
-              <a:t>10/7/25</a:t>
+              <a:t>10/29/25</a:t>
             </a:fld>
             <a:endParaRPr lang="en-US"/>
           </a:p>
@@ -1815,7 +1815,7 @@
           <a:p>
             <a:fld id="{5BCAD085-E8A6-8845-BD4E-CB4CCA059FC4}" type="datetimeFigureOut">
               <a:rPr lang="en-US" smtClean="0"/>
-              <a:t>10/7/25</a:t>
+              <a:t>10/29/25</a:t>
             </a:fld>
             <a:endParaRPr lang="en-US"/>
           </a:p>
@@ -2234,7 +2234,7 @@
           <a:p>
             <a:fld id="{5BCAD085-E8A6-8845-BD4E-CB4CCA059FC4}" type="datetimeFigureOut">
               <a:rPr lang="en-US" smtClean="0"/>
-              <a:t>10/7/25</a:t>
+              <a:t>10/29/25</a:t>
             </a:fld>
             <a:endParaRPr lang="en-US"/>
           </a:p>
@@ -2351,7 +2351,7 @@
           <a:p>
             <a:fld id="{5BCAD085-E8A6-8845-BD4E-CB4CCA059FC4}" type="datetimeFigureOut">
               <a:rPr lang="en-US" smtClean="0"/>
-              <a:t>10/7/25</a:t>
+              <a:t>10/29/25</a:t>
             </a:fld>
             <a:endParaRPr lang="en-US"/>
           </a:p>
@@ -2446,7 +2446,7 @@
           <a:p>
             <a:fld id="{5BCAD085-E8A6-8845-BD4E-CB4CCA059FC4}" type="datetimeFigureOut">
               <a:rPr lang="en-US" smtClean="0"/>
-              <a:t>10/7/25</a:t>
+              <a:t>10/29/25</a:t>
             </a:fld>
             <a:endParaRPr lang="en-US"/>
           </a:p>
@@ -2721,7 +2721,7 @@
           <a:p>
             <a:fld id="{5BCAD085-E8A6-8845-BD4E-CB4CCA059FC4}" type="datetimeFigureOut">
               <a:rPr lang="en-US" smtClean="0"/>
-              <a:t>10/7/25</a:t>
+              <a:t>10/29/25</a:t>
             </a:fld>
             <a:endParaRPr lang="en-US"/>
           </a:p>
@@ -2973,7 +2973,7 @@
           <a:p>
             <a:fld id="{5BCAD085-E8A6-8845-BD4E-CB4CCA059FC4}" type="datetimeFigureOut">
               <a:rPr lang="en-US" smtClean="0"/>
-              <a:t>10/7/25</a:t>
+              <a:t>10/29/25</a:t>
             </a:fld>
             <a:endParaRPr lang="en-US"/>
           </a:p>
@@ -3184,7 +3184,7 @@
           <a:p>
             <a:fld id="{5BCAD085-E8A6-8845-BD4E-CB4CCA059FC4}" type="datetimeFigureOut">
               <a:rPr lang="en-US" smtClean="0"/>
-              <a:t>10/7/25</a:t>
+              <a:t>10/29/25</a:t>
             </a:fld>
             <a:endParaRPr lang="en-US"/>
           </a:p>
@@ -3595,2551 +3595,6 @@
           </a:p>
         </p:txBody>
       </p:sp>
-      <p:sp>
-        <p:nvSpPr>
-          <p:cNvPr id="16" name="テキスト ボックス 15">
-            <a:extLst>
-              <a:ext uri="{FF2B5EF4-FFF2-40B4-BE49-F238E27FC236}">
-                <a16:creationId xmlns:a16="http://schemas.microsoft.com/office/drawing/2014/main" id="{25A6E151-1C56-012D-25C4-967308C08C52}"/>
-              </a:ext>
-            </a:extLst>
-          </p:cNvPr>
-          <p:cNvSpPr txBox="1"/>
-          <p:nvPr/>
-        </p:nvSpPr>
-        <p:spPr>
-          <a:xfrm>
-            <a:off x="237043" y="5605448"/>
-            <a:ext cx="4943487" cy="1598454"/>
-          </a:xfrm>
-          <a:prstGeom prst="rect">
-            <a:avLst/>
-          </a:prstGeom>
-          <a:noFill/>
-          <a:scene3d>
-            <a:camera prst="orthographicFront"/>
-            <a:lightRig rig="threePt" dir="t"/>
-          </a:scene3d>
-          <a:sp3d contourW="12700">
-            <a:bevelT w="0"/>
-          </a:sp3d>
-        </p:spPr>
-        <p:txBody>
-          <a:bodyPr wrap="square" rtlCol="0">
-            <a:spAutoFit/>
-          </a:bodyPr>
-          <a:lstStyle/>
-          <a:p>
-            <a:r>
-              <a:rPr kumimoji="1" lang="en-US" altLang="ja-JP" sz="1400" dirty="0"/>
-              <a:t>Remark:</a:t>
-            </a:r>
-          </a:p>
-          <a:p>
-            <a:pPr marL="285750" indent="-285750">
-              <a:buFont typeface="Arial" panose="020B0604020202020204" pitchFamily="34" charset="0"/>
-              <a:buChar char="•"/>
-            </a:pPr>
-            <a:r>
-              <a:rPr lang="en" altLang="ja-JP" sz="1400" dirty="0"/>
-              <a:t>No. 5 is located behind No. 6.</a:t>
-            </a:r>
-          </a:p>
-          <a:p>
-            <a:pPr marL="285750" indent="-285750">
-              <a:buFont typeface="Arial" panose="020B0604020202020204" pitchFamily="34" charset="0"/>
-              <a:buChar char="•"/>
-            </a:pPr>
-            <a:r>
-              <a:rPr lang="en" altLang="ja-JP" sz="1400" dirty="0"/>
-              <a:t>     means convenience stores.</a:t>
-            </a:r>
-          </a:p>
-          <a:p>
-            <a:pPr marL="285750" indent="-285750">
-              <a:buFont typeface="Arial" panose="020B0604020202020204" pitchFamily="34" charset="0"/>
-              <a:buChar char="•"/>
-            </a:pPr>
-            <a:r>
-              <a:rPr lang="en" altLang="ja-JP" sz="1400" dirty="0"/>
-              <a:t>     means Lecture room E404.</a:t>
-            </a:r>
-          </a:p>
-          <a:p>
-            <a:pPr marL="285750" indent="-285750">
-              <a:buFont typeface="Arial" panose="020B0604020202020204" pitchFamily="34" charset="0"/>
-              <a:buChar char="•"/>
-            </a:pPr>
-            <a:r>
-              <a:rPr lang="en" altLang="ja-JP" sz="1400" b="0" i="0" u="none" strike="noStrike" dirty="0">
-                <a:solidFill>
-                  <a:srgbClr val="000000"/>
-                </a:solidFill>
-                <a:effectLst/>
-                <a:latin typeface="-webkit-standard"/>
-              </a:rPr>
-              <a:t>In the top-left corner of the map, there are many restaurants near Ishibashi-</a:t>
-            </a:r>
-            <a:r>
-              <a:rPr lang="en" altLang="ja-JP" sz="1400" b="0" i="0" u="none" strike="noStrike" dirty="0" err="1">
-                <a:solidFill>
-                  <a:srgbClr val="000000"/>
-                </a:solidFill>
-                <a:effectLst/>
-                <a:latin typeface="-webkit-standard"/>
-              </a:rPr>
-              <a:t>Handai</a:t>
-            </a:r>
-            <a:r>
-              <a:rPr lang="en" altLang="ja-JP" sz="1400" b="0" i="0" u="none" strike="noStrike" dirty="0">
-                <a:solidFill>
-                  <a:srgbClr val="000000"/>
-                </a:solidFill>
-                <a:effectLst/>
-                <a:latin typeface="-webkit-standard"/>
-              </a:rPr>
-              <a:t>-</a:t>
-            </a:r>
-            <a:r>
-              <a:rPr lang="en" altLang="ja-JP" sz="1400" b="0" i="0" u="none" strike="noStrike" dirty="0" err="1">
-                <a:solidFill>
-                  <a:srgbClr val="000000"/>
-                </a:solidFill>
-                <a:effectLst/>
-                <a:latin typeface="-webkit-standard"/>
-              </a:rPr>
-              <a:t>mae</a:t>
-            </a:r>
-            <a:r>
-              <a:rPr lang="en" altLang="ja-JP" sz="1400" b="0" i="0" u="none" strike="noStrike" dirty="0">
-                <a:solidFill>
-                  <a:srgbClr val="000000"/>
-                </a:solidFill>
-                <a:effectLst/>
-                <a:latin typeface="-webkit-standard"/>
-              </a:rPr>
-              <a:t> Station</a:t>
-            </a:r>
-            <a:r>
-              <a:rPr lang="en" altLang="ja-JP" sz="1400" dirty="0">
-                <a:solidFill>
-                  <a:srgbClr val="000000"/>
-                </a:solidFill>
-                <a:latin typeface="-webkit-standard"/>
-              </a:rPr>
-              <a:t> (</a:t>
-            </a:r>
-            <a:r>
-              <a:rPr lang="ja-JP" altLang="en-US" sz="1400" b="0" i="0" u="none" strike="noStrike">
-                <a:solidFill>
-                  <a:srgbClr val="000000"/>
-                </a:solidFill>
-                <a:effectLst/>
-                <a:latin typeface="-webkit-standard"/>
-              </a:rPr>
-              <a:t>石橋阪大前駅</a:t>
-            </a:r>
-            <a:r>
-              <a:rPr lang="en" altLang="ja-JP" sz="1400" b="0" i="0" u="none" strike="noStrike" dirty="0">
-                <a:solidFill>
-                  <a:srgbClr val="000000"/>
-                </a:solidFill>
-                <a:effectLst/>
-                <a:latin typeface="-webkit-standard"/>
-              </a:rPr>
-              <a:t>) . </a:t>
-            </a:r>
-            <a:r>
-              <a:rPr lang="en" altLang="ja-JP" sz="1400" dirty="0">
-                <a:solidFill>
-                  <a:srgbClr val="000000"/>
-                </a:solidFill>
-                <a:latin typeface="-webkit-standard"/>
-              </a:rPr>
-              <a:t>B</a:t>
-            </a:r>
-            <a:r>
-              <a:rPr lang="en" altLang="ja-JP" sz="1400" b="0" i="0" u="none" strike="noStrike" dirty="0">
-                <a:solidFill>
-                  <a:srgbClr val="000000"/>
-                </a:solidFill>
-                <a:effectLst/>
-                <a:latin typeface="-webkit-standard"/>
-              </a:rPr>
-              <a:t>ut it takes about 25–30 minutes on </a:t>
-            </a:r>
-            <a:r>
-              <a:rPr lang="en" altLang="ja-JP" sz="1400" dirty="0">
-                <a:solidFill>
-                  <a:srgbClr val="000000"/>
-                </a:solidFill>
-                <a:latin typeface="-webkit-standard"/>
-              </a:rPr>
-              <a:t>foot </a:t>
-            </a:r>
-            <a:r>
-              <a:rPr lang="en" altLang="ja-JP" sz="1400" b="0" i="0" u="none" strike="noStrike" dirty="0">
-                <a:solidFill>
-                  <a:srgbClr val="000000"/>
-                </a:solidFill>
-                <a:effectLst/>
-                <a:latin typeface="-webkit-standard"/>
-              </a:rPr>
-              <a:t>to get there.</a:t>
-            </a:r>
-            <a:endParaRPr lang="en" altLang="ja-JP" sz="1400" dirty="0"/>
-          </a:p>
-        </p:txBody>
-      </p:sp>
-      <p:graphicFrame>
-        <p:nvGraphicFramePr>
-          <p:cNvPr id="3" name="表 2">
-            <a:extLst>
-              <a:ext uri="{FF2B5EF4-FFF2-40B4-BE49-F238E27FC236}">
-                <a16:creationId xmlns:a16="http://schemas.microsoft.com/office/drawing/2014/main" id="{BEA8AE5E-03DC-ABEB-23DD-1B3D18B5018B}"/>
-              </a:ext>
-            </a:extLst>
-          </p:cNvPr>
-          <p:cNvGraphicFramePr>
-            <a:graphicFrameLocks noGrp="1"/>
-          </p:cNvGraphicFramePr>
-          <p:nvPr>
-            <p:extLst>
-              <p:ext uri="{D42A27DB-BD31-4B8C-83A1-F6EECF244321}">
-                <p14:modId xmlns:p14="http://schemas.microsoft.com/office/powerpoint/2010/main" val="3491710631"/>
-              </p:ext>
-            </p:extLst>
-          </p:nvPr>
-        </p:nvGraphicFramePr>
-        <p:xfrm>
-          <a:off x="5345906" y="355771"/>
-          <a:ext cx="5172876" cy="6848131"/>
-        </p:xfrm>
-        <a:graphic>
-          <a:graphicData uri="http://schemas.openxmlformats.org/drawingml/2006/table">
-            <a:tbl>
-              <a:tblPr firstRow="1" bandRow="1">
-                <a:tableStyleId>{5C22544A-7EE6-4342-B048-85BDC9FD1C3A}</a:tableStyleId>
-              </a:tblPr>
-              <a:tblGrid>
-                <a:gridCol w="362337">
-                  <a:extLst>
-                    <a:ext uri="{9D8B030D-6E8A-4147-A177-3AD203B41FA5}">
-                      <a16:colId xmlns:a16="http://schemas.microsoft.com/office/drawing/2014/main" val="1668481678"/>
-                    </a:ext>
-                  </a:extLst>
-                </a:gridCol>
-                <a:gridCol w="1749287">
-                  <a:extLst>
-                    <a:ext uri="{9D8B030D-6E8A-4147-A177-3AD203B41FA5}">
-                      <a16:colId xmlns:a16="http://schemas.microsoft.com/office/drawing/2014/main" val="701489623"/>
-                    </a:ext>
-                  </a:extLst>
-                </a:gridCol>
-                <a:gridCol w="1302026">
-                  <a:extLst>
-                    <a:ext uri="{9D8B030D-6E8A-4147-A177-3AD203B41FA5}">
-                      <a16:colId xmlns:a16="http://schemas.microsoft.com/office/drawing/2014/main" val="2166577437"/>
-                    </a:ext>
-                  </a:extLst>
-                </a:gridCol>
-                <a:gridCol w="943451">
-                  <a:extLst>
-                    <a:ext uri="{9D8B030D-6E8A-4147-A177-3AD203B41FA5}">
-                      <a16:colId xmlns:a16="http://schemas.microsoft.com/office/drawing/2014/main" val="2021080276"/>
-                    </a:ext>
-                  </a:extLst>
-                </a:gridCol>
-                <a:gridCol w="815775">
-                  <a:extLst>
-                    <a:ext uri="{9D8B030D-6E8A-4147-A177-3AD203B41FA5}">
-                      <a16:colId xmlns:a16="http://schemas.microsoft.com/office/drawing/2014/main" val="1497016226"/>
-                    </a:ext>
-                  </a:extLst>
-                </a:gridCol>
-              </a:tblGrid>
-              <a:tr h="298052">
-                <a:tc>
-                  <a:txBody>
-                    <a:bodyPr/>
-                    <a:lstStyle/>
-                    <a:p>
-                      <a:endParaRPr kumimoji="1" lang="ja-JP" altLang="en-US" sz="1600"/>
-                    </a:p>
-                  </a:txBody>
-                  <a:tcPr marL="104496" marR="104496" marT="52248" marB="52248"/>
-                </a:tc>
-                <a:tc>
-                  <a:txBody>
-                    <a:bodyPr/>
-                    <a:lstStyle/>
-                    <a:p>
-                      <a:pPr algn="ctr"/>
-                      <a:r>
-                        <a:rPr kumimoji="1" lang="en-US" altLang="ja-JP" sz="1600" dirty="0"/>
-                        <a:t>Name  (EN/JP)</a:t>
-                      </a:r>
-                      <a:endParaRPr kumimoji="1" lang="ja-JP" altLang="en-US" sz="1600"/>
-                    </a:p>
-                  </a:txBody>
-                  <a:tcPr marL="104496" marR="104496" marT="52248" marB="52248" anchor="ctr"/>
-                </a:tc>
-                <a:tc>
-                  <a:txBody>
-                    <a:bodyPr/>
-                    <a:lstStyle/>
-                    <a:p>
-                      <a:pPr algn="ctr"/>
-                      <a:r>
-                        <a:rPr lang="en" altLang="ja-JP" sz="1600" b="1" i="0" u="none" strike="noStrike" kern="1200" dirty="0">
-                          <a:solidFill>
-                            <a:schemeClr val="lt1"/>
-                          </a:solidFill>
-                          <a:effectLst/>
-                          <a:latin typeface="+mn-lt"/>
-                          <a:ea typeface="+mn-ea"/>
-                          <a:cs typeface="+mn-cs"/>
-                        </a:rPr>
-                        <a:t>Cuisine</a:t>
-                      </a:r>
-                      <a:endParaRPr kumimoji="1" lang="ja-JP" altLang="en-US" sz="1600"/>
-                    </a:p>
-                  </a:txBody>
-                  <a:tcPr marL="104496" marR="104496" marT="52248" marB="52248" anchor="ctr"/>
-                </a:tc>
-                <a:tc>
-                  <a:txBody>
-                    <a:bodyPr/>
-                    <a:lstStyle/>
-                    <a:p>
-                      <a:pPr algn="ctr"/>
-                      <a:r>
-                        <a:rPr kumimoji="1" lang="en-US" altLang="ja-JP" sz="1600" dirty="0"/>
-                        <a:t>Distance</a:t>
-                      </a:r>
-                    </a:p>
-                  </a:txBody>
-                  <a:tcPr marL="104496" marR="104496" marT="52248" marB="52248" anchor="ctr"/>
-                </a:tc>
-                <a:tc>
-                  <a:txBody>
-                    <a:bodyPr/>
-                    <a:lstStyle/>
-                    <a:p>
-                      <a:pPr algn="ctr"/>
-                      <a:r>
-                        <a:rPr kumimoji="1" lang="en-US" altLang="ja-JP" sz="1600" dirty="0"/>
-                        <a:t>Closed</a:t>
-                      </a:r>
-                      <a:endParaRPr kumimoji="1" lang="ja-JP" altLang="en-US" sz="1600"/>
-                    </a:p>
-                  </a:txBody>
-                  <a:tcPr marL="104496" marR="104496" marT="52248" marB="52248" anchor="ctr"/>
-                </a:tc>
-                <a:extLst>
-                  <a:ext uri="{0D108BD9-81ED-4DB2-BD59-A6C34878D82A}">
-                    <a16:rowId xmlns:a16="http://schemas.microsoft.com/office/drawing/2014/main" val="3947127098"/>
-                  </a:ext>
-                </a:extLst>
-              </a:tr>
-              <a:tr h="402373">
-                <a:tc>
-                  <a:txBody>
-                    <a:bodyPr/>
-                    <a:lstStyle/>
-                    <a:p>
-                      <a:pPr marL="0" indent="0" algn="ctr">
-                        <a:buFontTx/>
-                        <a:buNone/>
-                      </a:pPr>
-                      <a:r>
-                        <a:rPr kumimoji="1" lang="en-US" altLang="ja-JP" sz="1100" dirty="0"/>
-                        <a:t>1</a:t>
-                      </a:r>
-                    </a:p>
-                  </a:txBody>
-                  <a:tcPr marL="104496" marR="104496" marT="52248" marB="52248" anchor="ctr"/>
-                </a:tc>
-                <a:tc>
-                  <a:txBody>
-                    <a:bodyPr/>
-                    <a:lstStyle/>
-                    <a:p>
-                      <a:pPr algn="ctr"/>
-                      <a:r>
-                        <a:rPr lang="en" altLang="ja-JP" sz="1200" b="0" i="0" u="none" strike="noStrike" kern="1200" dirty="0">
-                          <a:solidFill>
-                            <a:schemeClr val="dk1"/>
-                          </a:solidFill>
-                          <a:effectLst/>
-                          <a:latin typeface="+mn-lt"/>
-                          <a:ea typeface="+mn-ea"/>
-                          <a:cs typeface="+mn-cs"/>
-                        </a:rPr>
-                        <a:t>La </a:t>
-                      </a:r>
-                      <a:r>
-                        <a:rPr lang="en" altLang="ja-JP" sz="1200" b="0" i="0" u="none" strike="noStrike" kern="1200" dirty="0" err="1">
-                          <a:solidFill>
-                            <a:schemeClr val="dk1"/>
-                          </a:solidFill>
-                          <a:effectLst/>
-                          <a:latin typeface="+mn-lt"/>
-                          <a:ea typeface="+mn-ea"/>
-                          <a:cs typeface="+mn-cs"/>
-                        </a:rPr>
-                        <a:t>Foret</a:t>
-                      </a:r>
-                      <a:r>
-                        <a:rPr lang="en" altLang="ja-JP" sz="1200" b="0" i="0" u="none" strike="noStrike" kern="1200" dirty="0">
-                          <a:solidFill>
-                            <a:schemeClr val="dk1"/>
-                          </a:solidFill>
-                          <a:effectLst/>
-                          <a:latin typeface="+mn-lt"/>
-                          <a:ea typeface="+mn-ea"/>
-                          <a:cs typeface="+mn-cs"/>
-                        </a:rPr>
-                        <a:t>/</a:t>
-                      </a:r>
-                      <a:r>
-                        <a:rPr lang="ja-JP" altLang="en-US" sz="1200" b="0" i="0" u="none" strike="noStrike" kern="1200">
-                          <a:solidFill>
-                            <a:schemeClr val="dk1"/>
-                          </a:solidFill>
-                          <a:effectLst/>
-                          <a:latin typeface="+mn-lt"/>
-                          <a:ea typeface="+mn-ea"/>
-                          <a:cs typeface="+mn-cs"/>
-                        </a:rPr>
-                        <a:t>らふぉれ</a:t>
-                      </a:r>
-                      <a:endParaRPr kumimoji="1" lang="ja-JP" altLang="en-US" sz="1200"/>
-                    </a:p>
-                  </a:txBody>
-                  <a:tcPr marL="104496" marR="104496" marT="52248" marB="52248" anchor="ctr"/>
-                </a:tc>
-                <a:tc>
-                  <a:txBody>
-                    <a:bodyPr/>
-                    <a:lstStyle/>
-                    <a:p>
-                      <a:pPr algn="ctr"/>
-                      <a:r>
-                        <a:rPr lang="en" altLang="ja-JP" sz="1200" b="0" i="0" u="none" strike="noStrike" kern="1200" dirty="0">
-                          <a:solidFill>
-                            <a:schemeClr val="dk1"/>
-                          </a:solidFill>
-                          <a:effectLst/>
-                          <a:latin typeface="+mn-lt"/>
-                          <a:ea typeface="+mn-ea"/>
-                          <a:cs typeface="+mn-cs"/>
-                        </a:rPr>
-                        <a:t>campus cafeteria</a:t>
-                      </a:r>
-                      <a:endParaRPr kumimoji="1" lang="ja-JP" altLang="en-US" sz="1200"/>
-                    </a:p>
-                  </a:txBody>
-                  <a:tcPr marL="104496" marR="104496" marT="52248" marB="52248" anchor="ctr"/>
-                </a:tc>
-                <a:tc>
-                  <a:txBody>
-                    <a:bodyPr/>
-                    <a:lstStyle/>
-                    <a:p>
-                      <a:pPr algn="ctr"/>
-                      <a:r>
-                        <a:rPr lang="en" altLang="ja-JP" sz="1200" b="0" i="0" u="none" strike="noStrike" kern="1200" dirty="0">
-                          <a:solidFill>
-                            <a:schemeClr val="dk1"/>
-                          </a:solidFill>
-                          <a:effectLst/>
-                          <a:latin typeface="+mn-lt"/>
-                          <a:ea typeface="+mn-ea"/>
-                          <a:cs typeface="+mn-cs"/>
-                        </a:rPr>
-                        <a:t>5 min</a:t>
-                      </a:r>
-                      <a:endParaRPr kumimoji="1" lang="ja-JP" altLang="en-US" sz="1200"/>
-                    </a:p>
-                  </a:txBody>
-                  <a:tcPr marL="104496" marR="104496" marT="52248" marB="52248" anchor="ctr"/>
-                </a:tc>
-                <a:tc>
-                  <a:txBody>
-                    <a:bodyPr/>
-                    <a:lstStyle/>
-                    <a:p>
-                      <a:pPr algn="ctr"/>
-                      <a:endParaRPr kumimoji="1" lang="ja-JP" altLang="en-US" sz="1200"/>
-                    </a:p>
-                  </a:txBody>
-                  <a:tcPr marL="104496" marR="104496" marT="52248" marB="52248" anchor="ctr"/>
-                </a:tc>
-                <a:extLst>
-                  <a:ext uri="{0D108BD9-81ED-4DB2-BD59-A6C34878D82A}">
-                    <a16:rowId xmlns:a16="http://schemas.microsoft.com/office/drawing/2014/main" val="3658262211"/>
-                  </a:ext>
-                </a:extLst>
-              </a:tr>
-              <a:tr h="402373">
-                <a:tc>
-                  <a:txBody>
-                    <a:bodyPr/>
-                    <a:lstStyle/>
-                    <a:p>
-                      <a:pPr marL="0" indent="0" algn="ctr">
-                        <a:buFontTx/>
-                        <a:buNone/>
-                      </a:pPr>
-                      <a:r>
-                        <a:rPr kumimoji="1" lang="en-US" altLang="ja-JP" sz="1100" dirty="0"/>
-                        <a:t>2</a:t>
-                      </a:r>
-                    </a:p>
-                  </a:txBody>
-                  <a:tcPr marL="104496" marR="104496" marT="52248" marB="52248" anchor="ctr"/>
-                </a:tc>
-                <a:tc>
-                  <a:txBody>
-                    <a:bodyPr/>
-                    <a:lstStyle/>
-                    <a:p>
-                      <a:pPr algn="ctr"/>
-                      <a:r>
-                        <a:rPr lang="en" altLang="ja-JP" sz="1200" b="0" i="0" u="none" strike="noStrike" kern="1200" dirty="0">
-                          <a:solidFill>
-                            <a:schemeClr val="dk1"/>
-                          </a:solidFill>
-                          <a:effectLst/>
-                          <a:latin typeface="+mn-lt"/>
-                          <a:ea typeface="+mn-ea"/>
-                          <a:cs typeface="+mn-cs"/>
-                        </a:rPr>
-                        <a:t>Steak no Don </a:t>
-                      </a:r>
-                    </a:p>
-                    <a:p>
-                      <a:pPr algn="ctr"/>
-                      <a:r>
-                        <a:rPr lang="en" altLang="ja-JP" sz="1200" b="0" i="0" u="none" strike="noStrike" kern="1200" dirty="0">
-                          <a:solidFill>
-                            <a:schemeClr val="dk1"/>
-                          </a:solidFill>
-                          <a:effectLst/>
-                          <a:latin typeface="+mn-lt"/>
-                          <a:ea typeface="+mn-ea"/>
-                          <a:cs typeface="+mn-cs"/>
-                        </a:rPr>
-                        <a:t>/ </a:t>
-                      </a:r>
-                      <a:r>
-                        <a:rPr lang="ja-JP" altLang="en-US" sz="1200" b="0" i="0" u="none" strike="noStrike" kern="1200">
-                          <a:solidFill>
-                            <a:schemeClr val="dk1"/>
-                          </a:solidFill>
-                          <a:effectLst/>
-                          <a:latin typeface="+mn-lt"/>
-                          <a:ea typeface="+mn-ea"/>
-                          <a:cs typeface="+mn-cs"/>
-                        </a:rPr>
-                        <a:t>ステーキのどん</a:t>
-                      </a:r>
-                      <a:endParaRPr kumimoji="1" lang="ja-JP" altLang="en-US" sz="1200"/>
-                    </a:p>
-                  </a:txBody>
-                  <a:tcPr marL="104496" marR="104496" marT="52248" marB="52248" anchor="ctr"/>
-                </a:tc>
-                <a:tc>
-                  <a:txBody>
-                    <a:bodyPr/>
-                    <a:lstStyle/>
-                    <a:p>
-                      <a:pPr algn="ctr"/>
-                      <a:r>
-                        <a:rPr lang="en" altLang="ja-JP" sz="1200" b="0" i="0" u="none" strike="noStrike" kern="1200" dirty="0">
-                          <a:solidFill>
-                            <a:schemeClr val="dk1"/>
-                          </a:solidFill>
-                          <a:effectLst/>
-                          <a:latin typeface="+mn-lt"/>
-                          <a:ea typeface="+mn-ea"/>
-                          <a:cs typeface="+mn-cs"/>
-                        </a:rPr>
-                        <a:t>Steakhouse</a:t>
-                      </a:r>
-                      <a:endParaRPr kumimoji="1" lang="ja-JP" altLang="en-US" sz="1200"/>
-                    </a:p>
-                  </a:txBody>
-                  <a:tcPr marL="104496" marR="104496" marT="52248" marB="52248" anchor="ctr"/>
-                </a:tc>
-                <a:tc>
-                  <a:txBody>
-                    <a:bodyPr/>
-                    <a:lstStyle/>
-                    <a:p>
-                      <a:pPr algn="ctr"/>
-                      <a:r>
-                        <a:rPr lang="en" altLang="ja-JP" sz="1200" b="0" i="0" u="none" strike="noStrike" kern="1200" dirty="0">
-                          <a:solidFill>
-                            <a:schemeClr val="dk1"/>
-                          </a:solidFill>
-                          <a:effectLst/>
-                          <a:latin typeface="+mn-lt"/>
-                          <a:ea typeface="+mn-ea"/>
-                          <a:cs typeface="+mn-cs"/>
-                        </a:rPr>
-                        <a:t>10 min</a:t>
-                      </a:r>
-                      <a:endParaRPr kumimoji="1" lang="ja-JP" altLang="en-US" sz="1200"/>
-                    </a:p>
-                  </a:txBody>
-                  <a:tcPr marL="104496" marR="104496" marT="52248" marB="52248" anchor="ctr"/>
-                </a:tc>
-                <a:tc>
-                  <a:txBody>
-                    <a:bodyPr/>
-                    <a:lstStyle/>
-                    <a:p>
-                      <a:pPr algn="ctr"/>
-                      <a:endParaRPr kumimoji="1" lang="ja-JP" altLang="en-US" sz="1200"/>
-                    </a:p>
-                  </a:txBody>
-                  <a:tcPr marL="104496" marR="104496" marT="52248" marB="52248" anchor="ctr"/>
-                </a:tc>
-                <a:extLst>
-                  <a:ext uri="{0D108BD9-81ED-4DB2-BD59-A6C34878D82A}">
-                    <a16:rowId xmlns:a16="http://schemas.microsoft.com/office/drawing/2014/main" val="2924007120"/>
-                  </a:ext>
-                </a:extLst>
-              </a:tr>
-              <a:tr h="402373">
-                <a:tc>
-                  <a:txBody>
-                    <a:bodyPr/>
-                    <a:lstStyle/>
-                    <a:p>
-                      <a:pPr marL="0" indent="0" algn="ctr">
-                        <a:buFontTx/>
-                        <a:buNone/>
-                      </a:pPr>
-                      <a:r>
-                        <a:rPr kumimoji="1" lang="en-US" altLang="ja-JP" sz="1100" dirty="0"/>
-                        <a:t>3</a:t>
-                      </a:r>
-                    </a:p>
-                  </a:txBody>
-                  <a:tcPr marL="104496" marR="104496" marT="52248" marB="52248" anchor="ctr"/>
-                </a:tc>
-                <a:tc>
-                  <a:txBody>
-                    <a:bodyPr/>
-                    <a:lstStyle/>
-                    <a:p>
-                      <a:pPr algn="ctr"/>
-                      <a:r>
-                        <a:rPr lang="en" altLang="ja-JP" sz="1200" b="0" i="0" u="none" strike="noStrike" kern="1200" dirty="0">
-                          <a:solidFill>
-                            <a:schemeClr val="dk1"/>
-                          </a:solidFill>
-                          <a:effectLst/>
-                          <a:latin typeface="+mn-lt"/>
-                          <a:ea typeface="+mn-ea"/>
-                          <a:cs typeface="+mn-cs"/>
-                        </a:rPr>
-                        <a:t>Dip </a:t>
-                      </a:r>
-                      <a:r>
-                        <a:rPr lang="en" altLang="ja-JP" sz="1200" b="0" i="0" u="none" strike="noStrike" kern="1200" dirty="0" err="1">
-                          <a:solidFill>
-                            <a:schemeClr val="dk1"/>
-                          </a:solidFill>
-                          <a:effectLst/>
-                          <a:latin typeface="+mn-lt"/>
-                          <a:ea typeface="+mn-ea"/>
-                          <a:cs typeface="+mn-cs"/>
-                        </a:rPr>
-                        <a:t>Rasna</a:t>
-                      </a:r>
-                      <a:r>
-                        <a:rPr lang="en" altLang="ja-JP" sz="1200" b="0" i="0" u="none" strike="noStrike" kern="1200" dirty="0">
-                          <a:solidFill>
-                            <a:schemeClr val="dk1"/>
-                          </a:solidFill>
-                          <a:effectLst/>
-                          <a:latin typeface="+mn-lt"/>
-                          <a:ea typeface="+mn-ea"/>
-                          <a:cs typeface="+mn-cs"/>
-                        </a:rPr>
-                        <a:t> </a:t>
-                      </a:r>
-                    </a:p>
-                    <a:p>
-                      <a:pPr algn="ctr"/>
-                      <a:r>
-                        <a:rPr lang="en" altLang="ja-JP" sz="1200" b="0" i="0" u="none" strike="noStrike" kern="1200" dirty="0">
-                          <a:solidFill>
-                            <a:schemeClr val="dk1"/>
-                          </a:solidFill>
-                          <a:effectLst/>
-                          <a:latin typeface="+mn-lt"/>
-                          <a:ea typeface="+mn-ea"/>
-                          <a:cs typeface="+mn-cs"/>
-                        </a:rPr>
-                        <a:t>/ </a:t>
-                      </a:r>
-                      <a:r>
-                        <a:rPr lang="ja-JP" altLang="en-US" sz="1200" b="0" i="0" u="none" strike="noStrike" kern="1200">
-                          <a:solidFill>
-                            <a:schemeClr val="dk1"/>
-                          </a:solidFill>
-                          <a:effectLst/>
-                          <a:latin typeface="+mn-lt"/>
-                          <a:ea typeface="+mn-ea"/>
-                          <a:cs typeface="+mn-cs"/>
-                        </a:rPr>
-                        <a:t>ディップラスナ</a:t>
-                      </a:r>
-                      <a:endParaRPr kumimoji="1" lang="ja-JP" altLang="en-US" sz="1200"/>
-                    </a:p>
-                  </a:txBody>
-                  <a:tcPr marL="104496" marR="104496" marT="52248" marB="52248" anchor="ctr"/>
-                </a:tc>
-                <a:tc>
-                  <a:txBody>
-                    <a:bodyPr/>
-                    <a:lstStyle/>
-                    <a:p>
-                      <a:pPr algn="ctr"/>
-                      <a:r>
-                        <a:rPr lang="en" altLang="ja-JP" sz="1200" b="0" i="0" u="none" strike="noStrike" kern="1200" dirty="0">
-                          <a:solidFill>
-                            <a:schemeClr val="dk1"/>
-                          </a:solidFill>
-                          <a:effectLst/>
-                          <a:latin typeface="+mn-lt"/>
-                          <a:ea typeface="+mn-ea"/>
-                          <a:cs typeface="+mn-cs"/>
-                        </a:rPr>
-                        <a:t>Indian cuisine</a:t>
-                      </a:r>
-                      <a:endParaRPr kumimoji="1" lang="ja-JP" altLang="en-US" sz="1200"/>
-                    </a:p>
-                  </a:txBody>
-                  <a:tcPr marL="104496" marR="104496" marT="52248" marB="52248" anchor="ctr"/>
-                </a:tc>
-                <a:tc>
-                  <a:txBody>
-                    <a:bodyPr/>
-                    <a:lstStyle/>
-                    <a:p>
-                      <a:pPr algn="ctr"/>
-                      <a:r>
-                        <a:rPr lang="en" altLang="ja-JP" sz="1200" b="0" i="0" u="none" strike="noStrike" kern="1200" dirty="0">
-                          <a:solidFill>
-                            <a:schemeClr val="dk1"/>
-                          </a:solidFill>
-                          <a:effectLst/>
-                          <a:latin typeface="+mn-lt"/>
-                          <a:ea typeface="+mn-ea"/>
-                          <a:cs typeface="+mn-cs"/>
-                        </a:rPr>
-                        <a:t>15 min</a:t>
-                      </a:r>
-                      <a:endParaRPr kumimoji="1" lang="ja-JP" altLang="en-US" sz="1200"/>
-                    </a:p>
-                  </a:txBody>
-                  <a:tcPr marL="104496" marR="104496" marT="52248" marB="52248" anchor="ctr"/>
-                </a:tc>
-                <a:tc>
-                  <a:txBody>
-                    <a:bodyPr/>
-                    <a:lstStyle/>
-                    <a:p>
-                      <a:pPr algn="ctr"/>
-                      <a:endParaRPr kumimoji="1" lang="ja-JP" altLang="en-US" sz="1200"/>
-                    </a:p>
-                  </a:txBody>
-                  <a:tcPr marL="104496" marR="104496" marT="52248" marB="52248" anchor="ctr"/>
-                </a:tc>
-                <a:extLst>
-                  <a:ext uri="{0D108BD9-81ED-4DB2-BD59-A6C34878D82A}">
-                    <a16:rowId xmlns:a16="http://schemas.microsoft.com/office/drawing/2014/main" val="2144274560"/>
-                  </a:ext>
-                </a:extLst>
-              </a:tr>
-              <a:tr h="245892">
-                <a:tc>
-                  <a:txBody>
-                    <a:bodyPr/>
-                    <a:lstStyle/>
-                    <a:p>
-                      <a:pPr marL="0" indent="0" algn="ctr">
-                        <a:buFontTx/>
-                        <a:buNone/>
-                      </a:pPr>
-                      <a:r>
-                        <a:rPr kumimoji="1" lang="en-US" altLang="ja-JP" sz="1100" dirty="0"/>
-                        <a:t>4</a:t>
-                      </a:r>
-                    </a:p>
-                  </a:txBody>
-                  <a:tcPr marL="104496" marR="104496" marT="52248" marB="52248" anchor="ctr"/>
-                </a:tc>
-                <a:tc>
-                  <a:txBody>
-                    <a:bodyPr/>
-                    <a:lstStyle/>
-                    <a:p>
-                      <a:pPr algn="ctr"/>
-                      <a:r>
-                        <a:rPr lang="en" altLang="ja-JP" sz="1200" b="0" i="0" u="none" strike="noStrike" kern="1200" dirty="0" err="1">
-                          <a:solidFill>
-                            <a:schemeClr val="dk1"/>
-                          </a:solidFill>
-                          <a:effectLst/>
-                          <a:latin typeface="+mn-lt"/>
-                          <a:ea typeface="+mn-ea"/>
-                          <a:cs typeface="+mn-cs"/>
-                        </a:rPr>
-                        <a:t>Aika</a:t>
-                      </a:r>
-                      <a:r>
-                        <a:rPr lang="en" altLang="ja-JP" sz="1200" b="0" i="0" u="none" strike="noStrike" kern="1200" dirty="0">
-                          <a:solidFill>
-                            <a:schemeClr val="dk1"/>
-                          </a:solidFill>
-                          <a:effectLst/>
-                          <a:latin typeface="+mn-lt"/>
-                          <a:ea typeface="+mn-ea"/>
-                          <a:cs typeface="+mn-cs"/>
-                        </a:rPr>
-                        <a:t> / </a:t>
-                      </a:r>
-                      <a:r>
-                        <a:rPr lang="ja-JP" altLang="en-US" sz="1200" b="0" i="0" u="none" strike="noStrike" kern="1200">
-                          <a:solidFill>
-                            <a:schemeClr val="dk1"/>
-                          </a:solidFill>
-                          <a:effectLst/>
-                          <a:latin typeface="+mn-lt"/>
-                          <a:ea typeface="+mn-ea"/>
-                          <a:cs typeface="+mn-cs"/>
-                        </a:rPr>
-                        <a:t>藍花</a:t>
-                      </a:r>
-                      <a:endParaRPr kumimoji="1" lang="ja-JP" altLang="en-US" sz="1200"/>
-                    </a:p>
-                  </a:txBody>
-                  <a:tcPr marL="104496" marR="104496" marT="52248" marB="52248" anchor="ctr"/>
-                </a:tc>
-                <a:tc>
-                  <a:txBody>
-                    <a:bodyPr/>
-                    <a:lstStyle/>
-                    <a:p>
-                      <a:pPr algn="ctr"/>
-                      <a:r>
-                        <a:rPr lang="en" altLang="ja-JP" sz="1200" b="0" i="0" u="none" strike="noStrike" kern="1200" dirty="0" err="1">
-                          <a:solidFill>
-                            <a:schemeClr val="dk1"/>
-                          </a:solidFill>
-                          <a:effectLst/>
-                          <a:latin typeface="+mn-lt"/>
-                          <a:ea typeface="+mn-ea"/>
-                          <a:cs typeface="+mn-cs"/>
-                        </a:rPr>
-                        <a:t>Kushikatsu</a:t>
-                      </a:r>
-                      <a:endParaRPr kumimoji="1" lang="ja-JP" altLang="en-US" sz="1200"/>
-                    </a:p>
-                  </a:txBody>
-                  <a:tcPr marL="104496" marR="104496" marT="52248" marB="52248" anchor="ctr"/>
-                </a:tc>
-                <a:tc>
-                  <a:txBody>
-                    <a:bodyPr/>
-                    <a:lstStyle/>
-                    <a:p>
-                      <a:pPr algn="ctr"/>
-                      <a:r>
-                        <a:rPr lang="en" altLang="ja-JP" sz="1200" b="0" i="0" u="none" strike="noStrike" kern="1200" dirty="0">
-                          <a:solidFill>
-                            <a:schemeClr val="dk1"/>
-                          </a:solidFill>
-                          <a:effectLst/>
-                          <a:latin typeface="+mn-lt"/>
-                          <a:ea typeface="+mn-ea"/>
-                          <a:cs typeface="+mn-cs"/>
-                        </a:rPr>
-                        <a:t>15-20 min </a:t>
-                      </a:r>
-                      <a:endParaRPr kumimoji="1" lang="ja-JP" altLang="en-US" sz="1200"/>
-                    </a:p>
-                  </a:txBody>
-                  <a:tcPr marL="104496" marR="104496" marT="52248" marB="52248" anchor="ctr"/>
-                </a:tc>
-                <a:tc>
-                  <a:txBody>
-                    <a:bodyPr/>
-                    <a:lstStyle/>
-                    <a:p>
-                      <a:pPr algn="ctr"/>
-                      <a:r>
-                        <a:rPr lang="en" altLang="ja-JP" sz="1200" b="0" i="0" u="none" strike="noStrike" kern="1200" dirty="0">
-                          <a:solidFill>
-                            <a:schemeClr val="dk1"/>
-                          </a:solidFill>
-                          <a:effectLst/>
-                          <a:latin typeface="+mn-lt"/>
-                          <a:ea typeface="+mn-ea"/>
-                          <a:cs typeface="+mn-cs"/>
-                        </a:rPr>
-                        <a:t>Tue, Wed</a:t>
-                      </a:r>
-                      <a:endParaRPr kumimoji="1" lang="ja-JP" altLang="en-US" sz="1200"/>
-                    </a:p>
-                  </a:txBody>
-                  <a:tcPr marL="104496" marR="104496" marT="52248" marB="52248" anchor="ctr"/>
-                </a:tc>
-                <a:extLst>
-                  <a:ext uri="{0D108BD9-81ED-4DB2-BD59-A6C34878D82A}">
-                    <a16:rowId xmlns:a16="http://schemas.microsoft.com/office/drawing/2014/main" val="3730246578"/>
-                  </a:ext>
-                </a:extLst>
-              </a:tr>
-              <a:tr h="245892">
-                <a:tc>
-                  <a:txBody>
-                    <a:bodyPr/>
-                    <a:lstStyle/>
-                    <a:p>
-                      <a:pPr marL="0" indent="0" algn="ctr">
-                        <a:buFontTx/>
-                        <a:buNone/>
-                      </a:pPr>
-                      <a:r>
-                        <a:rPr kumimoji="1" lang="en-US" altLang="ja-JP" sz="1100" dirty="0"/>
-                        <a:t>5</a:t>
-                      </a:r>
-                    </a:p>
-                  </a:txBody>
-                  <a:tcPr marL="104496" marR="104496" marT="52248" marB="52248" anchor="ctr"/>
-                </a:tc>
-                <a:tc>
-                  <a:txBody>
-                    <a:bodyPr/>
-                    <a:lstStyle/>
-                    <a:p>
-                      <a:pPr algn="ctr"/>
-                      <a:r>
-                        <a:rPr lang="en" altLang="ja-JP" sz="1200" b="0" i="0" u="none" strike="noStrike" kern="1200" dirty="0" err="1">
-                          <a:solidFill>
-                            <a:schemeClr val="dk1"/>
-                          </a:solidFill>
-                          <a:effectLst/>
-                          <a:latin typeface="+mn-lt"/>
-                          <a:ea typeface="+mn-ea"/>
-                          <a:cs typeface="+mn-cs"/>
-                        </a:rPr>
-                        <a:t>Sobafuji</a:t>
-                      </a:r>
-                      <a:r>
-                        <a:rPr lang="en" altLang="ja-JP" sz="1200" b="0" i="0" u="none" strike="noStrike" kern="1200" dirty="0">
-                          <a:solidFill>
-                            <a:schemeClr val="dk1"/>
-                          </a:solidFill>
-                          <a:effectLst/>
-                          <a:latin typeface="+mn-lt"/>
-                          <a:ea typeface="+mn-ea"/>
-                          <a:cs typeface="+mn-cs"/>
-                        </a:rPr>
-                        <a:t>/ </a:t>
-                      </a:r>
-                      <a:r>
-                        <a:rPr lang="ja-JP" altLang="en-US" sz="1200" b="0" i="0" u="none" strike="noStrike" kern="1200">
-                          <a:solidFill>
-                            <a:schemeClr val="dk1"/>
-                          </a:solidFill>
-                          <a:effectLst/>
-                          <a:latin typeface="+mn-lt"/>
-                          <a:ea typeface="+mn-ea"/>
-                          <a:cs typeface="+mn-cs"/>
-                        </a:rPr>
-                        <a:t>蕎麦藤</a:t>
-                      </a:r>
-                      <a:endParaRPr kumimoji="1" lang="ja-JP" altLang="en-US" sz="1200"/>
-                    </a:p>
-                  </a:txBody>
-                  <a:tcPr marL="104496" marR="104496" marT="52248" marB="52248" anchor="ctr"/>
-                </a:tc>
-                <a:tc>
-                  <a:txBody>
-                    <a:bodyPr/>
-                    <a:lstStyle/>
-                    <a:p>
-                      <a:pPr algn="ctr"/>
-                      <a:r>
-                        <a:rPr lang="en" altLang="ja-JP" sz="1200" b="0" i="0" u="none" strike="noStrike" kern="1200" dirty="0">
-                          <a:solidFill>
-                            <a:schemeClr val="dk1"/>
-                          </a:solidFill>
-                          <a:effectLst/>
-                          <a:latin typeface="+mn-lt"/>
-                          <a:ea typeface="+mn-ea"/>
-                          <a:cs typeface="+mn-cs"/>
-                        </a:rPr>
-                        <a:t>Soba</a:t>
-                      </a:r>
-                      <a:endParaRPr kumimoji="1" lang="ja-JP" altLang="en-US" sz="1200"/>
-                    </a:p>
-                  </a:txBody>
-                  <a:tcPr marL="104496" marR="104496" marT="52248" marB="52248" anchor="ctr"/>
-                </a:tc>
-                <a:tc>
-                  <a:txBody>
-                    <a:bodyPr/>
-                    <a:lstStyle/>
-                    <a:p>
-                      <a:pPr algn="ctr"/>
-                      <a:r>
-                        <a:rPr lang="en" altLang="ja-JP" sz="1200" b="0" i="0" u="none" strike="noStrike" kern="1200" dirty="0">
-                          <a:solidFill>
-                            <a:schemeClr val="dk1"/>
-                          </a:solidFill>
-                          <a:effectLst/>
-                          <a:latin typeface="+mn-lt"/>
-                          <a:ea typeface="+mn-ea"/>
-                          <a:cs typeface="+mn-cs"/>
-                        </a:rPr>
-                        <a:t>10 min </a:t>
-                      </a:r>
-                      <a:endParaRPr kumimoji="1" lang="ja-JP" altLang="en-US" sz="1200"/>
-                    </a:p>
-                  </a:txBody>
-                  <a:tcPr marL="104496" marR="104496" marT="52248" marB="52248" anchor="ctr"/>
-                </a:tc>
-                <a:tc>
-                  <a:txBody>
-                    <a:bodyPr/>
-                    <a:lstStyle/>
-                    <a:p>
-                      <a:pPr algn="ctr"/>
-                      <a:r>
-                        <a:rPr lang="en" altLang="ja-JP" sz="1200" b="0" i="0" u="none" strike="noStrike" kern="1200" dirty="0">
-                          <a:solidFill>
-                            <a:schemeClr val="dk1"/>
-                          </a:solidFill>
-                          <a:effectLst/>
-                          <a:latin typeface="+mn-lt"/>
-                          <a:ea typeface="+mn-ea"/>
-                          <a:cs typeface="+mn-cs"/>
-                        </a:rPr>
-                        <a:t>Wed</a:t>
-                      </a:r>
-                      <a:endParaRPr kumimoji="1" lang="ja-JP" altLang="en-US" sz="1200"/>
-                    </a:p>
-                  </a:txBody>
-                  <a:tcPr marL="104496" marR="104496" marT="52248" marB="52248" anchor="ctr"/>
-                </a:tc>
-                <a:extLst>
-                  <a:ext uri="{0D108BD9-81ED-4DB2-BD59-A6C34878D82A}">
-                    <a16:rowId xmlns:a16="http://schemas.microsoft.com/office/drawing/2014/main" val="3790105729"/>
-                  </a:ext>
-                </a:extLst>
-              </a:tr>
-              <a:tr h="302740">
-                <a:tc>
-                  <a:txBody>
-                    <a:bodyPr/>
-                    <a:lstStyle/>
-                    <a:p>
-                      <a:pPr marL="0" indent="0" algn="ctr">
-                        <a:buFontTx/>
-                        <a:buNone/>
-                      </a:pPr>
-                      <a:r>
-                        <a:rPr kumimoji="1" lang="en-US" altLang="ja-JP" sz="1100" dirty="0"/>
-                        <a:t>6</a:t>
-                      </a:r>
-                    </a:p>
-                  </a:txBody>
-                  <a:tcPr marL="104496" marR="104496" marT="52248" marB="52248" anchor="ctr"/>
-                </a:tc>
-                <a:tc>
-                  <a:txBody>
-                    <a:bodyPr/>
-                    <a:lstStyle/>
-                    <a:p>
-                      <a:pPr algn="ctr"/>
-                      <a:r>
-                        <a:rPr lang="en" altLang="ja-JP" sz="1200" b="0" i="0" u="none" strike="noStrike" kern="1200" dirty="0" err="1">
-                          <a:solidFill>
-                            <a:schemeClr val="dk1"/>
-                          </a:solidFill>
-                          <a:effectLst/>
-                          <a:latin typeface="+mn-lt"/>
-                          <a:ea typeface="+mn-ea"/>
-                          <a:cs typeface="+mn-cs"/>
-                        </a:rPr>
-                        <a:t>Akichan</a:t>
-                      </a:r>
-                      <a:r>
-                        <a:rPr lang="en" altLang="ja-JP" sz="1200" b="0" i="0" u="none" strike="noStrike" kern="1200" dirty="0">
-                          <a:solidFill>
-                            <a:schemeClr val="dk1"/>
-                          </a:solidFill>
-                          <a:effectLst/>
-                          <a:latin typeface="+mn-lt"/>
-                          <a:ea typeface="+mn-ea"/>
-                          <a:cs typeface="+mn-cs"/>
-                        </a:rPr>
-                        <a:t> / </a:t>
-                      </a:r>
-                      <a:r>
-                        <a:rPr lang="ja-JP" altLang="en-US" sz="1200" b="0" i="0" u="none" strike="noStrike" kern="1200">
-                          <a:solidFill>
-                            <a:schemeClr val="dk1"/>
-                          </a:solidFill>
-                          <a:effectLst/>
-                          <a:latin typeface="+mn-lt"/>
-                          <a:ea typeface="+mn-ea"/>
-                          <a:cs typeface="+mn-cs"/>
-                        </a:rPr>
-                        <a:t>あきちゃん</a:t>
-                      </a:r>
-                      <a:endParaRPr kumimoji="1" lang="ja-JP" altLang="en-US" sz="1200"/>
-                    </a:p>
-                  </a:txBody>
-                  <a:tcPr marL="104496" marR="104496" marT="52248" marB="52248" anchor="ctr"/>
-                </a:tc>
-                <a:tc>
-                  <a:txBody>
-                    <a:bodyPr/>
-                    <a:lstStyle/>
-                    <a:p>
-                      <a:pPr algn="ctr"/>
-                      <a:r>
-                        <a:rPr lang="en" altLang="ja-JP" sz="1200" b="0" i="0" u="none" strike="noStrike" kern="1200" dirty="0">
-                          <a:solidFill>
-                            <a:schemeClr val="dk1"/>
-                          </a:solidFill>
-                          <a:effectLst/>
-                          <a:latin typeface="+mn-lt"/>
-                          <a:ea typeface="+mn-ea"/>
-                          <a:cs typeface="+mn-cs"/>
-                        </a:rPr>
-                        <a:t>Okonomiyaki</a:t>
-                      </a:r>
-                      <a:endParaRPr kumimoji="1" lang="ja-JP" altLang="en-US" sz="1200"/>
-                    </a:p>
-                  </a:txBody>
-                  <a:tcPr marL="104496" marR="104496" marT="52248" marB="52248" anchor="ctr"/>
-                </a:tc>
-                <a:tc>
-                  <a:txBody>
-                    <a:bodyPr/>
-                    <a:lstStyle/>
-                    <a:p>
-                      <a:pPr algn="ctr"/>
-                      <a:r>
-                        <a:rPr lang="en" altLang="ja-JP" sz="1200" b="0" i="0" u="none" strike="noStrike" kern="1200" dirty="0">
-                          <a:solidFill>
-                            <a:schemeClr val="dk1"/>
-                          </a:solidFill>
-                          <a:effectLst/>
-                          <a:latin typeface="+mn-lt"/>
-                          <a:ea typeface="+mn-ea"/>
-                          <a:cs typeface="+mn-cs"/>
-                        </a:rPr>
-                        <a:t>10 min</a:t>
-                      </a:r>
-                      <a:endParaRPr kumimoji="1" lang="ja-JP" altLang="en-US" sz="1200"/>
-                    </a:p>
-                  </a:txBody>
-                  <a:tcPr marL="104496" marR="104496" marT="52248" marB="52248" anchor="ctr"/>
-                </a:tc>
-                <a:tc>
-                  <a:txBody>
-                    <a:bodyPr/>
-                    <a:lstStyle/>
-                    <a:p>
-                      <a:pPr algn="ctr"/>
-                      <a:r>
-                        <a:rPr lang="en" altLang="ja-JP" sz="1200" b="0" i="0" u="none" strike="noStrike" kern="1200" dirty="0">
-                          <a:solidFill>
-                            <a:schemeClr val="dk1"/>
-                          </a:solidFill>
-                          <a:effectLst/>
-                          <a:latin typeface="+mn-lt"/>
-                          <a:ea typeface="+mn-ea"/>
-                          <a:cs typeface="+mn-cs"/>
-                        </a:rPr>
-                        <a:t>Mon, Tue</a:t>
-                      </a:r>
-                      <a:endParaRPr kumimoji="1" lang="ja-JP" altLang="en-US" sz="1200"/>
-                    </a:p>
-                  </a:txBody>
-                  <a:tcPr marL="104496" marR="104496" marT="52248" marB="52248" anchor="ctr"/>
-                </a:tc>
-                <a:extLst>
-                  <a:ext uri="{0D108BD9-81ED-4DB2-BD59-A6C34878D82A}">
-                    <a16:rowId xmlns:a16="http://schemas.microsoft.com/office/drawing/2014/main" val="4113026598"/>
-                  </a:ext>
-                </a:extLst>
-              </a:tr>
-              <a:tr h="402373">
-                <a:tc>
-                  <a:txBody>
-                    <a:bodyPr/>
-                    <a:lstStyle/>
-                    <a:p>
-                      <a:pPr marL="0" indent="0" algn="ctr">
-                        <a:buFontTx/>
-                        <a:buNone/>
-                      </a:pPr>
-                      <a:r>
-                        <a:rPr kumimoji="1" lang="en-US" altLang="ja-JP" sz="1100" dirty="0"/>
-                        <a:t>7</a:t>
-                      </a:r>
-                    </a:p>
-                  </a:txBody>
-                  <a:tcPr marL="104496" marR="104496" marT="52248" marB="52248" anchor="ctr"/>
-                </a:tc>
-                <a:tc>
-                  <a:txBody>
-                    <a:bodyPr/>
-                    <a:lstStyle/>
-                    <a:p>
-                      <a:pPr algn="ctr"/>
-                      <a:r>
-                        <a:rPr lang="en" altLang="ja-JP" sz="1200" b="0" i="0" u="none" strike="noStrike" kern="1200" dirty="0">
-                          <a:solidFill>
-                            <a:schemeClr val="dk1"/>
-                          </a:solidFill>
-                          <a:effectLst/>
-                          <a:latin typeface="+mn-lt"/>
-                          <a:ea typeface="+mn-ea"/>
-                          <a:cs typeface="+mn-cs"/>
-                        </a:rPr>
-                        <a:t>The LOAF Cafe </a:t>
-                      </a:r>
-                      <a:endParaRPr kumimoji="1" lang="ja-JP" altLang="en-US" sz="1200"/>
-                    </a:p>
-                  </a:txBody>
-                  <a:tcPr marL="104496" marR="104496" marT="52248" marB="52248" anchor="ctr"/>
-                </a:tc>
-                <a:tc>
-                  <a:txBody>
-                    <a:bodyPr/>
-                    <a:lstStyle/>
-                    <a:p>
-                      <a:pPr algn="ctr"/>
-                      <a:r>
-                        <a:rPr lang="en" altLang="ja-JP" sz="1200" b="0" i="0" u="none" strike="noStrike" kern="1200" dirty="0">
-                          <a:solidFill>
-                            <a:schemeClr val="dk1"/>
-                          </a:solidFill>
-                          <a:effectLst/>
-                          <a:latin typeface="+mn-lt"/>
-                          <a:ea typeface="+mn-ea"/>
-                          <a:cs typeface="+mn-cs"/>
-                        </a:rPr>
-                        <a:t>French &amp; Italian cuisine</a:t>
-                      </a:r>
-                      <a:endParaRPr kumimoji="1" lang="ja-JP" altLang="en-US" sz="1200"/>
-                    </a:p>
-                  </a:txBody>
-                  <a:tcPr marL="104496" marR="104496" marT="52248" marB="52248" anchor="ctr"/>
-                </a:tc>
-                <a:tc>
-                  <a:txBody>
-                    <a:bodyPr/>
-                    <a:lstStyle/>
-                    <a:p>
-                      <a:pPr algn="ctr"/>
-                      <a:r>
-                        <a:rPr lang="en" altLang="ja-JP" sz="1200" b="0" i="0" u="none" strike="noStrike" kern="1200" dirty="0">
-                          <a:solidFill>
-                            <a:schemeClr val="dk1"/>
-                          </a:solidFill>
-                          <a:effectLst/>
-                          <a:latin typeface="+mn-lt"/>
-                          <a:ea typeface="+mn-ea"/>
-                          <a:cs typeface="+mn-cs"/>
-                        </a:rPr>
-                        <a:t>15-20 min </a:t>
-                      </a:r>
-                      <a:endParaRPr kumimoji="1" lang="ja-JP" altLang="en-US" sz="1200"/>
-                    </a:p>
-                  </a:txBody>
-                  <a:tcPr marL="104496" marR="104496" marT="52248" marB="52248" anchor="ctr"/>
-                </a:tc>
-                <a:tc>
-                  <a:txBody>
-                    <a:bodyPr/>
-                    <a:lstStyle/>
-                    <a:p>
-                      <a:pPr algn="ctr"/>
-                      <a:endParaRPr kumimoji="1" lang="ja-JP" altLang="en-US" sz="1200"/>
-                    </a:p>
-                  </a:txBody>
-                  <a:tcPr marL="104496" marR="104496" marT="52248" marB="52248" anchor="ctr"/>
-                </a:tc>
-                <a:extLst>
-                  <a:ext uri="{0D108BD9-81ED-4DB2-BD59-A6C34878D82A}">
-                    <a16:rowId xmlns:a16="http://schemas.microsoft.com/office/drawing/2014/main" val="1079421623"/>
-                  </a:ext>
-                </a:extLst>
-              </a:tr>
-              <a:tr h="420490">
-                <a:tc>
-                  <a:txBody>
-                    <a:bodyPr/>
-                    <a:lstStyle/>
-                    <a:p>
-                      <a:pPr marL="0" indent="0" algn="ctr">
-                        <a:buFontTx/>
-                        <a:buNone/>
-                      </a:pPr>
-                      <a:r>
-                        <a:rPr kumimoji="1" lang="en-US" altLang="ja-JP" sz="1100" dirty="0"/>
-                        <a:t>8</a:t>
-                      </a:r>
-                    </a:p>
-                  </a:txBody>
-                  <a:tcPr marL="104496" marR="104496" marT="52248" marB="52248" anchor="ctr"/>
-                </a:tc>
-                <a:tc>
-                  <a:txBody>
-                    <a:bodyPr/>
-                    <a:lstStyle/>
-                    <a:p>
-                      <a:pPr algn="ctr"/>
-                      <a:r>
-                        <a:rPr lang="en" altLang="ja-JP" sz="1200" b="0" i="0" u="none" strike="noStrike" kern="1200" dirty="0" err="1">
-                          <a:solidFill>
-                            <a:schemeClr val="dk1"/>
-                          </a:solidFill>
-                          <a:effectLst/>
-                          <a:latin typeface="+mn-lt"/>
-                          <a:ea typeface="+mn-ea"/>
-                          <a:cs typeface="+mn-cs"/>
-                        </a:rPr>
-                        <a:t>Wafu</a:t>
-                      </a:r>
-                      <a:r>
-                        <a:rPr lang="en" altLang="ja-JP" sz="1200" b="0" i="0" u="none" strike="noStrike" kern="1200" dirty="0">
-                          <a:solidFill>
-                            <a:schemeClr val="dk1"/>
-                          </a:solidFill>
-                          <a:effectLst/>
-                          <a:latin typeface="+mn-lt"/>
-                          <a:ea typeface="+mn-ea"/>
-                          <a:cs typeface="+mn-cs"/>
-                        </a:rPr>
-                        <a:t> Chuka Torin </a:t>
-                      </a:r>
-                    </a:p>
-                    <a:p>
-                      <a:pPr algn="ctr"/>
-                      <a:r>
-                        <a:rPr lang="en" altLang="ja-JP" sz="1200" b="0" i="0" u="none" strike="noStrike" kern="1200" dirty="0">
-                          <a:solidFill>
-                            <a:schemeClr val="dk1"/>
-                          </a:solidFill>
-                          <a:effectLst/>
-                          <a:latin typeface="+mn-lt"/>
-                          <a:ea typeface="+mn-ea"/>
-                          <a:cs typeface="+mn-cs"/>
-                        </a:rPr>
-                        <a:t>/ </a:t>
-                      </a:r>
-                      <a:r>
-                        <a:rPr lang="ja-JP" altLang="en-US" sz="1200" b="0" i="0" u="none" strike="noStrike" kern="1200">
-                          <a:solidFill>
-                            <a:schemeClr val="dk1"/>
-                          </a:solidFill>
-                          <a:effectLst/>
-                          <a:latin typeface="+mn-lt"/>
-                          <a:ea typeface="+mn-ea"/>
-                          <a:cs typeface="+mn-cs"/>
-                        </a:rPr>
-                        <a:t>和風中華 東林</a:t>
-                      </a:r>
-                      <a:endParaRPr kumimoji="1" lang="ja-JP" altLang="en-US" sz="1200"/>
-                    </a:p>
-                  </a:txBody>
-                  <a:tcPr marL="104496" marR="104496" marT="52248" marB="52248" anchor="ctr"/>
-                </a:tc>
-                <a:tc>
-                  <a:txBody>
-                    <a:bodyPr/>
-                    <a:lstStyle/>
-                    <a:p>
-                      <a:pPr algn="ctr"/>
-                      <a:r>
-                        <a:rPr lang="en" altLang="ja-JP" sz="1200" b="0" i="0" u="none" strike="noStrike" kern="1200" dirty="0">
-                          <a:solidFill>
-                            <a:schemeClr val="dk1"/>
-                          </a:solidFill>
-                          <a:effectLst/>
-                          <a:latin typeface="+mn-lt"/>
-                          <a:ea typeface="+mn-ea"/>
-                          <a:cs typeface="+mn-cs"/>
-                        </a:rPr>
-                        <a:t>Japanese Chinese cuisine</a:t>
-                      </a:r>
-                      <a:endParaRPr kumimoji="1" lang="ja-JP" altLang="en-US" sz="1200"/>
-                    </a:p>
-                  </a:txBody>
-                  <a:tcPr marL="104496" marR="104496" marT="52248" marB="52248" anchor="ctr"/>
-                </a:tc>
-                <a:tc>
-                  <a:txBody>
-                    <a:bodyPr/>
-                    <a:lstStyle/>
-                    <a:p>
-                      <a:pPr algn="ctr"/>
-                      <a:r>
-                        <a:rPr lang="en" altLang="ja-JP" sz="1200" b="0" i="0" u="none" strike="noStrike" kern="1200" dirty="0">
-                          <a:solidFill>
-                            <a:schemeClr val="dk1"/>
-                          </a:solidFill>
-                          <a:effectLst/>
-                          <a:latin typeface="+mn-lt"/>
-                          <a:ea typeface="+mn-ea"/>
-                          <a:cs typeface="+mn-cs"/>
-                        </a:rPr>
-                        <a:t>10-15-min</a:t>
-                      </a:r>
-                      <a:endParaRPr kumimoji="1" lang="ja-JP" altLang="en-US" sz="1200"/>
-                    </a:p>
-                  </a:txBody>
-                  <a:tcPr marL="104496" marR="104496" marT="52248" marB="52248" anchor="ctr"/>
-                </a:tc>
-                <a:tc>
-                  <a:txBody>
-                    <a:bodyPr/>
-                    <a:lstStyle/>
-                    <a:p>
-                      <a:pPr algn="ctr"/>
-                      <a:r>
-                        <a:rPr kumimoji="1" lang="en-US" altLang="ja-JP" sz="1200" dirty="0"/>
-                        <a:t>Sun</a:t>
-                      </a:r>
-                      <a:endParaRPr kumimoji="1" lang="ja-JP" altLang="en-US" sz="1200"/>
-                    </a:p>
-                  </a:txBody>
-                  <a:tcPr marL="104496" marR="104496" marT="52248" marB="52248" anchor="ctr"/>
-                </a:tc>
-                <a:extLst>
-                  <a:ext uri="{0D108BD9-81ED-4DB2-BD59-A6C34878D82A}">
-                    <a16:rowId xmlns:a16="http://schemas.microsoft.com/office/drawing/2014/main" val="584013561"/>
-                  </a:ext>
-                </a:extLst>
-              </a:tr>
-              <a:tr h="420490">
-                <a:tc>
-                  <a:txBody>
-                    <a:bodyPr/>
-                    <a:lstStyle/>
-                    <a:p>
-                      <a:pPr marL="0" indent="0" algn="ctr">
-                        <a:buFontTx/>
-                        <a:buNone/>
-                      </a:pPr>
-                      <a:r>
-                        <a:rPr kumimoji="1" lang="en-US" altLang="ja-JP" sz="1100" dirty="0"/>
-                        <a:t>9</a:t>
-                      </a:r>
-                    </a:p>
-                  </a:txBody>
-                  <a:tcPr marL="104496" marR="104496" marT="52248" marB="52248" anchor="ctr"/>
-                </a:tc>
-                <a:tc>
-                  <a:txBody>
-                    <a:bodyPr/>
-                    <a:lstStyle/>
-                    <a:p>
-                      <a:pPr algn="ctr"/>
-                      <a:r>
-                        <a:rPr lang="en" altLang="ja-JP" sz="1200" b="0" i="0" u="none" strike="noStrike" kern="1200" dirty="0" err="1">
-                          <a:solidFill>
-                            <a:schemeClr val="dk1"/>
-                          </a:solidFill>
-                          <a:effectLst/>
-                          <a:latin typeface="+mn-lt"/>
-                          <a:ea typeface="+mn-ea"/>
-                          <a:cs typeface="+mn-cs"/>
-                        </a:rPr>
-                        <a:t>Mahorobatei</a:t>
-                      </a:r>
-                      <a:r>
-                        <a:rPr lang="en" altLang="ja-JP" sz="1200" b="0" i="0" u="none" strike="noStrike" kern="1200" dirty="0">
-                          <a:solidFill>
-                            <a:schemeClr val="dk1"/>
-                          </a:solidFill>
-                          <a:effectLst/>
-                          <a:latin typeface="+mn-lt"/>
-                          <a:ea typeface="+mn-ea"/>
-                          <a:cs typeface="+mn-cs"/>
-                        </a:rPr>
-                        <a:t> </a:t>
-                      </a:r>
-                    </a:p>
-                    <a:p>
-                      <a:pPr algn="ctr"/>
-                      <a:r>
-                        <a:rPr lang="en" altLang="ja-JP" sz="1200" b="0" i="0" u="none" strike="noStrike" kern="1200" dirty="0">
-                          <a:solidFill>
-                            <a:schemeClr val="dk1"/>
-                          </a:solidFill>
-                          <a:effectLst/>
-                          <a:latin typeface="+mn-lt"/>
-                          <a:ea typeface="+mn-ea"/>
-                          <a:cs typeface="+mn-cs"/>
-                        </a:rPr>
-                        <a:t>/ </a:t>
-                      </a:r>
-                      <a:r>
-                        <a:rPr lang="ja-JP" altLang="en-US" sz="1200" b="0" i="0" u="none" strike="noStrike" kern="1200">
-                          <a:solidFill>
-                            <a:schemeClr val="dk1"/>
-                          </a:solidFill>
-                          <a:effectLst/>
-                          <a:latin typeface="+mn-lt"/>
-                          <a:ea typeface="+mn-ea"/>
-                          <a:cs typeface="+mn-cs"/>
-                        </a:rPr>
-                        <a:t>まほろば亭</a:t>
-                      </a:r>
-                      <a:endParaRPr kumimoji="1" lang="ja-JP" altLang="en-US" sz="1200"/>
-                    </a:p>
-                  </a:txBody>
-                  <a:tcPr marL="104496" marR="104496" marT="52248" marB="52248" anchor="ctr"/>
-                </a:tc>
-                <a:tc>
-                  <a:txBody>
-                    <a:bodyPr/>
-                    <a:lstStyle/>
-                    <a:p>
-                      <a:pPr marL="0" marR="0" lvl="0" indent="0" algn="ctr" defTabSz="457200" rtl="0" eaLnBrk="1" fontAlgn="auto" latinLnBrk="0" hangingPunct="1">
-                        <a:lnSpc>
-                          <a:spcPct val="100000"/>
-                        </a:lnSpc>
-                        <a:spcBef>
-                          <a:spcPts val="0"/>
-                        </a:spcBef>
-                        <a:spcAft>
-                          <a:spcPts val="0"/>
-                        </a:spcAft>
-                        <a:buClrTx/>
-                        <a:buSzTx/>
-                        <a:buFontTx/>
-                        <a:buNone/>
-                        <a:tabLst/>
-                        <a:defRPr/>
-                      </a:pPr>
-                      <a:r>
-                        <a:rPr lang="en" altLang="ja-JP" sz="1200" b="0" i="0" u="none" strike="noStrike" kern="1200" dirty="0">
-                          <a:solidFill>
-                            <a:schemeClr val="dk1"/>
-                          </a:solidFill>
-                          <a:effectLst/>
-                          <a:latin typeface="+mn-lt"/>
-                          <a:ea typeface="+mn-ea"/>
-                          <a:cs typeface="+mn-cs"/>
-                        </a:rPr>
-                        <a:t>Japanese Chinese cuisine</a:t>
-                      </a:r>
-                      <a:endParaRPr kumimoji="1" lang="ja-JP" altLang="en-US" sz="1200"/>
-                    </a:p>
-                  </a:txBody>
-                  <a:tcPr marL="104496" marR="104496" marT="52248" marB="52248" anchor="ctr"/>
-                </a:tc>
-                <a:tc>
-                  <a:txBody>
-                    <a:bodyPr/>
-                    <a:lstStyle/>
-                    <a:p>
-                      <a:pPr marL="0" marR="0" lvl="0" indent="0" algn="ctr" defTabSz="457200" rtl="0" eaLnBrk="1" fontAlgn="auto" latinLnBrk="0" hangingPunct="1">
-                        <a:lnSpc>
-                          <a:spcPct val="100000"/>
-                        </a:lnSpc>
-                        <a:spcBef>
-                          <a:spcPts val="0"/>
-                        </a:spcBef>
-                        <a:spcAft>
-                          <a:spcPts val="0"/>
-                        </a:spcAft>
-                        <a:buClrTx/>
-                        <a:buSzTx/>
-                        <a:buFontTx/>
-                        <a:buNone/>
-                        <a:tabLst/>
-                        <a:defRPr/>
-                      </a:pPr>
-                      <a:r>
-                        <a:rPr lang="en" altLang="ja-JP" sz="1200" b="0" i="0" u="none" strike="noStrike" kern="1200" dirty="0">
-                          <a:solidFill>
-                            <a:schemeClr val="dk1"/>
-                          </a:solidFill>
-                          <a:effectLst/>
-                          <a:latin typeface="+mn-lt"/>
-                          <a:ea typeface="+mn-ea"/>
-                          <a:cs typeface="+mn-cs"/>
-                        </a:rPr>
-                        <a:t>10-15 min </a:t>
-                      </a:r>
-                      <a:endParaRPr kumimoji="1" lang="ja-JP" altLang="en-US" sz="1200"/>
-                    </a:p>
-                  </a:txBody>
-                  <a:tcPr marL="104496" marR="104496" marT="52248" marB="52248" anchor="ctr"/>
-                </a:tc>
-                <a:tc>
-                  <a:txBody>
-                    <a:bodyPr/>
-                    <a:lstStyle/>
-                    <a:p>
-                      <a:pPr algn="ctr"/>
-                      <a:r>
-                        <a:rPr lang="en" altLang="ja-JP" sz="1200" b="0" i="0" u="none" strike="noStrike" kern="1200" dirty="0">
-                          <a:solidFill>
-                            <a:schemeClr val="dk1"/>
-                          </a:solidFill>
-                          <a:effectLst/>
-                          <a:latin typeface="+mn-lt"/>
-                          <a:ea typeface="+mn-ea"/>
-                          <a:cs typeface="+mn-cs"/>
-                        </a:rPr>
-                        <a:t>Wed</a:t>
-                      </a:r>
-                      <a:endParaRPr kumimoji="1" lang="ja-JP" altLang="en-US" sz="1200"/>
-                    </a:p>
-                  </a:txBody>
-                  <a:tcPr marL="104496" marR="104496" marT="52248" marB="52248" anchor="ctr"/>
-                </a:tc>
-                <a:extLst>
-                  <a:ext uri="{0D108BD9-81ED-4DB2-BD59-A6C34878D82A}">
-                    <a16:rowId xmlns:a16="http://schemas.microsoft.com/office/drawing/2014/main" val="383862899"/>
-                  </a:ext>
-                </a:extLst>
-              </a:tr>
-              <a:tr h="402373">
-                <a:tc>
-                  <a:txBody>
-                    <a:bodyPr/>
-                    <a:lstStyle/>
-                    <a:p>
-                      <a:pPr marL="0" indent="0" algn="ctr">
-                        <a:buFontTx/>
-                        <a:buNone/>
-                      </a:pPr>
-                      <a:r>
-                        <a:rPr kumimoji="1" lang="en-US" altLang="ja-JP" sz="1100" dirty="0"/>
-                        <a:t>10</a:t>
-                      </a:r>
-                    </a:p>
-                  </a:txBody>
-                  <a:tcPr marL="104496" marR="104496" marT="52248" marB="52248" anchor="ctr"/>
-                </a:tc>
-                <a:tc>
-                  <a:txBody>
-                    <a:bodyPr/>
-                    <a:lstStyle/>
-                    <a:p>
-                      <a:pPr algn="ctr"/>
-                      <a:r>
-                        <a:rPr lang="en" altLang="ja-JP" sz="1200" b="0" i="0" u="none" strike="noStrike" kern="1200" dirty="0">
-                          <a:solidFill>
-                            <a:schemeClr val="dk1"/>
-                          </a:solidFill>
-                          <a:effectLst/>
-                          <a:latin typeface="+mn-lt"/>
-                          <a:ea typeface="+mn-ea"/>
-                          <a:cs typeface="+mn-cs"/>
-                        </a:rPr>
-                        <a:t>Men-</a:t>
-                      </a:r>
-                      <a:r>
-                        <a:rPr lang="en" altLang="ja-JP" sz="1200" b="0" i="0" u="none" strike="noStrike" kern="1200" dirty="0" err="1">
-                          <a:solidFill>
-                            <a:schemeClr val="dk1"/>
-                          </a:solidFill>
-                          <a:effectLst/>
-                          <a:latin typeface="+mn-lt"/>
-                          <a:ea typeface="+mn-ea"/>
-                          <a:cs typeface="+mn-cs"/>
-                        </a:rPr>
-                        <a:t>ya</a:t>
-                      </a:r>
-                      <a:r>
-                        <a:rPr lang="en" altLang="ja-JP" sz="1200" b="0" i="0" u="none" strike="noStrike" kern="1200" dirty="0">
-                          <a:solidFill>
-                            <a:schemeClr val="dk1"/>
-                          </a:solidFill>
-                          <a:effectLst/>
-                          <a:latin typeface="+mn-lt"/>
-                          <a:ea typeface="+mn-ea"/>
-                          <a:cs typeface="+mn-cs"/>
-                        </a:rPr>
-                        <a:t> Hoi / </a:t>
-                      </a:r>
-                      <a:r>
-                        <a:rPr lang="ja-JP" altLang="en-US" sz="1200" b="0" i="0" u="none" strike="noStrike" kern="1200">
-                          <a:solidFill>
-                            <a:schemeClr val="dk1"/>
-                          </a:solidFill>
-                          <a:effectLst/>
-                          <a:latin typeface="+mn-lt"/>
-                          <a:ea typeface="+mn-ea"/>
-                          <a:cs typeface="+mn-cs"/>
-                        </a:rPr>
-                        <a:t>麺屋ほぃ</a:t>
-                      </a:r>
-                      <a:endParaRPr kumimoji="1" lang="ja-JP" altLang="en-US" sz="1200"/>
-                    </a:p>
-                  </a:txBody>
-                  <a:tcPr marL="104496" marR="104496" marT="52248" marB="52248" anchor="ctr"/>
-                </a:tc>
-                <a:tc>
-                  <a:txBody>
-                    <a:bodyPr/>
-                    <a:lstStyle/>
-                    <a:p>
-                      <a:pPr algn="ctr"/>
-                      <a:r>
-                        <a:rPr lang="en" altLang="ja-JP" sz="1200" b="0" i="0" u="none" strike="noStrike" kern="1200" dirty="0">
-                          <a:solidFill>
-                            <a:schemeClr val="dk1"/>
-                          </a:solidFill>
-                          <a:effectLst/>
-                          <a:latin typeface="+mn-lt"/>
-                          <a:ea typeface="+mn-ea"/>
-                          <a:cs typeface="+mn-cs"/>
-                        </a:rPr>
-                        <a:t>Ramen</a:t>
-                      </a:r>
-                      <a:endParaRPr kumimoji="1" lang="ja-JP" altLang="en-US" sz="1200"/>
-                    </a:p>
-                  </a:txBody>
-                  <a:tcPr marL="104496" marR="104496" marT="52248" marB="52248" anchor="ctr"/>
-                </a:tc>
-                <a:tc>
-                  <a:txBody>
-                    <a:bodyPr/>
-                    <a:lstStyle/>
-                    <a:p>
-                      <a:pPr algn="ctr"/>
-                      <a:r>
-                        <a:rPr lang="en" altLang="ja-JP" sz="1200" b="0" i="0" u="none" strike="noStrike" kern="1200" dirty="0">
-                          <a:solidFill>
-                            <a:schemeClr val="dk1"/>
-                          </a:solidFill>
-                          <a:effectLst/>
-                          <a:latin typeface="+mn-lt"/>
-                          <a:ea typeface="+mn-ea"/>
-                          <a:cs typeface="+mn-cs"/>
-                        </a:rPr>
-                        <a:t>15-20 min </a:t>
-                      </a:r>
-                      <a:endParaRPr kumimoji="1" lang="ja-JP" altLang="en-US" sz="1200"/>
-                    </a:p>
-                  </a:txBody>
-                  <a:tcPr marL="104496" marR="104496" marT="52248" marB="52248" anchor="ctr"/>
-                </a:tc>
-                <a:tc>
-                  <a:txBody>
-                    <a:bodyPr/>
-                    <a:lstStyle/>
-                    <a:p>
-                      <a:pPr algn="ctr"/>
-                      <a:r>
-                        <a:rPr lang="en" altLang="ja-JP" sz="1200" b="0" i="0" u="none" strike="noStrike" kern="1200" dirty="0">
-                          <a:solidFill>
-                            <a:schemeClr val="dk1"/>
-                          </a:solidFill>
-                          <a:effectLst/>
-                          <a:latin typeface="+mn-lt"/>
-                          <a:ea typeface="+mn-ea"/>
-                          <a:cs typeface="+mn-cs"/>
-                        </a:rPr>
-                        <a:t>Wed</a:t>
-                      </a:r>
-                      <a:endParaRPr kumimoji="1" lang="ja-JP" altLang="en-US" sz="1200"/>
-                    </a:p>
-                  </a:txBody>
-                  <a:tcPr marL="104496" marR="104496" marT="52248" marB="52248" anchor="ctr"/>
-                </a:tc>
-                <a:extLst>
-                  <a:ext uri="{0D108BD9-81ED-4DB2-BD59-A6C34878D82A}">
-                    <a16:rowId xmlns:a16="http://schemas.microsoft.com/office/drawing/2014/main" val="3753433827"/>
-                  </a:ext>
-                </a:extLst>
-              </a:tr>
-              <a:tr h="402373">
-                <a:tc>
-                  <a:txBody>
-                    <a:bodyPr/>
-                    <a:lstStyle/>
-                    <a:p>
-                      <a:pPr marL="0" indent="0" algn="ctr">
-                        <a:buFontTx/>
-                        <a:buNone/>
-                      </a:pPr>
-                      <a:r>
-                        <a:rPr kumimoji="1" lang="en-US" altLang="ja-JP" sz="1100" dirty="0"/>
-                        <a:t>11</a:t>
-                      </a:r>
-                    </a:p>
-                  </a:txBody>
-                  <a:tcPr marL="104496" marR="104496" marT="52248" marB="52248" anchor="ctr"/>
-                </a:tc>
-                <a:tc>
-                  <a:txBody>
-                    <a:bodyPr/>
-                    <a:lstStyle/>
-                    <a:p>
-                      <a:pPr algn="ctr"/>
-                      <a:r>
-                        <a:rPr lang="en" altLang="ja-JP" sz="1200" b="0" i="0" u="none" strike="noStrike" kern="1200" dirty="0">
-                          <a:solidFill>
-                            <a:schemeClr val="dk1"/>
-                          </a:solidFill>
-                          <a:effectLst/>
-                          <a:latin typeface="+mn-lt"/>
-                          <a:ea typeface="+mn-ea"/>
-                          <a:cs typeface="+mn-cs"/>
-                        </a:rPr>
-                        <a:t>Kathmandu </a:t>
-                      </a:r>
-                    </a:p>
-                    <a:p>
-                      <a:pPr algn="ctr"/>
-                      <a:r>
-                        <a:rPr lang="en" altLang="ja-JP" sz="1200" b="0" i="0" u="none" strike="noStrike" kern="1200" dirty="0">
-                          <a:solidFill>
-                            <a:schemeClr val="dk1"/>
-                          </a:solidFill>
-                          <a:effectLst/>
-                          <a:latin typeface="+mn-lt"/>
-                          <a:ea typeface="+mn-ea"/>
-                          <a:cs typeface="+mn-cs"/>
-                        </a:rPr>
-                        <a:t>/ </a:t>
-                      </a:r>
-                      <a:r>
-                        <a:rPr lang="ja-JP" altLang="en-US" sz="1200" b="0" i="0" u="none" strike="noStrike" kern="1200">
-                          <a:solidFill>
-                            <a:schemeClr val="dk1"/>
-                          </a:solidFill>
-                          <a:effectLst/>
-                          <a:latin typeface="+mn-lt"/>
-                          <a:ea typeface="+mn-ea"/>
-                          <a:cs typeface="+mn-cs"/>
-                        </a:rPr>
-                        <a:t>カトマンドゥ</a:t>
-                      </a:r>
-                      <a:endParaRPr kumimoji="1" lang="ja-JP" altLang="en-US" sz="1200"/>
-                    </a:p>
-                  </a:txBody>
-                  <a:tcPr marL="104496" marR="104496" marT="52248" marB="52248" anchor="ctr"/>
-                </a:tc>
-                <a:tc>
-                  <a:txBody>
-                    <a:bodyPr/>
-                    <a:lstStyle/>
-                    <a:p>
-                      <a:pPr algn="ctr"/>
-                      <a:r>
-                        <a:rPr lang="en" altLang="ja-JP" sz="1200" b="0" i="0" u="none" strike="noStrike" kern="1200" dirty="0">
-                          <a:solidFill>
-                            <a:schemeClr val="dk1"/>
-                          </a:solidFill>
-                          <a:effectLst/>
-                          <a:latin typeface="+mn-lt"/>
-                          <a:ea typeface="+mn-ea"/>
-                          <a:cs typeface="+mn-cs"/>
-                        </a:rPr>
-                        <a:t>Nepalese cuisine</a:t>
-                      </a:r>
-                      <a:endParaRPr kumimoji="1" lang="ja-JP" altLang="en-US" sz="1200"/>
-                    </a:p>
-                  </a:txBody>
-                  <a:tcPr marL="104496" marR="104496" marT="52248" marB="52248" anchor="ctr"/>
-                </a:tc>
-                <a:tc>
-                  <a:txBody>
-                    <a:bodyPr/>
-                    <a:lstStyle/>
-                    <a:p>
-                      <a:pPr algn="ctr"/>
-                      <a:r>
-                        <a:rPr lang="en" altLang="ja-JP" sz="1200" b="0" i="0" u="none" strike="noStrike" kern="1200" dirty="0">
-                          <a:solidFill>
-                            <a:schemeClr val="dk1"/>
-                          </a:solidFill>
-                          <a:effectLst/>
-                          <a:latin typeface="+mn-lt"/>
-                          <a:ea typeface="+mn-ea"/>
-                          <a:cs typeface="+mn-cs"/>
-                        </a:rPr>
-                        <a:t>15-20 min </a:t>
-                      </a:r>
-                      <a:endParaRPr kumimoji="1" lang="ja-JP" altLang="en-US" sz="1200"/>
-                    </a:p>
-                  </a:txBody>
-                  <a:tcPr marL="104496" marR="104496" marT="52248" marB="52248" anchor="ctr"/>
-                </a:tc>
-                <a:tc>
-                  <a:txBody>
-                    <a:bodyPr/>
-                    <a:lstStyle/>
-                    <a:p>
-                      <a:pPr algn="ctr"/>
-                      <a:endParaRPr kumimoji="1" lang="ja-JP" altLang="en-US" sz="1200"/>
-                    </a:p>
-                  </a:txBody>
-                  <a:tcPr marL="104496" marR="104496" marT="52248" marB="52248" anchor="ctr"/>
-                </a:tc>
-                <a:extLst>
-                  <a:ext uri="{0D108BD9-81ED-4DB2-BD59-A6C34878D82A}">
-                    <a16:rowId xmlns:a16="http://schemas.microsoft.com/office/drawing/2014/main" val="787028619"/>
-                  </a:ext>
-                </a:extLst>
-              </a:tr>
-              <a:tr h="558854">
-                <a:tc>
-                  <a:txBody>
-                    <a:bodyPr/>
-                    <a:lstStyle/>
-                    <a:p>
-                      <a:pPr marL="0" indent="0" algn="ctr">
-                        <a:buFontTx/>
-                        <a:buNone/>
-                      </a:pPr>
-                      <a:r>
-                        <a:rPr kumimoji="1" lang="en-US" altLang="ja-JP" sz="1100" dirty="0"/>
-                        <a:t>12</a:t>
-                      </a:r>
-                    </a:p>
-                  </a:txBody>
-                  <a:tcPr marL="104496" marR="104496" marT="52248" marB="52248" anchor="ctr"/>
-                </a:tc>
-                <a:tc>
-                  <a:txBody>
-                    <a:bodyPr/>
-                    <a:lstStyle/>
-                    <a:p>
-                      <a:pPr algn="ctr"/>
-                      <a:r>
-                        <a:rPr lang="en" altLang="ja-JP" sz="1200" b="0" i="0" u="none" strike="noStrike" kern="1200" dirty="0">
-                          <a:solidFill>
-                            <a:schemeClr val="dk1"/>
-                          </a:solidFill>
-                          <a:effectLst/>
-                          <a:latin typeface="+mn-lt"/>
-                          <a:ea typeface="+mn-ea"/>
-                          <a:cs typeface="+mn-cs"/>
-                        </a:rPr>
-                        <a:t>Yoshioka Maguro-</a:t>
-                      </a:r>
-                      <a:r>
-                        <a:rPr lang="en" altLang="ja-JP" sz="1200" b="0" i="0" u="none" strike="noStrike" kern="1200" dirty="0" err="1">
-                          <a:solidFill>
-                            <a:schemeClr val="dk1"/>
-                          </a:solidFill>
-                          <a:effectLst/>
-                          <a:latin typeface="+mn-lt"/>
-                          <a:ea typeface="+mn-ea"/>
-                          <a:cs typeface="+mn-cs"/>
-                        </a:rPr>
-                        <a:t>bushi</a:t>
-                      </a:r>
-                      <a:r>
-                        <a:rPr lang="en" altLang="ja-JP" sz="1200" b="0" i="0" u="none" strike="noStrike" kern="1200" dirty="0">
-                          <a:solidFill>
-                            <a:schemeClr val="dk1"/>
-                          </a:solidFill>
-                          <a:effectLst/>
-                          <a:latin typeface="+mn-lt"/>
-                          <a:ea typeface="+mn-ea"/>
-                          <a:cs typeface="+mn-cs"/>
-                        </a:rPr>
-                        <a:t> Center</a:t>
-                      </a:r>
-                    </a:p>
-                    <a:p>
-                      <a:pPr algn="ctr"/>
-                      <a:r>
-                        <a:rPr lang="en" altLang="ja-JP" sz="1200" b="0" i="0" u="none" strike="noStrike" kern="1200" dirty="0">
-                          <a:solidFill>
-                            <a:schemeClr val="dk1"/>
-                          </a:solidFill>
-                          <a:effectLst/>
-                          <a:latin typeface="+mn-lt"/>
-                          <a:ea typeface="+mn-ea"/>
-                          <a:cs typeface="+mn-cs"/>
-                        </a:rPr>
-                        <a:t>/</a:t>
-                      </a:r>
-                      <a:r>
-                        <a:rPr lang="ja-JP" altLang="en-US" sz="1200" b="0" i="0" u="none" strike="noStrike" kern="1200">
-                          <a:solidFill>
-                            <a:schemeClr val="dk1"/>
-                          </a:solidFill>
-                          <a:effectLst/>
-                          <a:latin typeface="+mn-lt"/>
-                          <a:ea typeface="+mn-ea"/>
-                          <a:cs typeface="+mn-cs"/>
-                        </a:rPr>
-                        <a:t>吉岡マグロ節センター</a:t>
-                      </a:r>
-                      <a:endParaRPr kumimoji="1" lang="ja-JP" altLang="en-US" sz="1200"/>
-                    </a:p>
-                  </a:txBody>
-                  <a:tcPr marL="104496" marR="104496" marT="52248" marB="52248" anchor="ctr"/>
-                </a:tc>
-                <a:tc>
-                  <a:txBody>
-                    <a:bodyPr/>
-                    <a:lstStyle/>
-                    <a:p>
-                      <a:pPr algn="ctr"/>
-                      <a:r>
-                        <a:rPr lang="en" altLang="ja-JP" sz="1200" b="0" i="0" u="none" strike="noStrike" kern="1200" dirty="0">
-                          <a:solidFill>
-                            <a:schemeClr val="dk1"/>
-                          </a:solidFill>
-                          <a:effectLst/>
-                          <a:latin typeface="+mn-lt"/>
-                          <a:ea typeface="+mn-ea"/>
-                          <a:cs typeface="+mn-cs"/>
-                        </a:rPr>
-                        <a:t>Ramen</a:t>
-                      </a:r>
-                      <a:endParaRPr kumimoji="1" lang="ja-JP" altLang="en-US" sz="1200"/>
-                    </a:p>
-                  </a:txBody>
-                  <a:tcPr marL="104496" marR="104496" marT="52248" marB="52248" anchor="ctr"/>
-                </a:tc>
-                <a:tc>
-                  <a:txBody>
-                    <a:bodyPr/>
-                    <a:lstStyle/>
-                    <a:p>
-                      <a:pPr algn="ctr"/>
-                      <a:r>
-                        <a:rPr lang="en" altLang="ja-JP" sz="1200" b="0" i="0" u="none" strike="noStrike" kern="1200" dirty="0">
-                          <a:solidFill>
-                            <a:schemeClr val="dk1"/>
-                          </a:solidFill>
-                          <a:effectLst/>
-                          <a:latin typeface="+mn-lt"/>
-                          <a:ea typeface="+mn-ea"/>
-                          <a:cs typeface="+mn-cs"/>
-                        </a:rPr>
-                        <a:t>15-20 min</a:t>
-                      </a:r>
-                      <a:endParaRPr kumimoji="1" lang="ja-JP" altLang="en-US" sz="1200"/>
-                    </a:p>
-                  </a:txBody>
-                  <a:tcPr marL="104496" marR="104496" marT="52248" marB="52248" anchor="ctr"/>
-                </a:tc>
-                <a:tc>
-                  <a:txBody>
-                    <a:bodyPr/>
-                    <a:lstStyle/>
-                    <a:p>
-                      <a:pPr algn="ctr"/>
-                      <a:endParaRPr kumimoji="1" lang="ja-JP" altLang="en-US" sz="1200"/>
-                    </a:p>
-                  </a:txBody>
-                  <a:tcPr marL="104496" marR="104496" marT="52248" marB="52248" anchor="ctr"/>
-                </a:tc>
-                <a:extLst>
-                  <a:ext uri="{0D108BD9-81ED-4DB2-BD59-A6C34878D82A}">
-                    <a16:rowId xmlns:a16="http://schemas.microsoft.com/office/drawing/2014/main" val="928157175"/>
-                  </a:ext>
-                </a:extLst>
-              </a:tr>
-              <a:tr h="420474">
-                <a:tc>
-                  <a:txBody>
-                    <a:bodyPr/>
-                    <a:lstStyle/>
-                    <a:p>
-                      <a:pPr marL="0" indent="0" algn="ctr">
-                        <a:buFontTx/>
-                        <a:buNone/>
-                      </a:pPr>
-                      <a:r>
-                        <a:rPr kumimoji="1" lang="en-US" altLang="ja-JP" sz="1100" dirty="0"/>
-                        <a:t>13</a:t>
-                      </a:r>
-                    </a:p>
-                  </a:txBody>
-                  <a:tcPr marL="104496" marR="104496" marT="52248" marB="52248" anchor="ctr"/>
-                </a:tc>
-                <a:tc>
-                  <a:txBody>
-                    <a:bodyPr/>
-                    <a:lstStyle/>
-                    <a:p>
-                      <a:pPr algn="ctr"/>
-                      <a:r>
-                        <a:rPr lang="en" altLang="ja-JP" sz="1200" b="0" i="0" u="none" strike="noStrike" kern="1200" dirty="0" err="1">
-                          <a:solidFill>
-                            <a:schemeClr val="dk1"/>
-                          </a:solidFill>
-                          <a:effectLst/>
-                          <a:latin typeface="+mn-lt"/>
-                          <a:ea typeface="+mn-ea"/>
-                          <a:cs typeface="+mn-cs"/>
-                        </a:rPr>
-                        <a:t>Maruyoshi</a:t>
-                      </a:r>
-                      <a:r>
-                        <a:rPr lang="en" altLang="ja-JP" sz="1200" b="0" i="0" u="none" strike="noStrike" kern="1200" dirty="0">
-                          <a:solidFill>
-                            <a:schemeClr val="dk1"/>
-                          </a:solidFill>
-                          <a:effectLst/>
-                          <a:latin typeface="+mn-lt"/>
-                          <a:ea typeface="+mn-ea"/>
-                          <a:cs typeface="+mn-cs"/>
-                        </a:rPr>
-                        <a:t> </a:t>
-                      </a:r>
-                      <a:r>
-                        <a:rPr lang="en" altLang="ja-JP" sz="1200" b="0" i="0" u="none" strike="noStrike" kern="1200" dirty="0" err="1">
-                          <a:solidFill>
-                            <a:schemeClr val="dk1"/>
-                          </a:solidFill>
-                          <a:effectLst/>
-                          <a:latin typeface="+mn-lt"/>
-                          <a:ea typeface="+mn-ea"/>
-                          <a:cs typeface="+mn-cs"/>
-                        </a:rPr>
-                        <a:t>Seimenjo</a:t>
-                      </a:r>
-                      <a:r>
-                        <a:rPr lang="en" altLang="ja-JP" sz="1200" b="0" i="0" u="none" strike="noStrike" kern="1200" dirty="0">
-                          <a:solidFill>
-                            <a:schemeClr val="dk1"/>
-                          </a:solidFill>
-                          <a:effectLst/>
-                          <a:latin typeface="+mn-lt"/>
-                          <a:ea typeface="+mn-ea"/>
-                          <a:cs typeface="+mn-cs"/>
-                        </a:rPr>
-                        <a:t> </a:t>
-                      </a:r>
-                    </a:p>
-                    <a:p>
-                      <a:pPr algn="ctr"/>
-                      <a:r>
-                        <a:rPr lang="en" altLang="ja-JP" sz="1200" b="0" i="0" u="none" strike="noStrike" kern="1200" dirty="0">
-                          <a:solidFill>
-                            <a:schemeClr val="dk1"/>
-                          </a:solidFill>
-                          <a:effectLst/>
-                          <a:latin typeface="+mn-lt"/>
-                          <a:ea typeface="+mn-ea"/>
-                          <a:cs typeface="+mn-cs"/>
-                        </a:rPr>
-                        <a:t>/</a:t>
-                      </a:r>
-                      <a:r>
-                        <a:rPr lang="ja-JP" altLang="en-US" sz="1200" b="0" i="0" u="none" strike="noStrike" kern="1200">
-                          <a:solidFill>
-                            <a:schemeClr val="dk1"/>
-                          </a:solidFill>
-                          <a:effectLst/>
-                          <a:latin typeface="+mn-lt"/>
-                          <a:ea typeface="+mn-ea"/>
-                          <a:cs typeface="+mn-cs"/>
-                        </a:rPr>
-                        <a:t>マルヨシ製麺所</a:t>
-                      </a:r>
-                      <a:endParaRPr kumimoji="1" lang="ja-JP" altLang="en-US" sz="1200"/>
-                    </a:p>
-                  </a:txBody>
-                  <a:tcPr marL="104496" marR="104496" marT="52248" marB="52248" anchor="ctr"/>
-                </a:tc>
-                <a:tc>
-                  <a:txBody>
-                    <a:bodyPr/>
-                    <a:lstStyle/>
-                    <a:p>
-                      <a:pPr algn="ctr"/>
-                      <a:r>
-                        <a:rPr kumimoji="1" lang="en-US" altLang="ja-JP" sz="1200" dirty="0" err="1"/>
-                        <a:t>Udon</a:t>
-                      </a:r>
-                      <a:endParaRPr kumimoji="1" lang="ja-JP" altLang="en-US" sz="1200"/>
-                    </a:p>
-                  </a:txBody>
-                  <a:tcPr marL="104496" marR="104496" marT="52248" marB="52248" anchor="ctr"/>
-                </a:tc>
-                <a:tc>
-                  <a:txBody>
-                    <a:bodyPr/>
-                    <a:lstStyle/>
-                    <a:p>
-                      <a:pPr algn="ctr"/>
-                      <a:r>
-                        <a:rPr lang="en" altLang="ja-JP" sz="1200" b="0" i="0" u="none" strike="noStrike" kern="1200" dirty="0">
-                          <a:solidFill>
-                            <a:schemeClr val="dk1"/>
-                          </a:solidFill>
-                          <a:effectLst/>
-                          <a:latin typeface="+mn-lt"/>
-                          <a:ea typeface="+mn-ea"/>
-                          <a:cs typeface="+mn-cs"/>
-                        </a:rPr>
-                        <a:t>20-min</a:t>
-                      </a:r>
-                      <a:endParaRPr kumimoji="1" lang="ja-JP" altLang="en-US" sz="1200"/>
-                    </a:p>
-                  </a:txBody>
-                  <a:tcPr marL="104496" marR="104496" marT="52248" marB="52248" anchor="ctr"/>
-                </a:tc>
-                <a:tc>
-                  <a:txBody>
-                    <a:bodyPr/>
-                    <a:lstStyle/>
-                    <a:p>
-                      <a:pPr algn="ctr"/>
-                      <a:endParaRPr kumimoji="1" lang="ja-JP" altLang="en-US" sz="1200"/>
-                    </a:p>
-                  </a:txBody>
-                  <a:tcPr marL="104496" marR="104496" marT="52248" marB="52248" anchor="ctr"/>
-                </a:tc>
-                <a:extLst>
-                  <a:ext uri="{0D108BD9-81ED-4DB2-BD59-A6C34878D82A}">
-                    <a16:rowId xmlns:a16="http://schemas.microsoft.com/office/drawing/2014/main" val="4156867040"/>
-                  </a:ext>
-                </a:extLst>
-              </a:tr>
-              <a:tr h="402373">
-                <a:tc>
-                  <a:txBody>
-                    <a:bodyPr/>
-                    <a:lstStyle/>
-                    <a:p>
-                      <a:pPr marL="0" indent="0" algn="ctr">
-                        <a:buFontTx/>
-                        <a:buNone/>
-                      </a:pPr>
-                      <a:r>
-                        <a:rPr kumimoji="1" lang="en-US" altLang="ja-JP" sz="1100" dirty="0"/>
-                        <a:t>14</a:t>
-                      </a:r>
-                    </a:p>
-                  </a:txBody>
-                  <a:tcPr marL="104496" marR="104496" marT="52248" marB="52248" anchor="ctr"/>
-                </a:tc>
-                <a:tc>
-                  <a:txBody>
-                    <a:bodyPr/>
-                    <a:lstStyle/>
-                    <a:p>
-                      <a:pPr algn="ctr"/>
-                      <a:r>
-                        <a:rPr lang="en" altLang="ja-JP" sz="1200" b="0" i="0" u="none" strike="noStrike" kern="1200" dirty="0" err="1">
-                          <a:solidFill>
-                            <a:schemeClr val="dk1"/>
-                          </a:solidFill>
-                          <a:effectLst/>
-                          <a:latin typeface="+mn-lt"/>
-                          <a:ea typeface="+mn-ea"/>
-                          <a:cs typeface="+mn-cs"/>
-                        </a:rPr>
-                        <a:t>Maruju</a:t>
-                      </a:r>
-                      <a:r>
-                        <a:rPr lang="en" altLang="ja-JP" sz="1200" b="0" i="0" u="none" strike="noStrike" kern="1200" dirty="0">
-                          <a:solidFill>
-                            <a:schemeClr val="dk1"/>
-                          </a:solidFill>
-                          <a:effectLst/>
-                          <a:latin typeface="+mn-lt"/>
-                          <a:ea typeface="+mn-ea"/>
-                          <a:cs typeface="+mn-cs"/>
-                        </a:rPr>
-                        <a:t> / </a:t>
-                      </a:r>
-                      <a:r>
-                        <a:rPr lang="ja-JP" altLang="en-US" sz="1200" b="0" i="0" u="none" strike="noStrike" kern="1200">
-                          <a:solidFill>
-                            <a:schemeClr val="dk1"/>
-                          </a:solidFill>
-                          <a:effectLst/>
-                          <a:latin typeface="+mn-lt"/>
-                          <a:ea typeface="+mn-ea"/>
-                          <a:cs typeface="+mn-cs"/>
-                        </a:rPr>
-                        <a:t>丸十</a:t>
-                      </a:r>
-                      <a:endParaRPr kumimoji="1" lang="ja-JP" altLang="en-US" sz="1200"/>
-                    </a:p>
-                  </a:txBody>
-                  <a:tcPr marL="104496" marR="104496" marT="52248" marB="52248" anchor="ctr"/>
-                </a:tc>
-                <a:tc>
-                  <a:txBody>
-                    <a:bodyPr/>
-                    <a:lstStyle/>
-                    <a:p>
-                      <a:pPr algn="ctr"/>
-                      <a:r>
-                        <a:rPr kumimoji="1" lang="en-US" altLang="ja-JP" sz="1200" dirty="0" err="1"/>
-                        <a:t>Udon</a:t>
-                      </a:r>
-                      <a:endParaRPr kumimoji="1" lang="ja-JP" altLang="en-US" sz="1200"/>
-                    </a:p>
-                  </a:txBody>
-                  <a:tcPr marL="104496" marR="104496" marT="52248" marB="52248" anchor="ctr"/>
-                </a:tc>
-                <a:tc>
-                  <a:txBody>
-                    <a:bodyPr/>
-                    <a:lstStyle/>
-                    <a:p>
-                      <a:pPr algn="ctr"/>
-                      <a:r>
-                        <a:rPr lang="en" altLang="ja-JP" sz="1200" b="0" i="0" u="none" strike="noStrike" kern="1200" dirty="0">
-                          <a:solidFill>
-                            <a:schemeClr val="dk1"/>
-                          </a:solidFill>
-                          <a:effectLst/>
-                          <a:latin typeface="+mn-lt"/>
-                          <a:ea typeface="+mn-ea"/>
-                          <a:cs typeface="+mn-cs"/>
-                        </a:rPr>
-                        <a:t>20-min</a:t>
-                      </a:r>
-                      <a:endParaRPr kumimoji="1" lang="ja-JP" altLang="en-US" sz="1200"/>
-                    </a:p>
-                  </a:txBody>
-                  <a:tcPr marL="104496" marR="104496" marT="52248" marB="52248" anchor="ctr"/>
-                </a:tc>
-                <a:tc>
-                  <a:txBody>
-                    <a:bodyPr/>
-                    <a:lstStyle/>
-                    <a:p>
-                      <a:pPr algn="ctr"/>
-                      <a:r>
-                        <a:rPr kumimoji="1" lang="en-US" altLang="ja-JP" sz="1200" dirty="0"/>
-                        <a:t>Sun</a:t>
-                      </a:r>
-                      <a:endParaRPr kumimoji="1" lang="ja-JP" altLang="en-US" sz="1200"/>
-                    </a:p>
-                  </a:txBody>
-                  <a:tcPr marL="104496" marR="104496" marT="52248" marB="52248" anchor="ctr"/>
-                </a:tc>
-                <a:extLst>
-                  <a:ext uri="{0D108BD9-81ED-4DB2-BD59-A6C34878D82A}">
-                    <a16:rowId xmlns:a16="http://schemas.microsoft.com/office/drawing/2014/main" val="551049951"/>
-                  </a:ext>
-                </a:extLst>
-              </a:tr>
-              <a:tr h="402373">
-                <a:tc>
-                  <a:txBody>
-                    <a:bodyPr/>
-                    <a:lstStyle/>
-                    <a:p>
-                      <a:pPr marL="0" indent="0" algn="ctr">
-                        <a:buFontTx/>
-                        <a:buNone/>
-                      </a:pPr>
-                      <a:r>
-                        <a:rPr kumimoji="1" lang="en-US" altLang="ja-JP" sz="1100" dirty="0"/>
-                        <a:t>15</a:t>
-                      </a:r>
-                    </a:p>
-                  </a:txBody>
-                  <a:tcPr marL="104496" marR="104496" marT="52248" marB="52248" anchor="ctr"/>
-                </a:tc>
-                <a:tc>
-                  <a:txBody>
-                    <a:bodyPr/>
-                    <a:lstStyle/>
-                    <a:p>
-                      <a:pPr algn="ctr"/>
-                      <a:r>
-                        <a:rPr lang="en" altLang="ja-JP" sz="1200" b="0" i="0" u="none" strike="noStrike" kern="1200" dirty="0" err="1">
-                          <a:solidFill>
-                            <a:schemeClr val="dk1"/>
-                          </a:solidFill>
-                          <a:effectLst/>
-                          <a:latin typeface="+mn-lt"/>
-                          <a:ea typeface="+mn-ea"/>
-                          <a:cs typeface="+mn-cs"/>
-                        </a:rPr>
-                        <a:t>Mendo</a:t>
-                      </a:r>
-                      <a:r>
-                        <a:rPr lang="en" altLang="ja-JP" sz="1200" b="0" i="0" u="none" strike="noStrike" kern="1200" dirty="0">
-                          <a:solidFill>
-                            <a:schemeClr val="dk1"/>
-                          </a:solidFill>
-                          <a:effectLst/>
-                          <a:latin typeface="+mn-lt"/>
-                          <a:ea typeface="+mn-ea"/>
-                          <a:cs typeface="+mn-cs"/>
-                        </a:rPr>
-                        <a:t> </a:t>
-                      </a:r>
-                      <a:r>
-                        <a:rPr lang="en" altLang="ja-JP" sz="1200" b="0" i="0" u="none" strike="noStrike" kern="1200" dirty="0" err="1">
-                          <a:solidFill>
-                            <a:schemeClr val="dk1"/>
-                          </a:solidFill>
-                          <a:effectLst/>
-                          <a:latin typeface="+mn-lt"/>
-                          <a:ea typeface="+mn-ea"/>
-                          <a:cs typeface="+mn-cs"/>
-                        </a:rPr>
-                        <a:t>Shuhari</a:t>
-                      </a:r>
-                      <a:r>
-                        <a:rPr lang="en" altLang="ja-JP" sz="1200" b="0" i="0" u="none" strike="noStrike" kern="1200" dirty="0">
-                          <a:solidFill>
-                            <a:schemeClr val="dk1"/>
-                          </a:solidFill>
-                          <a:effectLst/>
-                          <a:latin typeface="+mn-lt"/>
-                          <a:ea typeface="+mn-ea"/>
-                          <a:cs typeface="+mn-cs"/>
-                        </a:rPr>
-                        <a:t> </a:t>
-                      </a:r>
-                    </a:p>
-                    <a:p>
-                      <a:pPr algn="ctr"/>
-                      <a:r>
-                        <a:rPr lang="en" altLang="ja-JP" sz="1200" b="0" i="0" u="none" strike="noStrike" kern="1200" dirty="0">
-                          <a:solidFill>
-                            <a:schemeClr val="dk1"/>
-                          </a:solidFill>
-                          <a:effectLst/>
-                          <a:latin typeface="+mn-lt"/>
-                          <a:ea typeface="+mn-ea"/>
-                          <a:cs typeface="+mn-cs"/>
-                        </a:rPr>
-                        <a:t>/ </a:t>
-                      </a:r>
-                      <a:r>
-                        <a:rPr lang="ja-JP" altLang="en-US" sz="1200" b="0" i="0" u="none" strike="noStrike" kern="1200">
-                          <a:solidFill>
-                            <a:schemeClr val="dk1"/>
-                          </a:solidFill>
-                          <a:effectLst/>
-                          <a:latin typeface="+mn-lt"/>
-                          <a:ea typeface="+mn-ea"/>
-                          <a:cs typeface="+mn-cs"/>
-                        </a:rPr>
-                        <a:t>麺道 しゅはり</a:t>
-                      </a:r>
-                      <a:endParaRPr kumimoji="1" lang="ja-JP" altLang="en-US" sz="1200"/>
-                    </a:p>
-                  </a:txBody>
-                  <a:tcPr marL="104496" marR="104496" marT="52248" marB="52248" anchor="ctr"/>
-                </a:tc>
-                <a:tc>
-                  <a:txBody>
-                    <a:bodyPr/>
-                    <a:lstStyle/>
-                    <a:p>
-                      <a:pPr algn="ctr"/>
-                      <a:r>
-                        <a:rPr kumimoji="1" lang="en-US" altLang="ja-JP" sz="1200" dirty="0"/>
-                        <a:t>Ramen</a:t>
-                      </a:r>
-                      <a:endParaRPr kumimoji="1" lang="ja-JP" altLang="en-US" sz="1200"/>
-                    </a:p>
-                  </a:txBody>
-                  <a:tcPr marL="104496" marR="104496" marT="52248" marB="52248" anchor="ctr"/>
-                </a:tc>
-                <a:tc>
-                  <a:txBody>
-                    <a:bodyPr/>
-                    <a:lstStyle/>
-                    <a:p>
-                      <a:pPr algn="ctr"/>
-                      <a:r>
-                        <a:rPr lang="en" altLang="ja-JP" sz="1200" b="0" i="0" u="none" strike="noStrike" kern="1200" dirty="0">
-                          <a:solidFill>
-                            <a:schemeClr val="dk1"/>
-                          </a:solidFill>
-                          <a:effectLst/>
-                          <a:latin typeface="+mn-lt"/>
-                          <a:ea typeface="+mn-ea"/>
-                          <a:cs typeface="+mn-cs"/>
-                        </a:rPr>
-                        <a:t>15-20 min</a:t>
-                      </a:r>
-                      <a:endParaRPr kumimoji="1" lang="ja-JP" altLang="en-US" sz="1200"/>
-                    </a:p>
-                  </a:txBody>
-                  <a:tcPr marL="104496" marR="104496" marT="52248" marB="52248" anchor="ctr"/>
-                </a:tc>
-                <a:tc>
-                  <a:txBody>
-                    <a:bodyPr/>
-                    <a:lstStyle/>
-                    <a:p>
-                      <a:pPr algn="ctr"/>
-                      <a:endParaRPr kumimoji="1" lang="ja-JP" altLang="en-US" sz="1200"/>
-                    </a:p>
-                  </a:txBody>
-                  <a:tcPr marL="104496" marR="104496" marT="52248" marB="52248" anchor="ctr"/>
-                </a:tc>
-                <a:extLst>
-                  <a:ext uri="{0D108BD9-81ED-4DB2-BD59-A6C34878D82A}">
-                    <a16:rowId xmlns:a16="http://schemas.microsoft.com/office/drawing/2014/main" val="3049470925"/>
-                  </a:ext>
-                </a:extLst>
-              </a:tr>
-            </a:tbl>
-          </a:graphicData>
-        </a:graphic>
-      </p:graphicFrame>
-      <p:pic>
-        <p:nvPicPr>
-          <p:cNvPr id="6" name="図 5">
-            <a:extLst>
-              <a:ext uri="{FF2B5EF4-FFF2-40B4-BE49-F238E27FC236}">
-                <a16:creationId xmlns:a16="http://schemas.microsoft.com/office/drawing/2014/main" id="{13B81295-4F4E-7DDE-801D-A3BA576EDC41}"/>
-              </a:ext>
-            </a:extLst>
-          </p:cNvPr>
-          <p:cNvPicPr>
-            <a:picLocks noChangeAspect="1"/>
-          </p:cNvPicPr>
-          <p:nvPr/>
-        </p:nvPicPr>
-        <p:blipFill>
-          <a:blip r:embed="rId3"/>
-          <a:stretch>
-            <a:fillRect/>
-          </a:stretch>
-        </p:blipFill>
-        <p:spPr>
-          <a:xfrm>
-            <a:off x="237044" y="734329"/>
-            <a:ext cx="4956432" cy="4685164"/>
-          </a:xfrm>
-          <a:prstGeom prst="rect">
-            <a:avLst/>
-          </a:prstGeom>
-        </p:spPr>
-      </p:pic>
       <p:pic>
         <p:nvPicPr>
           <p:cNvPr id="9" name="図 8">
@@ -6155,7 +3610,7 @@
           <p:nvPr/>
         </p:nvPicPr>
         <p:blipFill>
-          <a:blip r:embed="rId4"/>
+          <a:blip r:embed="rId3"/>
           <a:stretch>
             <a:fillRect/>
           </a:stretch>
@@ -6185,7 +3640,7 @@
           <p:nvPr/>
         </p:nvPicPr>
         <p:blipFill>
-          <a:blip r:embed="rId5"/>
+          <a:blip r:embed="rId4"/>
           <a:stretch>
             <a:fillRect/>
           </a:stretch>
@@ -6194,6 +3649,2514 @@
           <a:xfrm>
             <a:off x="580374" y="6314675"/>
             <a:ext cx="212143" cy="180000"/>
+          </a:xfrm>
+          <a:prstGeom prst="rect">
+            <a:avLst/>
+          </a:prstGeom>
+        </p:spPr>
+      </p:pic>
+      <p:graphicFrame>
+        <p:nvGraphicFramePr>
+          <p:cNvPr id="4" name="表 3">
+            <a:extLst>
+              <a:ext uri="{FF2B5EF4-FFF2-40B4-BE49-F238E27FC236}">
+                <a16:creationId xmlns:a16="http://schemas.microsoft.com/office/drawing/2014/main" id="{B9B6F69D-5B0B-6C0F-E24B-93F9E4397C33}"/>
+              </a:ext>
+            </a:extLst>
+          </p:cNvPr>
+          <p:cNvGraphicFramePr>
+            <a:graphicFrameLocks noGrp="1"/>
+          </p:cNvGraphicFramePr>
+          <p:nvPr>
+            <p:extLst>
+              <p:ext uri="{D42A27DB-BD31-4B8C-83A1-F6EECF244321}">
+                <p14:modId xmlns:p14="http://schemas.microsoft.com/office/powerpoint/2010/main" val="1811519631"/>
+              </p:ext>
+            </p:extLst>
+          </p:nvPr>
+        </p:nvGraphicFramePr>
+        <p:xfrm>
+          <a:off x="5301600" y="211110"/>
+          <a:ext cx="5172876" cy="7015647"/>
+        </p:xfrm>
+        <a:graphic>
+          <a:graphicData uri="http://schemas.openxmlformats.org/drawingml/2006/table">
+            <a:tbl>
+              <a:tblPr firstRow="1" bandRow="1">
+                <a:tableStyleId>{5C22544A-7EE6-4342-B048-85BDC9FD1C3A}</a:tableStyleId>
+              </a:tblPr>
+              <a:tblGrid>
+                <a:gridCol w="362337">
+                  <a:extLst>
+                    <a:ext uri="{9D8B030D-6E8A-4147-A177-3AD203B41FA5}">
+                      <a16:colId xmlns:a16="http://schemas.microsoft.com/office/drawing/2014/main" val="1668481678"/>
+                    </a:ext>
+                  </a:extLst>
+                </a:gridCol>
+                <a:gridCol w="1749287">
+                  <a:extLst>
+                    <a:ext uri="{9D8B030D-6E8A-4147-A177-3AD203B41FA5}">
+                      <a16:colId xmlns:a16="http://schemas.microsoft.com/office/drawing/2014/main" val="701489623"/>
+                    </a:ext>
+                  </a:extLst>
+                </a:gridCol>
+                <a:gridCol w="1223008">
+                  <a:extLst>
+                    <a:ext uri="{9D8B030D-6E8A-4147-A177-3AD203B41FA5}">
+                      <a16:colId xmlns:a16="http://schemas.microsoft.com/office/drawing/2014/main" val="2166577437"/>
+                    </a:ext>
+                  </a:extLst>
+                </a:gridCol>
+                <a:gridCol w="977030">
+                  <a:extLst>
+                    <a:ext uri="{9D8B030D-6E8A-4147-A177-3AD203B41FA5}">
+                      <a16:colId xmlns:a16="http://schemas.microsoft.com/office/drawing/2014/main" val="2021080276"/>
+                    </a:ext>
+                  </a:extLst>
+                </a:gridCol>
+                <a:gridCol w="861214">
+                  <a:extLst>
+                    <a:ext uri="{9D8B030D-6E8A-4147-A177-3AD203B41FA5}">
+                      <a16:colId xmlns:a16="http://schemas.microsoft.com/office/drawing/2014/main" val="1497016226"/>
+                    </a:ext>
+                  </a:extLst>
+                </a:gridCol>
+              </a:tblGrid>
+              <a:tr h="298052">
+                <a:tc>
+                  <a:txBody>
+                    <a:bodyPr/>
+                    <a:lstStyle/>
+                    <a:p>
+                      <a:endParaRPr kumimoji="1" lang="ja-JP" altLang="en-US" sz="1600"/>
+                    </a:p>
+                  </a:txBody>
+                  <a:tcPr marL="104496" marR="104496" marT="52248" marB="52248"/>
+                </a:tc>
+                <a:tc>
+                  <a:txBody>
+                    <a:bodyPr/>
+                    <a:lstStyle/>
+                    <a:p>
+                      <a:pPr algn="ctr"/>
+                      <a:r>
+                        <a:rPr kumimoji="1" lang="en-US" altLang="ja-JP" sz="1600" dirty="0"/>
+                        <a:t>Name  (EN/JP)</a:t>
+                      </a:r>
+                      <a:endParaRPr kumimoji="1" lang="ja-JP" altLang="en-US" sz="1600"/>
+                    </a:p>
+                  </a:txBody>
+                  <a:tcPr marL="104496" marR="104496" marT="52248" marB="52248" anchor="ctr"/>
+                </a:tc>
+                <a:tc>
+                  <a:txBody>
+                    <a:bodyPr/>
+                    <a:lstStyle/>
+                    <a:p>
+                      <a:pPr algn="ctr"/>
+                      <a:r>
+                        <a:rPr lang="en" altLang="ja-JP" sz="1600" b="1" i="0" u="none" strike="noStrike" kern="1200" dirty="0">
+                          <a:solidFill>
+                            <a:schemeClr val="lt1"/>
+                          </a:solidFill>
+                          <a:effectLst/>
+                          <a:latin typeface="+mn-lt"/>
+                          <a:ea typeface="+mn-ea"/>
+                          <a:cs typeface="+mn-cs"/>
+                        </a:rPr>
+                        <a:t>Cuisine</a:t>
+                      </a:r>
+                      <a:endParaRPr kumimoji="1" lang="ja-JP" altLang="en-US" sz="1600"/>
+                    </a:p>
+                  </a:txBody>
+                  <a:tcPr marL="104496" marR="104496" marT="52248" marB="52248" anchor="ctr"/>
+                </a:tc>
+                <a:tc>
+                  <a:txBody>
+                    <a:bodyPr/>
+                    <a:lstStyle/>
+                    <a:p>
+                      <a:pPr algn="ctr"/>
+                      <a:r>
+                        <a:rPr kumimoji="1" lang="en-US" altLang="ja-JP" sz="1600" dirty="0"/>
+                        <a:t>Distance</a:t>
+                      </a:r>
+                    </a:p>
+                  </a:txBody>
+                  <a:tcPr marL="104496" marR="104496" marT="52248" marB="52248" anchor="ctr"/>
+                </a:tc>
+                <a:tc>
+                  <a:txBody>
+                    <a:bodyPr/>
+                    <a:lstStyle/>
+                    <a:p>
+                      <a:pPr algn="ctr"/>
+                      <a:r>
+                        <a:rPr kumimoji="1" lang="en-US" altLang="ja-JP" sz="1600" dirty="0"/>
+                        <a:t>Closed</a:t>
+                      </a:r>
+                      <a:endParaRPr kumimoji="1" lang="ja-JP" altLang="en-US" sz="1600"/>
+                    </a:p>
+                  </a:txBody>
+                  <a:tcPr marL="104496" marR="104496" marT="52248" marB="52248" anchor="ctr"/>
+                </a:tc>
+                <a:extLst>
+                  <a:ext uri="{0D108BD9-81ED-4DB2-BD59-A6C34878D82A}">
+                    <a16:rowId xmlns:a16="http://schemas.microsoft.com/office/drawing/2014/main" val="3947127098"/>
+                  </a:ext>
+                </a:extLst>
+              </a:tr>
+              <a:tr h="402373">
+                <a:tc>
+                  <a:txBody>
+                    <a:bodyPr/>
+                    <a:lstStyle/>
+                    <a:p>
+                      <a:pPr marL="0" indent="0" algn="ctr">
+                        <a:buFontTx/>
+                        <a:buNone/>
+                      </a:pPr>
+                      <a:r>
+                        <a:rPr kumimoji="1" lang="en-US" altLang="ja-JP" sz="1100" dirty="0"/>
+                        <a:t>1</a:t>
+                      </a:r>
+                    </a:p>
+                  </a:txBody>
+                  <a:tcPr marL="104496" marR="104496" marT="52248" marB="52248" anchor="ctr"/>
+                </a:tc>
+                <a:tc>
+                  <a:txBody>
+                    <a:bodyPr/>
+                    <a:lstStyle/>
+                    <a:p>
+                      <a:pPr algn="ctr"/>
+                      <a:r>
+                        <a:rPr lang="en" altLang="ja-JP" sz="1200" b="0" i="0" u="none" strike="noStrike" kern="1200" dirty="0">
+                          <a:solidFill>
+                            <a:schemeClr val="dk1"/>
+                          </a:solidFill>
+                          <a:effectLst/>
+                          <a:latin typeface="+mn-lt"/>
+                          <a:ea typeface="+mn-ea"/>
+                          <a:cs typeface="+mn-cs"/>
+                        </a:rPr>
+                        <a:t>La </a:t>
+                      </a:r>
+                      <a:r>
+                        <a:rPr lang="en" altLang="ja-JP" sz="1200" b="0" i="0" u="none" strike="noStrike" kern="1200" dirty="0" err="1">
+                          <a:solidFill>
+                            <a:schemeClr val="dk1"/>
+                          </a:solidFill>
+                          <a:effectLst/>
+                          <a:latin typeface="+mn-lt"/>
+                          <a:ea typeface="+mn-ea"/>
+                          <a:cs typeface="+mn-cs"/>
+                        </a:rPr>
+                        <a:t>Foret</a:t>
+                      </a:r>
+                      <a:r>
+                        <a:rPr lang="en" altLang="ja-JP" sz="1200" b="0" i="0" u="none" strike="noStrike" kern="1200" dirty="0">
+                          <a:solidFill>
+                            <a:schemeClr val="dk1"/>
+                          </a:solidFill>
+                          <a:effectLst/>
+                          <a:latin typeface="+mn-lt"/>
+                          <a:ea typeface="+mn-ea"/>
+                          <a:cs typeface="+mn-cs"/>
+                        </a:rPr>
+                        <a:t>/</a:t>
+                      </a:r>
+                      <a:r>
+                        <a:rPr lang="ja-JP" altLang="en-US" sz="1200" b="0" i="0" u="none" strike="noStrike" kern="1200">
+                          <a:solidFill>
+                            <a:schemeClr val="dk1"/>
+                          </a:solidFill>
+                          <a:effectLst/>
+                          <a:latin typeface="+mn-lt"/>
+                          <a:ea typeface="+mn-ea"/>
+                          <a:cs typeface="+mn-cs"/>
+                        </a:rPr>
+                        <a:t>らふぉれ</a:t>
+                      </a:r>
+                      <a:endParaRPr kumimoji="1" lang="ja-JP" altLang="en-US" sz="1200"/>
+                    </a:p>
+                  </a:txBody>
+                  <a:tcPr marL="104496" marR="104496" marT="52248" marB="52248" anchor="ctr"/>
+                </a:tc>
+                <a:tc>
+                  <a:txBody>
+                    <a:bodyPr/>
+                    <a:lstStyle/>
+                    <a:p>
+                      <a:pPr algn="ctr"/>
+                      <a:r>
+                        <a:rPr lang="en" altLang="ja-JP" sz="1200" b="0" i="0" u="none" strike="noStrike" kern="1200" dirty="0">
+                          <a:solidFill>
+                            <a:schemeClr val="dk1"/>
+                          </a:solidFill>
+                          <a:effectLst/>
+                          <a:latin typeface="+mn-lt"/>
+                          <a:ea typeface="+mn-ea"/>
+                          <a:cs typeface="+mn-cs"/>
+                        </a:rPr>
+                        <a:t>campus cafeteria</a:t>
+                      </a:r>
+                      <a:endParaRPr kumimoji="1" lang="ja-JP" altLang="en-US" sz="1200"/>
+                    </a:p>
+                  </a:txBody>
+                  <a:tcPr marL="104496" marR="104496" marT="52248" marB="52248" anchor="ctr"/>
+                </a:tc>
+                <a:tc>
+                  <a:txBody>
+                    <a:bodyPr/>
+                    <a:lstStyle/>
+                    <a:p>
+                      <a:pPr algn="ctr"/>
+                      <a:r>
+                        <a:rPr lang="en" altLang="ja-JP" sz="1200" b="0" i="0" u="none" strike="noStrike" kern="1200" dirty="0">
+                          <a:solidFill>
+                            <a:schemeClr val="dk1"/>
+                          </a:solidFill>
+                          <a:effectLst/>
+                          <a:latin typeface="+mn-lt"/>
+                          <a:ea typeface="+mn-ea"/>
+                          <a:cs typeface="+mn-cs"/>
+                        </a:rPr>
+                        <a:t>5 min</a:t>
+                      </a:r>
+                      <a:endParaRPr kumimoji="1" lang="ja-JP" altLang="en-US" sz="1200"/>
+                    </a:p>
+                  </a:txBody>
+                  <a:tcPr marL="104496" marR="104496" marT="52248" marB="52248" anchor="ctr"/>
+                </a:tc>
+                <a:tc>
+                  <a:txBody>
+                    <a:bodyPr/>
+                    <a:lstStyle/>
+                    <a:p>
+                      <a:pPr algn="ctr"/>
+                      <a:endParaRPr kumimoji="1" lang="ja-JP" altLang="en-US" sz="1200"/>
+                    </a:p>
+                  </a:txBody>
+                  <a:tcPr marL="104496" marR="104496" marT="52248" marB="52248" anchor="ctr"/>
+                </a:tc>
+                <a:extLst>
+                  <a:ext uri="{0D108BD9-81ED-4DB2-BD59-A6C34878D82A}">
+                    <a16:rowId xmlns:a16="http://schemas.microsoft.com/office/drawing/2014/main" val="3658262211"/>
+                  </a:ext>
+                </a:extLst>
+              </a:tr>
+              <a:tr h="402373">
+                <a:tc>
+                  <a:txBody>
+                    <a:bodyPr/>
+                    <a:lstStyle/>
+                    <a:p>
+                      <a:pPr marL="0" indent="0" algn="ctr">
+                        <a:buFontTx/>
+                        <a:buNone/>
+                      </a:pPr>
+                      <a:r>
+                        <a:rPr kumimoji="1" lang="en-US" altLang="ja-JP" sz="1100" dirty="0"/>
+                        <a:t>2</a:t>
+                      </a:r>
+                    </a:p>
+                  </a:txBody>
+                  <a:tcPr marL="104496" marR="104496" marT="52248" marB="52248" anchor="ctr"/>
+                </a:tc>
+                <a:tc>
+                  <a:txBody>
+                    <a:bodyPr/>
+                    <a:lstStyle/>
+                    <a:p>
+                      <a:pPr algn="ctr"/>
+                      <a:r>
+                        <a:rPr lang="en" altLang="ja-JP" sz="1200" b="0" i="0" u="none" strike="noStrike" kern="1200" dirty="0">
+                          <a:solidFill>
+                            <a:schemeClr val="dk1"/>
+                          </a:solidFill>
+                          <a:effectLst/>
+                          <a:latin typeface="+mn-lt"/>
+                          <a:ea typeface="+mn-ea"/>
+                          <a:cs typeface="+mn-cs"/>
+                        </a:rPr>
+                        <a:t>Hana/ </a:t>
+                      </a:r>
+                      <a:r>
+                        <a:rPr lang="ja-JP" altLang="en-US" sz="1200" b="0" i="0" u="none" strike="noStrike" kern="1200">
+                          <a:solidFill>
+                            <a:schemeClr val="dk1"/>
+                          </a:solidFill>
+                          <a:effectLst/>
+                          <a:latin typeface="+mn-lt"/>
+                          <a:ea typeface="+mn-ea"/>
+                          <a:cs typeface="+mn-cs"/>
+                        </a:rPr>
+                        <a:t>はな</a:t>
+                      </a:r>
+                      <a:endParaRPr kumimoji="1" lang="ja-JP" altLang="en-US" sz="1200"/>
+                    </a:p>
+                  </a:txBody>
+                  <a:tcPr marL="104496" marR="104496" marT="52248" marB="52248" anchor="ctr"/>
+                </a:tc>
+                <a:tc>
+                  <a:txBody>
+                    <a:bodyPr/>
+                    <a:lstStyle/>
+                    <a:p>
+                      <a:pPr algn="ctr"/>
+                      <a:r>
+                        <a:rPr kumimoji="1" lang="en-US" altLang="ja-JP" sz="1200" dirty="0"/>
+                        <a:t>Cafe</a:t>
+                      </a:r>
+                      <a:endParaRPr kumimoji="1" lang="ja-JP" altLang="en-US" sz="1200"/>
+                    </a:p>
+                  </a:txBody>
+                  <a:tcPr marL="104496" marR="104496" marT="52248" marB="52248" anchor="ctr"/>
+                </a:tc>
+                <a:tc>
+                  <a:txBody>
+                    <a:bodyPr/>
+                    <a:lstStyle/>
+                    <a:p>
+                      <a:pPr algn="ctr"/>
+                      <a:r>
+                        <a:rPr kumimoji="1" lang="en-US" altLang="ja-JP" sz="1200" dirty="0"/>
+                        <a:t>5-10 min</a:t>
+                      </a:r>
+                      <a:endParaRPr kumimoji="1" lang="ja-JP" altLang="en-US" sz="1200"/>
+                    </a:p>
+                  </a:txBody>
+                  <a:tcPr marL="104496" marR="104496" marT="52248" marB="52248" anchor="ctr"/>
+                </a:tc>
+                <a:tc>
+                  <a:txBody>
+                    <a:bodyPr/>
+                    <a:lstStyle/>
+                    <a:p>
+                      <a:pPr algn="ctr"/>
+                      <a:r>
+                        <a:rPr lang="en" altLang="ja-JP" sz="1200" b="0" i="0" u="none" strike="noStrike" kern="1200" dirty="0">
+                          <a:solidFill>
+                            <a:schemeClr val="dk1"/>
+                          </a:solidFill>
+                          <a:effectLst/>
+                          <a:latin typeface="+mn-lt"/>
+                          <a:ea typeface="+mn-ea"/>
+                          <a:cs typeface="+mn-cs"/>
+                        </a:rPr>
+                        <a:t>Mon, Sun </a:t>
+                      </a:r>
+                      <a:endParaRPr kumimoji="1" lang="ja-JP" altLang="en-US" sz="1200"/>
+                    </a:p>
+                  </a:txBody>
+                  <a:tcPr marL="104496" marR="104496" marT="52248" marB="52248" anchor="ctr"/>
+                </a:tc>
+                <a:extLst>
+                  <a:ext uri="{0D108BD9-81ED-4DB2-BD59-A6C34878D82A}">
+                    <a16:rowId xmlns:a16="http://schemas.microsoft.com/office/drawing/2014/main" val="2869481128"/>
+                  </a:ext>
+                </a:extLst>
+              </a:tr>
+              <a:tr h="402373">
+                <a:tc>
+                  <a:txBody>
+                    <a:bodyPr/>
+                    <a:lstStyle/>
+                    <a:p>
+                      <a:pPr marL="0" indent="0" algn="ctr">
+                        <a:buFontTx/>
+                        <a:buNone/>
+                      </a:pPr>
+                      <a:r>
+                        <a:rPr kumimoji="1" lang="en-US" altLang="ja-JP" sz="1100" dirty="0"/>
+                        <a:t>3</a:t>
+                      </a:r>
+                    </a:p>
+                  </a:txBody>
+                  <a:tcPr marL="104496" marR="104496" marT="52248" marB="52248" anchor="ctr"/>
+                </a:tc>
+                <a:tc>
+                  <a:txBody>
+                    <a:bodyPr/>
+                    <a:lstStyle/>
+                    <a:p>
+                      <a:pPr algn="ctr"/>
+                      <a:r>
+                        <a:rPr lang="en" altLang="ja-JP" sz="1200" b="0" i="0" u="none" strike="noStrike" kern="1200" dirty="0">
+                          <a:solidFill>
+                            <a:schemeClr val="dk1"/>
+                          </a:solidFill>
+                          <a:effectLst/>
+                          <a:latin typeface="+mn-lt"/>
+                          <a:ea typeface="+mn-ea"/>
+                          <a:cs typeface="+mn-cs"/>
+                        </a:rPr>
+                        <a:t>Steak no Don </a:t>
+                      </a:r>
+                    </a:p>
+                    <a:p>
+                      <a:pPr algn="ctr"/>
+                      <a:r>
+                        <a:rPr lang="en" altLang="ja-JP" sz="1200" b="0" i="0" u="none" strike="noStrike" kern="1200" dirty="0">
+                          <a:solidFill>
+                            <a:schemeClr val="dk1"/>
+                          </a:solidFill>
+                          <a:effectLst/>
+                          <a:latin typeface="+mn-lt"/>
+                          <a:ea typeface="+mn-ea"/>
+                          <a:cs typeface="+mn-cs"/>
+                        </a:rPr>
+                        <a:t>/ </a:t>
+                      </a:r>
+                      <a:r>
+                        <a:rPr lang="ja-JP" altLang="en-US" sz="1200" b="0" i="0" u="none" strike="noStrike" kern="1200">
+                          <a:solidFill>
+                            <a:schemeClr val="dk1"/>
+                          </a:solidFill>
+                          <a:effectLst/>
+                          <a:latin typeface="+mn-lt"/>
+                          <a:ea typeface="+mn-ea"/>
+                          <a:cs typeface="+mn-cs"/>
+                        </a:rPr>
+                        <a:t>ステーキのどん</a:t>
+                      </a:r>
+                      <a:endParaRPr kumimoji="1" lang="ja-JP" altLang="en-US" sz="1200"/>
+                    </a:p>
+                  </a:txBody>
+                  <a:tcPr marL="104496" marR="104496" marT="52248" marB="52248" anchor="ctr"/>
+                </a:tc>
+                <a:tc>
+                  <a:txBody>
+                    <a:bodyPr/>
+                    <a:lstStyle/>
+                    <a:p>
+                      <a:pPr algn="ctr"/>
+                      <a:r>
+                        <a:rPr lang="en" altLang="ja-JP" sz="1200" b="0" i="0" u="none" strike="noStrike" kern="1200" dirty="0">
+                          <a:solidFill>
+                            <a:schemeClr val="dk1"/>
+                          </a:solidFill>
+                          <a:effectLst/>
+                          <a:latin typeface="+mn-lt"/>
+                          <a:ea typeface="+mn-ea"/>
+                          <a:cs typeface="+mn-cs"/>
+                        </a:rPr>
+                        <a:t>Steakhouse</a:t>
+                      </a:r>
+                      <a:endParaRPr kumimoji="1" lang="ja-JP" altLang="en-US" sz="1200"/>
+                    </a:p>
+                  </a:txBody>
+                  <a:tcPr marL="104496" marR="104496" marT="52248" marB="52248" anchor="ctr"/>
+                </a:tc>
+                <a:tc>
+                  <a:txBody>
+                    <a:bodyPr/>
+                    <a:lstStyle/>
+                    <a:p>
+                      <a:pPr algn="ctr"/>
+                      <a:r>
+                        <a:rPr lang="en" altLang="ja-JP" sz="1200" b="0" i="0" u="none" strike="noStrike" kern="1200" dirty="0">
+                          <a:solidFill>
+                            <a:schemeClr val="dk1"/>
+                          </a:solidFill>
+                          <a:effectLst/>
+                          <a:latin typeface="+mn-lt"/>
+                          <a:ea typeface="+mn-ea"/>
+                          <a:cs typeface="+mn-cs"/>
+                        </a:rPr>
+                        <a:t>10 min</a:t>
+                      </a:r>
+                      <a:endParaRPr kumimoji="1" lang="ja-JP" altLang="en-US" sz="1200"/>
+                    </a:p>
+                  </a:txBody>
+                  <a:tcPr marL="104496" marR="104496" marT="52248" marB="52248" anchor="ctr"/>
+                </a:tc>
+                <a:tc>
+                  <a:txBody>
+                    <a:bodyPr/>
+                    <a:lstStyle/>
+                    <a:p>
+                      <a:pPr algn="ctr"/>
+                      <a:endParaRPr kumimoji="1" lang="ja-JP" altLang="en-US" sz="1200"/>
+                    </a:p>
+                  </a:txBody>
+                  <a:tcPr marL="104496" marR="104496" marT="52248" marB="52248" anchor="ctr"/>
+                </a:tc>
+                <a:extLst>
+                  <a:ext uri="{0D108BD9-81ED-4DB2-BD59-A6C34878D82A}">
+                    <a16:rowId xmlns:a16="http://schemas.microsoft.com/office/drawing/2014/main" val="2924007120"/>
+                  </a:ext>
+                </a:extLst>
+              </a:tr>
+              <a:tr h="402373">
+                <a:tc>
+                  <a:txBody>
+                    <a:bodyPr/>
+                    <a:lstStyle/>
+                    <a:p>
+                      <a:pPr marL="0" indent="0" algn="ctr">
+                        <a:buFontTx/>
+                        <a:buNone/>
+                      </a:pPr>
+                      <a:r>
+                        <a:rPr kumimoji="1" lang="en-US" altLang="ja-JP" sz="1100" dirty="0"/>
+                        <a:t>4</a:t>
+                      </a:r>
+                    </a:p>
+                  </a:txBody>
+                  <a:tcPr marL="104496" marR="104496" marT="52248" marB="52248" anchor="ctr"/>
+                </a:tc>
+                <a:tc>
+                  <a:txBody>
+                    <a:bodyPr/>
+                    <a:lstStyle/>
+                    <a:p>
+                      <a:pPr algn="ctr"/>
+                      <a:r>
+                        <a:rPr lang="en" altLang="ja-JP" sz="1200" b="0" i="0" u="none" strike="noStrike" kern="1200" dirty="0">
+                          <a:solidFill>
+                            <a:schemeClr val="dk1"/>
+                          </a:solidFill>
+                          <a:effectLst/>
+                          <a:latin typeface="+mn-lt"/>
+                          <a:ea typeface="+mn-ea"/>
+                          <a:cs typeface="+mn-cs"/>
+                        </a:rPr>
+                        <a:t>Dip </a:t>
+                      </a:r>
+                      <a:r>
+                        <a:rPr lang="en" altLang="ja-JP" sz="1200" b="0" i="0" u="none" strike="noStrike" kern="1200" dirty="0" err="1">
+                          <a:solidFill>
+                            <a:schemeClr val="dk1"/>
+                          </a:solidFill>
+                          <a:effectLst/>
+                          <a:latin typeface="+mn-lt"/>
+                          <a:ea typeface="+mn-ea"/>
+                          <a:cs typeface="+mn-cs"/>
+                        </a:rPr>
+                        <a:t>Rasna</a:t>
+                      </a:r>
+                      <a:r>
+                        <a:rPr lang="en" altLang="ja-JP" sz="1200" b="0" i="0" u="none" strike="noStrike" kern="1200" dirty="0">
+                          <a:solidFill>
+                            <a:schemeClr val="dk1"/>
+                          </a:solidFill>
+                          <a:effectLst/>
+                          <a:latin typeface="+mn-lt"/>
+                          <a:ea typeface="+mn-ea"/>
+                          <a:cs typeface="+mn-cs"/>
+                        </a:rPr>
+                        <a:t> </a:t>
+                      </a:r>
+                    </a:p>
+                    <a:p>
+                      <a:pPr algn="ctr"/>
+                      <a:r>
+                        <a:rPr lang="en" altLang="ja-JP" sz="1200" b="0" i="0" u="none" strike="noStrike" kern="1200" dirty="0">
+                          <a:solidFill>
+                            <a:schemeClr val="dk1"/>
+                          </a:solidFill>
+                          <a:effectLst/>
+                          <a:latin typeface="+mn-lt"/>
+                          <a:ea typeface="+mn-ea"/>
+                          <a:cs typeface="+mn-cs"/>
+                        </a:rPr>
+                        <a:t>/ </a:t>
+                      </a:r>
+                      <a:r>
+                        <a:rPr lang="ja-JP" altLang="en-US" sz="1200" b="0" i="0" u="none" strike="noStrike" kern="1200">
+                          <a:solidFill>
+                            <a:schemeClr val="dk1"/>
+                          </a:solidFill>
+                          <a:effectLst/>
+                          <a:latin typeface="+mn-lt"/>
+                          <a:ea typeface="+mn-ea"/>
+                          <a:cs typeface="+mn-cs"/>
+                        </a:rPr>
+                        <a:t>ディップラスナ</a:t>
+                      </a:r>
+                      <a:endParaRPr kumimoji="1" lang="ja-JP" altLang="en-US" sz="1200"/>
+                    </a:p>
+                  </a:txBody>
+                  <a:tcPr marL="104496" marR="104496" marT="52248" marB="52248" anchor="ctr"/>
+                </a:tc>
+                <a:tc>
+                  <a:txBody>
+                    <a:bodyPr/>
+                    <a:lstStyle/>
+                    <a:p>
+                      <a:pPr algn="ctr"/>
+                      <a:r>
+                        <a:rPr lang="en" altLang="ja-JP" sz="1200" b="0" i="0" u="none" strike="noStrike" kern="1200" dirty="0">
+                          <a:solidFill>
+                            <a:schemeClr val="dk1"/>
+                          </a:solidFill>
+                          <a:effectLst/>
+                          <a:latin typeface="+mn-lt"/>
+                          <a:ea typeface="+mn-ea"/>
+                          <a:cs typeface="+mn-cs"/>
+                        </a:rPr>
+                        <a:t>Indian cuisine</a:t>
+                      </a:r>
+                      <a:endParaRPr kumimoji="1" lang="ja-JP" altLang="en-US" sz="1200"/>
+                    </a:p>
+                  </a:txBody>
+                  <a:tcPr marL="104496" marR="104496" marT="52248" marB="52248" anchor="ctr"/>
+                </a:tc>
+                <a:tc>
+                  <a:txBody>
+                    <a:bodyPr/>
+                    <a:lstStyle/>
+                    <a:p>
+                      <a:pPr algn="ctr"/>
+                      <a:r>
+                        <a:rPr lang="en" altLang="ja-JP" sz="1200" b="0" i="0" u="none" strike="noStrike" kern="1200" dirty="0">
+                          <a:solidFill>
+                            <a:schemeClr val="dk1"/>
+                          </a:solidFill>
+                          <a:effectLst/>
+                          <a:latin typeface="+mn-lt"/>
+                          <a:ea typeface="+mn-ea"/>
+                          <a:cs typeface="+mn-cs"/>
+                        </a:rPr>
+                        <a:t>15 min</a:t>
+                      </a:r>
+                      <a:endParaRPr kumimoji="1" lang="ja-JP" altLang="en-US" sz="1200"/>
+                    </a:p>
+                  </a:txBody>
+                  <a:tcPr marL="104496" marR="104496" marT="52248" marB="52248" anchor="ctr"/>
+                </a:tc>
+                <a:tc>
+                  <a:txBody>
+                    <a:bodyPr/>
+                    <a:lstStyle/>
+                    <a:p>
+                      <a:pPr algn="ctr"/>
+                      <a:endParaRPr kumimoji="1" lang="ja-JP" altLang="en-US" sz="1200"/>
+                    </a:p>
+                  </a:txBody>
+                  <a:tcPr marL="104496" marR="104496" marT="52248" marB="52248" anchor="ctr"/>
+                </a:tc>
+                <a:extLst>
+                  <a:ext uri="{0D108BD9-81ED-4DB2-BD59-A6C34878D82A}">
+                    <a16:rowId xmlns:a16="http://schemas.microsoft.com/office/drawing/2014/main" val="2144274560"/>
+                  </a:ext>
+                </a:extLst>
+              </a:tr>
+              <a:tr h="245892">
+                <a:tc>
+                  <a:txBody>
+                    <a:bodyPr/>
+                    <a:lstStyle/>
+                    <a:p>
+                      <a:pPr marL="0" indent="0" algn="ctr">
+                        <a:buFontTx/>
+                        <a:buNone/>
+                      </a:pPr>
+                      <a:r>
+                        <a:rPr kumimoji="1" lang="en-US" altLang="ja-JP" sz="1100" dirty="0"/>
+                        <a:t>5</a:t>
+                      </a:r>
+                    </a:p>
+                  </a:txBody>
+                  <a:tcPr marL="104496" marR="104496" marT="52248" marB="52248" anchor="ctr"/>
+                </a:tc>
+                <a:tc>
+                  <a:txBody>
+                    <a:bodyPr/>
+                    <a:lstStyle/>
+                    <a:p>
+                      <a:pPr algn="ctr"/>
+                      <a:r>
+                        <a:rPr lang="en" altLang="ja-JP" sz="1200" b="0" i="0" u="none" strike="noStrike" kern="1200" dirty="0" err="1">
+                          <a:solidFill>
+                            <a:schemeClr val="dk1"/>
+                          </a:solidFill>
+                          <a:effectLst/>
+                          <a:latin typeface="+mn-lt"/>
+                          <a:ea typeface="+mn-ea"/>
+                          <a:cs typeface="+mn-cs"/>
+                        </a:rPr>
+                        <a:t>Aika</a:t>
+                      </a:r>
+                      <a:r>
+                        <a:rPr lang="en" altLang="ja-JP" sz="1200" b="0" i="0" u="none" strike="noStrike" kern="1200" dirty="0">
+                          <a:solidFill>
+                            <a:schemeClr val="dk1"/>
+                          </a:solidFill>
+                          <a:effectLst/>
+                          <a:latin typeface="+mn-lt"/>
+                          <a:ea typeface="+mn-ea"/>
+                          <a:cs typeface="+mn-cs"/>
+                        </a:rPr>
+                        <a:t> / </a:t>
+                      </a:r>
+                      <a:r>
+                        <a:rPr lang="ja-JP" altLang="en-US" sz="1200" b="0" i="0" u="none" strike="noStrike" kern="1200">
+                          <a:solidFill>
+                            <a:schemeClr val="dk1"/>
+                          </a:solidFill>
+                          <a:effectLst/>
+                          <a:latin typeface="+mn-lt"/>
+                          <a:ea typeface="+mn-ea"/>
+                          <a:cs typeface="+mn-cs"/>
+                        </a:rPr>
+                        <a:t>藍花</a:t>
+                      </a:r>
+                      <a:endParaRPr kumimoji="1" lang="ja-JP" altLang="en-US" sz="1200"/>
+                    </a:p>
+                  </a:txBody>
+                  <a:tcPr marL="104496" marR="104496" marT="52248" marB="52248" anchor="ctr"/>
+                </a:tc>
+                <a:tc>
+                  <a:txBody>
+                    <a:bodyPr/>
+                    <a:lstStyle/>
+                    <a:p>
+                      <a:pPr algn="ctr"/>
+                      <a:r>
+                        <a:rPr lang="en" altLang="ja-JP" sz="1200" b="0" i="0" u="none" strike="noStrike" kern="1200" dirty="0" err="1">
+                          <a:solidFill>
+                            <a:schemeClr val="dk1"/>
+                          </a:solidFill>
+                          <a:effectLst/>
+                          <a:latin typeface="+mn-lt"/>
+                          <a:ea typeface="+mn-ea"/>
+                          <a:cs typeface="+mn-cs"/>
+                        </a:rPr>
+                        <a:t>Kushikatsu</a:t>
+                      </a:r>
+                      <a:endParaRPr kumimoji="1" lang="ja-JP" altLang="en-US" sz="1200"/>
+                    </a:p>
+                  </a:txBody>
+                  <a:tcPr marL="104496" marR="104496" marT="52248" marB="52248" anchor="ctr"/>
+                </a:tc>
+                <a:tc>
+                  <a:txBody>
+                    <a:bodyPr/>
+                    <a:lstStyle/>
+                    <a:p>
+                      <a:pPr algn="ctr"/>
+                      <a:r>
+                        <a:rPr lang="en" altLang="ja-JP" sz="1200" b="0" i="0" u="none" strike="noStrike" kern="1200" dirty="0">
+                          <a:solidFill>
+                            <a:schemeClr val="dk1"/>
+                          </a:solidFill>
+                          <a:effectLst/>
+                          <a:latin typeface="+mn-lt"/>
+                          <a:ea typeface="+mn-ea"/>
+                          <a:cs typeface="+mn-cs"/>
+                        </a:rPr>
+                        <a:t>15-20 min </a:t>
+                      </a:r>
+                      <a:endParaRPr kumimoji="1" lang="ja-JP" altLang="en-US" sz="1200"/>
+                    </a:p>
+                  </a:txBody>
+                  <a:tcPr marL="104496" marR="104496" marT="52248" marB="52248" anchor="ctr"/>
+                </a:tc>
+                <a:tc>
+                  <a:txBody>
+                    <a:bodyPr/>
+                    <a:lstStyle/>
+                    <a:p>
+                      <a:pPr algn="ctr"/>
+                      <a:r>
+                        <a:rPr lang="en" altLang="ja-JP" sz="1200" b="0" i="0" u="none" strike="noStrike" kern="1200" dirty="0">
+                          <a:solidFill>
+                            <a:schemeClr val="dk1"/>
+                          </a:solidFill>
+                          <a:effectLst/>
+                          <a:latin typeface="+mn-lt"/>
+                          <a:ea typeface="+mn-ea"/>
+                          <a:cs typeface="+mn-cs"/>
+                        </a:rPr>
+                        <a:t>Tue, Wed</a:t>
+                      </a:r>
+                      <a:endParaRPr kumimoji="1" lang="ja-JP" altLang="en-US" sz="1200"/>
+                    </a:p>
+                  </a:txBody>
+                  <a:tcPr marL="104496" marR="104496" marT="52248" marB="52248" anchor="ctr"/>
+                </a:tc>
+                <a:extLst>
+                  <a:ext uri="{0D108BD9-81ED-4DB2-BD59-A6C34878D82A}">
+                    <a16:rowId xmlns:a16="http://schemas.microsoft.com/office/drawing/2014/main" val="3730246578"/>
+                  </a:ext>
+                </a:extLst>
+              </a:tr>
+              <a:tr h="245892">
+                <a:tc>
+                  <a:txBody>
+                    <a:bodyPr/>
+                    <a:lstStyle/>
+                    <a:p>
+                      <a:pPr marL="0" indent="0" algn="ctr">
+                        <a:buFontTx/>
+                        <a:buNone/>
+                      </a:pPr>
+                      <a:r>
+                        <a:rPr kumimoji="1" lang="en-US" altLang="ja-JP" sz="1100" dirty="0"/>
+                        <a:t>6</a:t>
+                      </a:r>
+                    </a:p>
+                  </a:txBody>
+                  <a:tcPr marL="104496" marR="104496" marT="52248" marB="52248" anchor="ctr"/>
+                </a:tc>
+                <a:tc>
+                  <a:txBody>
+                    <a:bodyPr/>
+                    <a:lstStyle/>
+                    <a:p>
+                      <a:pPr algn="ctr"/>
+                      <a:r>
+                        <a:rPr lang="en" altLang="ja-JP" sz="1200" b="0" i="0" u="none" strike="noStrike" kern="1200" dirty="0" err="1">
+                          <a:solidFill>
+                            <a:schemeClr val="dk1"/>
+                          </a:solidFill>
+                          <a:effectLst/>
+                          <a:latin typeface="+mn-lt"/>
+                          <a:ea typeface="+mn-ea"/>
+                          <a:cs typeface="+mn-cs"/>
+                        </a:rPr>
+                        <a:t>Sobafuji</a:t>
+                      </a:r>
+                      <a:r>
+                        <a:rPr lang="en" altLang="ja-JP" sz="1200" b="0" i="0" u="none" strike="noStrike" kern="1200" dirty="0">
+                          <a:solidFill>
+                            <a:schemeClr val="dk1"/>
+                          </a:solidFill>
+                          <a:effectLst/>
+                          <a:latin typeface="+mn-lt"/>
+                          <a:ea typeface="+mn-ea"/>
+                          <a:cs typeface="+mn-cs"/>
+                        </a:rPr>
+                        <a:t>/ </a:t>
+                      </a:r>
+                      <a:r>
+                        <a:rPr lang="ja-JP" altLang="en-US" sz="1200" b="0" i="0" u="none" strike="noStrike" kern="1200">
+                          <a:solidFill>
+                            <a:schemeClr val="dk1"/>
+                          </a:solidFill>
+                          <a:effectLst/>
+                          <a:latin typeface="+mn-lt"/>
+                          <a:ea typeface="+mn-ea"/>
+                          <a:cs typeface="+mn-cs"/>
+                        </a:rPr>
+                        <a:t>蕎麦藤</a:t>
+                      </a:r>
+                      <a:endParaRPr kumimoji="1" lang="ja-JP" altLang="en-US" sz="1200"/>
+                    </a:p>
+                  </a:txBody>
+                  <a:tcPr marL="104496" marR="104496" marT="52248" marB="52248" anchor="ctr"/>
+                </a:tc>
+                <a:tc>
+                  <a:txBody>
+                    <a:bodyPr/>
+                    <a:lstStyle/>
+                    <a:p>
+                      <a:pPr algn="ctr"/>
+                      <a:r>
+                        <a:rPr lang="en" altLang="ja-JP" sz="1200" b="0" i="0" u="none" strike="noStrike" kern="1200" dirty="0">
+                          <a:solidFill>
+                            <a:schemeClr val="dk1"/>
+                          </a:solidFill>
+                          <a:effectLst/>
+                          <a:latin typeface="+mn-lt"/>
+                          <a:ea typeface="+mn-ea"/>
+                          <a:cs typeface="+mn-cs"/>
+                        </a:rPr>
+                        <a:t>Soba</a:t>
+                      </a:r>
+                      <a:endParaRPr kumimoji="1" lang="ja-JP" altLang="en-US" sz="1200"/>
+                    </a:p>
+                  </a:txBody>
+                  <a:tcPr marL="104496" marR="104496" marT="52248" marB="52248" anchor="ctr"/>
+                </a:tc>
+                <a:tc>
+                  <a:txBody>
+                    <a:bodyPr/>
+                    <a:lstStyle/>
+                    <a:p>
+                      <a:pPr algn="ctr"/>
+                      <a:r>
+                        <a:rPr lang="en" altLang="ja-JP" sz="1200" b="0" i="0" u="none" strike="noStrike" kern="1200" dirty="0">
+                          <a:solidFill>
+                            <a:schemeClr val="dk1"/>
+                          </a:solidFill>
+                          <a:effectLst/>
+                          <a:latin typeface="+mn-lt"/>
+                          <a:ea typeface="+mn-ea"/>
+                          <a:cs typeface="+mn-cs"/>
+                        </a:rPr>
+                        <a:t>10 min </a:t>
+                      </a:r>
+                      <a:endParaRPr kumimoji="1" lang="ja-JP" altLang="en-US" sz="1200"/>
+                    </a:p>
+                  </a:txBody>
+                  <a:tcPr marL="104496" marR="104496" marT="52248" marB="52248" anchor="ctr"/>
+                </a:tc>
+                <a:tc>
+                  <a:txBody>
+                    <a:bodyPr/>
+                    <a:lstStyle/>
+                    <a:p>
+                      <a:pPr algn="ctr"/>
+                      <a:r>
+                        <a:rPr lang="en" altLang="ja-JP" sz="1200" b="0" i="0" u="none" strike="noStrike" kern="1200" dirty="0">
+                          <a:solidFill>
+                            <a:schemeClr val="dk1"/>
+                          </a:solidFill>
+                          <a:effectLst/>
+                          <a:latin typeface="+mn-lt"/>
+                          <a:ea typeface="+mn-ea"/>
+                          <a:cs typeface="+mn-cs"/>
+                        </a:rPr>
+                        <a:t>Wed</a:t>
+                      </a:r>
+                      <a:endParaRPr kumimoji="1" lang="ja-JP" altLang="en-US" sz="1200"/>
+                    </a:p>
+                  </a:txBody>
+                  <a:tcPr marL="104496" marR="104496" marT="52248" marB="52248" anchor="ctr"/>
+                </a:tc>
+                <a:extLst>
+                  <a:ext uri="{0D108BD9-81ED-4DB2-BD59-A6C34878D82A}">
+                    <a16:rowId xmlns:a16="http://schemas.microsoft.com/office/drawing/2014/main" val="3790105729"/>
+                  </a:ext>
+                </a:extLst>
+              </a:tr>
+              <a:tr h="402373">
+                <a:tc>
+                  <a:txBody>
+                    <a:bodyPr/>
+                    <a:lstStyle/>
+                    <a:p>
+                      <a:pPr marL="0" indent="0" algn="ctr">
+                        <a:buFontTx/>
+                        <a:buNone/>
+                      </a:pPr>
+                      <a:r>
+                        <a:rPr kumimoji="1" lang="en-US" altLang="ja-JP" sz="1100" dirty="0"/>
+                        <a:t>7</a:t>
+                      </a:r>
+                    </a:p>
+                  </a:txBody>
+                  <a:tcPr marL="104496" marR="104496" marT="52248" marB="52248" anchor="ctr"/>
+                </a:tc>
+                <a:tc>
+                  <a:txBody>
+                    <a:bodyPr/>
+                    <a:lstStyle/>
+                    <a:p>
+                      <a:pPr algn="ctr"/>
+                      <a:r>
+                        <a:rPr lang="en" altLang="ja-JP" sz="1200" b="0" i="0" u="none" strike="noStrike" kern="1200" dirty="0">
+                          <a:solidFill>
+                            <a:schemeClr val="dk1"/>
+                          </a:solidFill>
+                          <a:effectLst/>
+                          <a:latin typeface="+mn-lt"/>
+                          <a:ea typeface="+mn-ea"/>
+                          <a:cs typeface="+mn-cs"/>
+                        </a:rPr>
+                        <a:t>The LOAF Cafe </a:t>
+                      </a:r>
+                      <a:endParaRPr kumimoji="1" lang="ja-JP" altLang="en-US" sz="1200"/>
+                    </a:p>
+                  </a:txBody>
+                  <a:tcPr marL="104496" marR="104496" marT="52248" marB="52248" anchor="ctr"/>
+                </a:tc>
+                <a:tc>
+                  <a:txBody>
+                    <a:bodyPr/>
+                    <a:lstStyle/>
+                    <a:p>
+                      <a:pPr algn="ctr"/>
+                      <a:r>
+                        <a:rPr lang="en" altLang="ja-JP" sz="1200" b="0" i="0" u="none" strike="noStrike" kern="1200" dirty="0">
+                          <a:solidFill>
+                            <a:schemeClr val="dk1"/>
+                          </a:solidFill>
+                          <a:effectLst/>
+                          <a:latin typeface="+mn-lt"/>
+                          <a:ea typeface="+mn-ea"/>
+                          <a:cs typeface="+mn-cs"/>
+                        </a:rPr>
+                        <a:t>French &amp; Italian cuisine</a:t>
+                      </a:r>
+                      <a:endParaRPr kumimoji="1" lang="ja-JP" altLang="en-US" sz="1200"/>
+                    </a:p>
+                  </a:txBody>
+                  <a:tcPr marL="104496" marR="104496" marT="52248" marB="52248" anchor="ctr"/>
+                </a:tc>
+                <a:tc>
+                  <a:txBody>
+                    <a:bodyPr/>
+                    <a:lstStyle/>
+                    <a:p>
+                      <a:pPr algn="ctr"/>
+                      <a:r>
+                        <a:rPr lang="en" altLang="ja-JP" sz="1200" b="0" i="0" u="none" strike="noStrike" kern="1200" dirty="0">
+                          <a:solidFill>
+                            <a:schemeClr val="dk1"/>
+                          </a:solidFill>
+                          <a:effectLst/>
+                          <a:latin typeface="+mn-lt"/>
+                          <a:ea typeface="+mn-ea"/>
+                          <a:cs typeface="+mn-cs"/>
+                        </a:rPr>
+                        <a:t>15-20 min </a:t>
+                      </a:r>
+                      <a:endParaRPr kumimoji="1" lang="ja-JP" altLang="en-US" sz="1200"/>
+                    </a:p>
+                  </a:txBody>
+                  <a:tcPr marL="104496" marR="104496" marT="52248" marB="52248" anchor="ctr"/>
+                </a:tc>
+                <a:tc>
+                  <a:txBody>
+                    <a:bodyPr/>
+                    <a:lstStyle/>
+                    <a:p>
+                      <a:pPr algn="ctr"/>
+                      <a:endParaRPr kumimoji="1" lang="ja-JP" altLang="en-US" sz="1200"/>
+                    </a:p>
+                  </a:txBody>
+                  <a:tcPr marL="104496" marR="104496" marT="52248" marB="52248" anchor="ctr"/>
+                </a:tc>
+                <a:extLst>
+                  <a:ext uri="{0D108BD9-81ED-4DB2-BD59-A6C34878D82A}">
+                    <a16:rowId xmlns:a16="http://schemas.microsoft.com/office/drawing/2014/main" val="1079421623"/>
+                  </a:ext>
+                </a:extLst>
+              </a:tr>
+              <a:tr h="420490">
+                <a:tc>
+                  <a:txBody>
+                    <a:bodyPr/>
+                    <a:lstStyle/>
+                    <a:p>
+                      <a:pPr marL="0" indent="0" algn="ctr">
+                        <a:buFontTx/>
+                        <a:buNone/>
+                      </a:pPr>
+                      <a:r>
+                        <a:rPr kumimoji="1" lang="en-US" altLang="ja-JP" sz="1100" dirty="0"/>
+                        <a:t>8</a:t>
+                      </a:r>
+                    </a:p>
+                  </a:txBody>
+                  <a:tcPr marL="104496" marR="104496" marT="52248" marB="52248" anchor="ctr"/>
+                </a:tc>
+                <a:tc>
+                  <a:txBody>
+                    <a:bodyPr/>
+                    <a:lstStyle/>
+                    <a:p>
+                      <a:pPr algn="ctr"/>
+                      <a:r>
+                        <a:rPr lang="en" altLang="ja-JP" sz="1200" b="0" i="0" u="none" strike="noStrike" kern="1200" dirty="0" err="1">
+                          <a:solidFill>
+                            <a:schemeClr val="dk1"/>
+                          </a:solidFill>
+                          <a:effectLst/>
+                          <a:latin typeface="+mn-lt"/>
+                          <a:ea typeface="+mn-ea"/>
+                          <a:cs typeface="+mn-cs"/>
+                        </a:rPr>
+                        <a:t>Wafu</a:t>
+                      </a:r>
+                      <a:r>
+                        <a:rPr lang="en" altLang="ja-JP" sz="1200" b="0" i="0" u="none" strike="noStrike" kern="1200" dirty="0">
+                          <a:solidFill>
+                            <a:schemeClr val="dk1"/>
+                          </a:solidFill>
+                          <a:effectLst/>
+                          <a:latin typeface="+mn-lt"/>
+                          <a:ea typeface="+mn-ea"/>
+                          <a:cs typeface="+mn-cs"/>
+                        </a:rPr>
+                        <a:t> Chuka Torin </a:t>
+                      </a:r>
+                    </a:p>
+                    <a:p>
+                      <a:pPr algn="ctr"/>
+                      <a:r>
+                        <a:rPr lang="en" altLang="ja-JP" sz="1200" b="0" i="0" u="none" strike="noStrike" kern="1200" dirty="0">
+                          <a:solidFill>
+                            <a:schemeClr val="dk1"/>
+                          </a:solidFill>
+                          <a:effectLst/>
+                          <a:latin typeface="+mn-lt"/>
+                          <a:ea typeface="+mn-ea"/>
+                          <a:cs typeface="+mn-cs"/>
+                        </a:rPr>
+                        <a:t>/ </a:t>
+                      </a:r>
+                      <a:r>
+                        <a:rPr lang="ja-JP" altLang="en-US" sz="1200" b="0" i="0" u="none" strike="noStrike" kern="1200">
+                          <a:solidFill>
+                            <a:schemeClr val="dk1"/>
+                          </a:solidFill>
+                          <a:effectLst/>
+                          <a:latin typeface="+mn-lt"/>
+                          <a:ea typeface="+mn-ea"/>
+                          <a:cs typeface="+mn-cs"/>
+                        </a:rPr>
+                        <a:t>和風中華 東林</a:t>
+                      </a:r>
+                      <a:endParaRPr kumimoji="1" lang="ja-JP" altLang="en-US" sz="1200"/>
+                    </a:p>
+                  </a:txBody>
+                  <a:tcPr marL="104496" marR="104496" marT="52248" marB="52248" anchor="ctr"/>
+                </a:tc>
+                <a:tc>
+                  <a:txBody>
+                    <a:bodyPr/>
+                    <a:lstStyle/>
+                    <a:p>
+                      <a:pPr algn="ctr"/>
+                      <a:r>
+                        <a:rPr lang="en" altLang="ja-JP" sz="1200" b="0" i="0" u="none" strike="noStrike" kern="1200" dirty="0">
+                          <a:solidFill>
+                            <a:schemeClr val="dk1"/>
+                          </a:solidFill>
+                          <a:effectLst/>
+                          <a:latin typeface="+mn-lt"/>
+                          <a:ea typeface="+mn-ea"/>
+                          <a:cs typeface="+mn-cs"/>
+                        </a:rPr>
+                        <a:t>Japanese Chinese cuisine</a:t>
+                      </a:r>
+                      <a:endParaRPr kumimoji="1" lang="ja-JP" altLang="en-US" sz="1200"/>
+                    </a:p>
+                  </a:txBody>
+                  <a:tcPr marL="104496" marR="104496" marT="52248" marB="52248" anchor="ctr"/>
+                </a:tc>
+                <a:tc>
+                  <a:txBody>
+                    <a:bodyPr/>
+                    <a:lstStyle/>
+                    <a:p>
+                      <a:pPr algn="ctr"/>
+                      <a:r>
+                        <a:rPr lang="en" altLang="ja-JP" sz="1200" b="0" i="0" u="none" strike="noStrike" kern="1200" dirty="0">
+                          <a:solidFill>
+                            <a:schemeClr val="dk1"/>
+                          </a:solidFill>
+                          <a:effectLst/>
+                          <a:latin typeface="+mn-lt"/>
+                          <a:ea typeface="+mn-ea"/>
+                          <a:cs typeface="+mn-cs"/>
+                        </a:rPr>
+                        <a:t>10-15-min</a:t>
+                      </a:r>
+                      <a:endParaRPr kumimoji="1" lang="ja-JP" altLang="en-US" sz="1200"/>
+                    </a:p>
+                  </a:txBody>
+                  <a:tcPr marL="104496" marR="104496" marT="52248" marB="52248" anchor="ctr"/>
+                </a:tc>
+                <a:tc>
+                  <a:txBody>
+                    <a:bodyPr/>
+                    <a:lstStyle/>
+                    <a:p>
+                      <a:pPr algn="ctr"/>
+                      <a:r>
+                        <a:rPr kumimoji="1" lang="en-US" altLang="ja-JP" sz="1200" dirty="0"/>
+                        <a:t>Sun</a:t>
+                      </a:r>
+                      <a:endParaRPr kumimoji="1" lang="ja-JP" altLang="en-US" sz="1200"/>
+                    </a:p>
+                  </a:txBody>
+                  <a:tcPr marL="104496" marR="104496" marT="52248" marB="52248" anchor="ctr"/>
+                </a:tc>
+                <a:extLst>
+                  <a:ext uri="{0D108BD9-81ED-4DB2-BD59-A6C34878D82A}">
+                    <a16:rowId xmlns:a16="http://schemas.microsoft.com/office/drawing/2014/main" val="584013561"/>
+                  </a:ext>
+                </a:extLst>
+              </a:tr>
+              <a:tr h="420490">
+                <a:tc>
+                  <a:txBody>
+                    <a:bodyPr/>
+                    <a:lstStyle/>
+                    <a:p>
+                      <a:pPr marL="0" indent="0" algn="ctr">
+                        <a:buFontTx/>
+                        <a:buNone/>
+                      </a:pPr>
+                      <a:r>
+                        <a:rPr kumimoji="1" lang="en-US" altLang="ja-JP" sz="1100" dirty="0"/>
+                        <a:t>9</a:t>
+                      </a:r>
+                    </a:p>
+                  </a:txBody>
+                  <a:tcPr marL="104496" marR="104496" marT="52248" marB="52248" anchor="ctr"/>
+                </a:tc>
+                <a:tc>
+                  <a:txBody>
+                    <a:bodyPr/>
+                    <a:lstStyle/>
+                    <a:p>
+                      <a:pPr algn="ctr"/>
+                      <a:r>
+                        <a:rPr lang="en" altLang="ja-JP" sz="1200" b="0" i="0" u="none" strike="noStrike" kern="1200" dirty="0" err="1">
+                          <a:solidFill>
+                            <a:schemeClr val="dk1"/>
+                          </a:solidFill>
+                          <a:effectLst/>
+                          <a:latin typeface="+mn-lt"/>
+                          <a:ea typeface="+mn-ea"/>
+                          <a:cs typeface="+mn-cs"/>
+                        </a:rPr>
+                        <a:t>Mahorobatei</a:t>
+                      </a:r>
+                      <a:r>
+                        <a:rPr lang="en" altLang="ja-JP" sz="1200" b="0" i="0" u="none" strike="noStrike" kern="1200" dirty="0">
+                          <a:solidFill>
+                            <a:schemeClr val="dk1"/>
+                          </a:solidFill>
+                          <a:effectLst/>
+                          <a:latin typeface="+mn-lt"/>
+                          <a:ea typeface="+mn-ea"/>
+                          <a:cs typeface="+mn-cs"/>
+                        </a:rPr>
+                        <a:t> </a:t>
+                      </a:r>
+                    </a:p>
+                    <a:p>
+                      <a:pPr algn="ctr"/>
+                      <a:r>
+                        <a:rPr lang="en" altLang="ja-JP" sz="1200" b="0" i="0" u="none" strike="noStrike" kern="1200" dirty="0">
+                          <a:solidFill>
+                            <a:schemeClr val="dk1"/>
+                          </a:solidFill>
+                          <a:effectLst/>
+                          <a:latin typeface="+mn-lt"/>
+                          <a:ea typeface="+mn-ea"/>
+                          <a:cs typeface="+mn-cs"/>
+                        </a:rPr>
+                        <a:t>/ </a:t>
+                      </a:r>
+                      <a:r>
+                        <a:rPr lang="ja-JP" altLang="en-US" sz="1200" b="0" i="0" u="none" strike="noStrike" kern="1200">
+                          <a:solidFill>
+                            <a:schemeClr val="dk1"/>
+                          </a:solidFill>
+                          <a:effectLst/>
+                          <a:latin typeface="+mn-lt"/>
+                          <a:ea typeface="+mn-ea"/>
+                          <a:cs typeface="+mn-cs"/>
+                        </a:rPr>
+                        <a:t>まほろば亭</a:t>
+                      </a:r>
+                      <a:endParaRPr kumimoji="1" lang="ja-JP" altLang="en-US" sz="1200"/>
+                    </a:p>
+                  </a:txBody>
+                  <a:tcPr marL="104496" marR="104496" marT="52248" marB="52248" anchor="ctr"/>
+                </a:tc>
+                <a:tc>
+                  <a:txBody>
+                    <a:bodyPr/>
+                    <a:lstStyle/>
+                    <a:p>
+                      <a:pPr marL="0" marR="0" lvl="0" indent="0" algn="ctr" defTabSz="457200" rtl="0" eaLnBrk="1" fontAlgn="auto" latinLnBrk="0" hangingPunct="1">
+                        <a:lnSpc>
+                          <a:spcPct val="100000"/>
+                        </a:lnSpc>
+                        <a:spcBef>
+                          <a:spcPts val="0"/>
+                        </a:spcBef>
+                        <a:spcAft>
+                          <a:spcPts val="0"/>
+                        </a:spcAft>
+                        <a:buClrTx/>
+                        <a:buSzTx/>
+                        <a:buFontTx/>
+                        <a:buNone/>
+                        <a:tabLst/>
+                        <a:defRPr/>
+                      </a:pPr>
+                      <a:r>
+                        <a:rPr lang="en" altLang="ja-JP" sz="1200" b="0" i="0" u="none" strike="noStrike" kern="1200" dirty="0">
+                          <a:solidFill>
+                            <a:schemeClr val="dk1"/>
+                          </a:solidFill>
+                          <a:effectLst/>
+                          <a:latin typeface="+mn-lt"/>
+                          <a:ea typeface="+mn-ea"/>
+                          <a:cs typeface="+mn-cs"/>
+                        </a:rPr>
+                        <a:t>Japanese Chinese cuisine</a:t>
+                      </a:r>
+                      <a:endParaRPr kumimoji="1" lang="ja-JP" altLang="en-US" sz="1200"/>
+                    </a:p>
+                  </a:txBody>
+                  <a:tcPr marL="104496" marR="104496" marT="52248" marB="52248" anchor="ctr"/>
+                </a:tc>
+                <a:tc>
+                  <a:txBody>
+                    <a:bodyPr/>
+                    <a:lstStyle/>
+                    <a:p>
+                      <a:pPr marL="0" marR="0" lvl="0" indent="0" algn="ctr" defTabSz="457200" rtl="0" eaLnBrk="1" fontAlgn="auto" latinLnBrk="0" hangingPunct="1">
+                        <a:lnSpc>
+                          <a:spcPct val="100000"/>
+                        </a:lnSpc>
+                        <a:spcBef>
+                          <a:spcPts val="0"/>
+                        </a:spcBef>
+                        <a:spcAft>
+                          <a:spcPts val="0"/>
+                        </a:spcAft>
+                        <a:buClrTx/>
+                        <a:buSzTx/>
+                        <a:buFontTx/>
+                        <a:buNone/>
+                        <a:tabLst/>
+                        <a:defRPr/>
+                      </a:pPr>
+                      <a:r>
+                        <a:rPr lang="en" altLang="ja-JP" sz="1200" b="0" i="0" u="none" strike="noStrike" kern="1200" dirty="0">
+                          <a:solidFill>
+                            <a:schemeClr val="dk1"/>
+                          </a:solidFill>
+                          <a:effectLst/>
+                          <a:latin typeface="+mn-lt"/>
+                          <a:ea typeface="+mn-ea"/>
+                          <a:cs typeface="+mn-cs"/>
+                        </a:rPr>
+                        <a:t>10-15 min </a:t>
+                      </a:r>
+                      <a:endParaRPr kumimoji="1" lang="ja-JP" altLang="en-US" sz="1200"/>
+                    </a:p>
+                  </a:txBody>
+                  <a:tcPr marL="104496" marR="104496" marT="52248" marB="52248" anchor="ctr"/>
+                </a:tc>
+                <a:tc>
+                  <a:txBody>
+                    <a:bodyPr/>
+                    <a:lstStyle/>
+                    <a:p>
+                      <a:pPr algn="ctr"/>
+                      <a:r>
+                        <a:rPr lang="en" altLang="ja-JP" sz="1200" b="0" i="0" u="none" strike="noStrike" kern="1200" dirty="0">
+                          <a:solidFill>
+                            <a:schemeClr val="dk1"/>
+                          </a:solidFill>
+                          <a:effectLst/>
+                          <a:latin typeface="+mn-lt"/>
+                          <a:ea typeface="+mn-ea"/>
+                          <a:cs typeface="+mn-cs"/>
+                        </a:rPr>
+                        <a:t>Wed</a:t>
+                      </a:r>
+                      <a:endParaRPr kumimoji="1" lang="ja-JP" altLang="en-US" sz="1200"/>
+                    </a:p>
+                  </a:txBody>
+                  <a:tcPr marL="104496" marR="104496" marT="52248" marB="52248" anchor="ctr"/>
+                </a:tc>
+                <a:extLst>
+                  <a:ext uri="{0D108BD9-81ED-4DB2-BD59-A6C34878D82A}">
+                    <a16:rowId xmlns:a16="http://schemas.microsoft.com/office/drawing/2014/main" val="383862899"/>
+                  </a:ext>
+                </a:extLst>
+              </a:tr>
+              <a:tr h="402373">
+                <a:tc>
+                  <a:txBody>
+                    <a:bodyPr/>
+                    <a:lstStyle/>
+                    <a:p>
+                      <a:pPr marL="0" indent="0" algn="ctr">
+                        <a:buFontTx/>
+                        <a:buNone/>
+                      </a:pPr>
+                      <a:r>
+                        <a:rPr kumimoji="1" lang="en-US" altLang="ja-JP" sz="1100" dirty="0"/>
+                        <a:t>10</a:t>
+                      </a:r>
+                    </a:p>
+                  </a:txBody>
+                  <a:tcPr marL="104496" marR="104496" marT="52248" marB="52248" anchor="ctr"/>
+                </a:tc>
+                <a:tc>
+                  <a:txBody>
+                    <a:bodyPr/>
+                    <a:lstStyle/>
+                    <a:p>
+                      <a:pPr algn="ctr"/>
+                      <a:r>
+                        <a:rPr lang="en" altLang="ja-JP" sz="1200" b="0" i="0" u="none" strike="noStrike" kern="1200" dirty="0">
+                          <a:solidFill>
+                            <a:schemeClr val="dk1"/>
+                          </a:solidFill>
+                          <a:effectLst/>
+                          <a:latin typeface="+mn-lt"/>
+                          <a:ea typeface="+mn-ea"/>
+                          <a:cs typeface="+mn-cs"/>
+                        </a:rPr>
+                        <a:t>Men-</a:t>
+                      </a:r>
+                      <a:r>
+                        <a:rPr lang="en" altLang="ja-JP" sz="1200" b="0" i="0" u="none" strike="noStrike" kern="1200" dirty="0" err="1">
+                          <a:solidFill>
+                            <a:schemeClr val="dk1"/>
+                          </a:solidFill>
+                          <a:effectLst/>
+                          <a:latin typeface="+mn-lt"/>
+                          <a:ea typeface="+mn-ea"/>
+                          <a:cs typeface="+mn-cs"/>
+                        </a:rPr>
+                        <a:t>ya</a:t>
+                      </a:r>
+                      <a:r>
+                        <a:rPr lang="en" altLang="ja-JP" sz="1200" b="0" i="0" u="none" strike="noStrike" kern="1200" dirty="0">
+                          <a:solidFill>
+                            <a:schemeClr val="dk1"/>
+                          </a:solidFill>
+                          <a:effectLst/>
+                          <a:latin typeface="+mn-lt"/>
+                          <a:ea typeface="+mn-ea"/>
+                          <a:cs typeface="+mn-cs"/>
+                        </a:rPr>
+                        <a:t> Hoi / </a:t>
+                      </a:r>
+                      <a:r>
+                        <a:rPr lang="ja-JP" altLang="en-US" sz="1200" b="0" i="0" u="none" strike="noStrike" kern="1200">
+                          <a:solidFill>
+                            <a:schemeClr val="dk1"/>
+                          </a:solidFill>
+                          <a:effectLst/>
+                          <a:latin typeface="+mn-lt"/>
+                          <a:ea typeface="+mn-ea"/>
+                          <a:cs typeface="+mn-cs"/>
+                        </a:rPr>
+                        <a:t>麺屋ほぃ</a:t>
+                      </a:r>
+                      <a:endParaRPr kumimoji="1" lang="ja-JP" altLang="en-US" sz="1200"/>
+                    </a:p>
+                  </a:txBody>
+                  <a:tcPr marL="104496" marR="104496" marT="52248" marB="52248" anchor="ctr"/>
+                </a:tc>
+                <a:tc>
+                  <a:txBody>
+                    <a:bodyPr/>
+                    <a:lstStyle/>
+                    <a:p>
+                      <a:pPr algn="ctr"/>
+                      <a:r>
+                        <a:rPr lang="en" altLang="ja-JP" sz="1200" b="0" i="0" u="none" strike="noStrike" kern="1200" dirty="0">
+                          <a:solidFill>
+                            <a:schemeClr val="dk1"/>
+                          </a:solidFill>
+                          <a:effectLst/>
+                          <a:latin typeface="+mn-lt"/>
+                          <a:ea typeface="+mn-ea"/>
+                          <a:cs typeface="+mn-cs"/>
+                        </a:rPr>
+                        <a:t>Ramen</a:t>
+                      </a:r>
+                      <a:endParaRPr kumimoji="1" lang="ja-JP" altLang="en-US" sz="1200"/>
+                    </a:p>
+                  </a:txBody>
+                  <a:tcPr marL="104496" marR="104496" marT="52248" marB="52248" anchor="ctr"/>
+                </a:tc>
+                <a:tc>
+                  <a:txBody>
+                    <a:bodyPr/>
+                    <a:lstStyle/>
+                    <a:p>
+                      <a:pPr algn="ctr"/>
+                      <a:r>
+                        <a:rPr lang="en" altLang="ja-JP" sz="1200" b="0" i="0" u="none" strike="noStrike" kern="1200" dirty="0">
+                          <a:solidFill>
+                            <a:schemeClr val="dk1"/>
+                          </a:solidFill>
+                          <a:effectLst/>
+                          <a:latin typeface="+mn-lt"/>
+                          <a:ea typeface="+mn-ea"/>
+                          <a:cs typeface="+mn-cs"/>
+                        </a:rPr>
+                        <a:t>15-20 min </a:t>
+                      </a:r>
+                      <a:endParaRPr kumimoji="1" lang="ja-JP" altLang="en-US" sz="1200"/>
+                    </a:p>
+                  </a:txBody>
+                  <a:tcPr marL="104496" marR="104496" marT="52248" marB="52248" anchor="ctr"/>
+                </a:tc>
+                <a:tc>
+                  <a:txBody>
+                    <a:bodyPr/>
+                    <a:lstStyle/>
+                    <a:p>
+                      <a:pPr algn="ctr"/>
+                      <a:r>
+                        <a:rPr lang="en" altLang="ja-JP" sz="1200" b="0" i="0" u="none" strike="noStrike" kern="1200" dirty="0">
+                          <a:solidFill>
+                            <a:schemeClr val="dk1"/>
+                          </a:solidFill>
+                          <a:effectLst/>
+                          <a:latin typeface="+mn-lt"/>
+                          <a:ea typeface="+mn-ea"/>
+                          <a:cs typeface="+mn-cs"/>
+                        </a:rPr>
+                        <a:t>Wed</a:t>
+                      </a:r>
+                      <a:endParaRPr kumimoji="1" lang="ja-JP" altLang="en-US" sz="1200"/>
+                    </a:p>
+                  </a:txBody>
+                  <a:tcPr marL="104496" marR="104496" marT="52248" marB="52248" anchor="ctr"/>
+                </a:tc>
+                <a:extLst>
+                  <a:ext uri="{0D108BD9-81ED-4DB2-BD59-A6C34878D82A}">
+                    <a16:rowId xmlns:a16="http://schemas.microsoft.com/office/drawing/2014/main" val="3753433827"/>
+                  </a:ext>
+                </a:extLst>
+              </a:tr>
+              <a:tr h="402373">
+                <a:tc>
+                  <a:txBody>
+                    <a:bodyPr/>
+                    <a:lstStyle/>
+                    <a:p>
+                      <a:pPr marL="0" indent="0" algn="ctr">
+                        <a:buFontTx/>
+                        <a:buNone/>
+                      </a:pPr>
+                      <a:r>
+                        <a:rPr kumimoji="1" lang="en-US" altLang="ja-JP" sz="1100" dirty="0"/>
+                        <a:t>11</a:t>
+                      </a:r>
+                    </a:p>
+                  </a:txBody>
+                  <a:tcPr marL="104496" marR="104496" marT="52248" marB="52248" anchor="ctr"/>
+                </a:tc>
+                <a:tc>
+                  <a:txBody>
+                    <a:bodyPr/>
+                    <a:lstStyle/>
+                    <a:p>
+                      <a:pPr algn="ctr"/>
+                      <a:r>
+                        <a:rPr lang="en" altLang="ja-JP" sz="1200" b="0" i="0" u="none" strike="noStrike" kern="1200" dirty="0">
+                          <a:solidFill>
+                            <a:schemeClr val="dk1"/>
+                          </a:solidFill>
+                          <a:effectLst/>
+                          <a:latin typeface="+mn-lt"/>
+                          <a:ea typeface="+mn-ea"/>
+                          <a:cs typeface="+mn-cs"/>
+                        </a:rPr>
+                        <a:t>Kathmandu </a:t>
+                      </a:r>
+                    </a:p>
+                    <a:p>
+                      <a:pPr algn="ctr"/>
+                      <a:r>
+                        <a:rPr lang="en" altLang="ja-JP" sz="1200" b="0" i="0" u="none" strike="noStrike" kern="1200" dirty="0">
+                          <a:solidFill>
+                            <a:schemeClr val="dk1"/>
+                          </a:solidFill>
+                          <a:effectLst/>
+                          <a:latin typeface="+mn-lt"/>
+                          <a:ea typeface="+mn-ea"/>
+                          <a:cs typeface="+mn-cs"/>
+                        </a:rPr>
+                        <a:t>/ </a:t>
+                      </a:r>
+                      <a:r>
+                        <a:rPr lang="ja-JP" altLang="en-US" sz="1200" b="0" i="0" u="none" strike="noStrike" kern="1200">
+                          <a:solidFill>
+                            <a:schemeClr val="dk1"/>
+                          </a:solidFill>
+                          <a:effectLst/>
+                          <a:latin typeface="+mn-lt"/>
+                          <a:ea typeface="+mn-ea"/>
+                          <a:cs typeface="+mn-cs"/>
+                        </a:rPr>
+                        <a:t>カトマンドゥ</a:t>
+                      </a:r>
+                      <a:endParaRPr kumimoji="1" lang="ja-JP" altLang="en-US" sz="1200"/>
+                    </a:p>
+                  </a:txBody>
+                  <a:tcPr marL="104496" marR="104496" marT="52248" marB="52248" anchor="ctr"/>
+                </a:tc>
+                <a:tc>
+                  <a:txBody>
+                    <a:bodyPr/>
+                    <a:lstStyle/>
+                    <a:p>
+                      <a:pPr algn="ctr"/>
+                      <a:r>
+                        <a:rPr lang="en" altLang="ja-JP" sz="1200" b="0" i="0" u="none" strike="noStrike" kern="1200" dirty="0">
+                          <a:solidFill>
+                            <a:schemeClr val="dk1"/>
+                          </a:solidFill>
+                          <a:effectLst/>
+                          <a:latin typeface="+mn-lt"/>
+                          <a:ea typeface="+mn-ea"/>
+                          <a:cs typeface="+mn-cs"/>
+                        </a:rPr>
+                        <a:t>Nepalese cuisine</a:t>
+                      </a:r>
+                      <a:endParaRPr kumimoji="1" lang="ja-JP" altLang="en-US" sz="1200"/>
+                    </a:p>
+                  </a:txBody>
+                  <a:tcPr marL="104496" marR="104496" marT="52248" marB="52248" anchor="ctr"/>
+                </a:tc>
+                <a:tc>
+                  <a:txBody>
+                    <a:bodyPr/>
+                    <a:lstStyle/>
+                    <a:p>
+                      <a:pPr algn="ctr"/>
+                      <a:r>
+                        <a:rPr lang="en" altLang="ja-JP" sz="1200" b="0" i="0" u="none" strike="noStrike" kern="1200" dirty="0">
+                          <a:solidFill>
+                            <a:schemeClr val="dk1"/>
+                          </a:solidFill>
+                          <a:effectLst/>
+                          <a:latin typeface="+mn-lt"/>
+                          <a:ea typeface="+mn-ea"/>
+                          <a:cs typeface="+mn-cs"/>
+                        </a:rPr>
+                        <a:t>15-20 min </a:t>
+                      </a:r>
+                      <a:endParaRPr kumimoji="1" lang="ja-JP" altLang="en-US" sz="1200"/>
+                    </a:p>
+                  </a:txBody>
+                  <a:tcPr marL="104496" marR="104496" marT="52248" marB="52248" anchor="ctr"/>
+                </a:tc>
+                <a:tc>
+                  <a:txBody>
+                    <a:bodyPr/>
+                    <a:lstStyle/>
+                    <a:p>
+                      <a:pPr algn="ctr"/>
+                      <a:endParaRPr kumimoji="1" lang="ja-JP" altLang="en-US" sz="1200"/>
+                    </a:p>
+                  </a:txBody>
+                  <a:tcPr marL="104496" marR="104496" marT="52248" marB="52248" anchor="ctr"/>
+                </a:tc>
+                <a:extLst>
+                  <a:ext uri="{0D108BD9-81ED-4DB2-BD59-A6C34878D82A}">
+                    <a16:rowId xmlns:a16="http://schemas.microsoft.com/office/drawing/2014/main" val="787028619"/>
+                  </a:ext>
+                </a:extLst>
+              </a:tr>
+              <a:tr h="558854">
+                <a:tc>
+                  <a:txBody>
+                    <a:bodyPr/>
+                    <a:lstStyle/>
+                    <a:p>
+                      <a:pPr marL="0" indent="0" algn="ctr">
+                        <a:buFontTx/>
+                        <a:buNone/>
+                      </a:pPr>
+                      <a:r>
+                        <a:rPr kumimoji="1" lang="en-US" altLang="ja-JP" sz="1100" dirty="0"/>
+                        <a:t>12</a:t>
+                      </a:r>
+                    </a:p>
+                  </a:txBody>
+                  <a:tcPr marL="104496" marR="104496" marT="52248" marB="52248" anchor="ctr"/>
+                </a:tc>
+                <a:tc>
+                  <a:txBody>
+                    <a:bodyPr/>
+                    <a:lstStyle/>
+                    <a:p>
+                      <a:pPr algn="ctr"/>
+                      <a:r>
+                        <a:rPr lang="en" altLang="ja-JP" sz="1200" b="0" i="0" u="none" strike="noStrike" kern="1200" dirty="0">
+                          <a:solidFill>
+                            <a:schemeClr val="dk1"/>
+                          </a:solidFill>
+                          <a:effectLst/>
+                          <a:latin typeface="+mn-lt"/>
+                          <a:ea typeface="+mn-ea"/>
+                          <a:cs typeface="+mn-cs"/>
+                        </a:rPr>
+                        <a:t>Yoshioka Maguro-</a:t>
+                      </a:r>
+                      <a:r>
+                        <a:rPr lang="en" altLang="ja-JP" sz="1200" b="0" i="0" u="none" strike="noStrike" kern="1200" dirty="0" err="1">
+                          <a:solidFill>
+                            <a:schemeClr val="dk1"/>
+                          </a:solidFill>
+                          <a:effectLst/>
+                          <a:latin typeface="+mn-lt"/>
+                          <a:ea typeface="+mn-ea"/>
+                          <a:cs typeface="+mn-cs"/>
+                        </a:rPr>
+                        <a:t>bushi</a:t>
+                      </a:r>
+                      <a:r>
+                        <a:rPr lang="en" altLang="ja-JP" sz="1200" b="0" i="0" u="none" strike="noStrike" kern="1200" dirty="0">
+                          <a:solidFill>
+                            <a:schemeClr val="dk1"/>
+                          </a:solidFill>
+                          <a:effectLst/>
+                          <a:latin typeface="+mn-lt"/>
+                          <a:ea typeface="+mn-ea"/>
+                          <a:cs typeface="+mn-cs"/>
+                        </a:rPr>
+                        <a:t> Center</a:t>
+                      </a:r>
+                    </a:p>
+                    <a:p>
+                      <a:pPr algn="ctr"/>
+                      <a:r>
+                        <a:rPr lang="en" altLang="ja-JP" sz="1200" b="0" i="0" u="none" strike="noStrike" kern="1200" dirty="0">
+                          <a:solidFill>
+                            <a:schemeClr val="dk1"/>
+                          </a:solidFill>
+                          <a:effectLst/>
+                          <a:latin typeface="+mn-lt"/>
+                          <a:ea typeface="+mn-ea"/>
+                          <a:cs typeface="+mn-cs"/>
+                        </a:rPr>
+                        <a:t>/</a:t>
+                      </a:r>
+                      <a:r>
+                        <a:rPr lang="ja-JP" altLang="en-US" sz="1200" b="0" i="0" u="none" strike="noStrike" kern="1200">
+                          <a:solidFill>
+                            <a:schemeClr val="dk1"/>
+                          </a:solidFill>
+                          <a:effectLst/>
+                          <a:latin typeface="+mn-lt"/>
+                          <a:ea typeface="+mn-ea"/>
+                          <a:cs typeface="+mn-cs"/>
+                        </a:rPr>
+                        <a:t>吉岡マグロ節センター</a:t>
+                      </a:r>
+                      <a:endParaRPr kumimoji="1" lang="ja-JP" altLang="en-US" sz="1200"/>
+                    </a:p>
+                  </a:txBody>
+                  <a:tcPr marL="104496" marR="104496" marT="52248" marB="52248" anchor="ctr"/>
+                </a:tc>
+                <a:tc>
+                  <a:txBody>
+                    <a:bodyPr/>
+                    <a:lstStyle/>
+                    <a:p>
+                      <a:pPr algn="ctr"/>
+                      <a:r>
+                        <a:rPr lang="en" altLang="ja-JP" sz="1200" b="0" i="0" u="none" strike="noStrike" kern="1200" dirty="0">
+                          <a:solidFill>
+                            <a:schemeClr val="dk1"/>
+                          </a:solidFill>
+                          <a:effectLst/>
+                          <a:latin typeface="+mn-lt"/>
+                          <a:ea typeface="+mn-ea"/>
+                          <a:cs typeface="+mn-cs"/>
+                        </a:rPr>
+                        <a:t>Ramen</a:t>
+                      </a:r>
+                      <a:endParaRPr kumimoji="1" lang="ja-JP" altLang="en-US" sz="1200"/>
+                    </a:p>
+                  </a:txBody>
+                  <a:tcPr marL="104496" marR="104496" marT="52248" marB="52248" anchor="ctr"/>
+                </a:tc>
+                <a:tc>
+                  <a:txBody>
+                    <a:bodyPr/>
+                    <a:lstStyle/>
+                    <a:p>
+                      <a:pPr algn="ctr"/>
+                      <a:r>
+                        <a:rPr lang="en" altLang="ja-JP" sz="1200" b="0" i="0" u="none" strike="noStrike" kern="1200" dirty="0">
+                          <a:solidFill>
+                            <a:schemeClr val="dk1"/>
+                          </a:solidFill>
+                          <a:effectLst/>
+                          <a:latin typeface="+mn-lt"/>
+                          <a:ea typeface="+mn-ea"/>
+                          <a:cs typeface="+mn-cs"/>
+                        </a:rPr>
+                        <a:t>15-20 min</a:t>
+                      </a:r>
+                      <a:endParaRPr kumimoji="1" lang="ja-JP" altLang="en-US" sz="1200"/>
+                    </a:p>
+                  </a:txBody>
+                  <a:tcPr marL="104496" marR="104496" marT="52248" marB="52248" anchor="ctr"/>
+                </a:tc>
+                <a:tc>
+                  <a:txBody>
+                    <a:bodyPr/>
+                    <a:lstStyle/>
+                    <a:p>
+                      <a:pPr algn="ctr"/>
+                      <a:endParaRPr kumimoji="1" lang="ja-JP" altLang="en-US" sz="1200"/>
+                    </a:p>
+                  </a:txBody>
+                  <a:tcPr marL="104496" marR="104496" marT="52248" marB="52248" anchor="ctr"/>
+                </a:tc>
+                <a:extLst>
+                  <a:ext uri="{0D108BD9-81ED-4DB2-BD59-A6C34878D82A}">
+                    <a16:rowId xmlns:a16="http://schemas.microsoft.com/office/drawing/2014/main" val="928157175"/>
+                  </a:ext>
+                </a:extLst>
+              </a:tr>
+              <a:tr h="420474">
+                <a:tc>
+                  <a:txBody>
+                    <a:bodyPr/>
+                    <a:lstStyle/>
+                    <a:p>
+                      <a:pPr marL="0" indent="0" algn="ctr">
+                        <a:buFontTx/>
+                        <a:buNone/>
+                      </a:pPr>
+                      <a:r>
+                        <a:rPr kumimoji="1" lang="en-US" altLang="ja-JP" sz="1100" dirty="0"/>
+                        <a:t>13</a:t>
+                      </a:r>
+                    </a:p>
+                  </a:txBody>
+                  <a:tcPr marL="104496" marR="104496" marT="52248" marB="52248" anchor="ctr"/>
+                </a:tc>
+                <a:tc>
+                  <a:txBody>
+                    <a:bodyPr/>
+                    <a:lstStyle/>
+                    <a:p>
+                      <a:pPr algn="ctr"/>
+                      <a:r>
+                        <a:rPr lang="en" altLang="ja-JP" sz="1200" b="0" i="0" u="none" strike="noStrike" kern="1200" dirty="0" err="1">
+                          <a:solidFill>
+                            <a:schemeClr val="dk1"/>
+                          </a:solidFill>
+                          <a:effectLst/>
+                          <a:latin typeface="+mn-lt"/>
+                          <a:ea typeface="+mn-ea"/>
+                          <a:cs typeface="+mn-cs"/>
+                        </a:rPr>
+                        <a:t>Maruyoshi</a:t>
+                      </a:r>
+                      <a:r>
+                        <a:rPr lang="en" altLang="ja-JP" sz="1200" b="0" i="0" u="none" strike="noStrike" kern="1200" dirty="0">
+                          <a:solidFill>
+                            <a:schemeClr val="dk1"/>
+                          </a:solidFill>
+                          <a:effectLst/>
+                          <a:latin typeface="+mn-lt"/>
+                          <a:ea typeface="+mn-ea"/>
+                          <a:cs typeface="+mn-cs"/>
+                        </a:rPr>
+                        <a:t> </a:t>
+                      </a:r>
+                      <a:r>
+                        <a:rPr lang="en" altLang="ja-JP" sz="1200" b="0" i="0" u="none" strike="noStrike" kern="1200" dirty="0" err="1">
+                          <a:solidFill>
+                            <a:schemeClr val="dk1"/>
+                          </a:solidFill>
+                          <a:effectLst/>
+                          <a:latin typeface="+mn-lt"/>
+                          <a:ea typeface="+mn-ea"/>
+                          <a:cs typeface="+mn-cs"/>
+                        </a:rPr>
+                        <a:t>Seimenjo</a:t>
+                      </a:r>
+                      <a:r>
+                        <a:rPr lang="en" altLang="ja-JP" sz="1200" b="0" i="0" u="none" strike="noStrike" kern="1200" dirty="0">
+                          <a:solidFill>
+                            <a:schemeClr val="dk1"/>
+                          </a:solidFill>
+                          <a:effectLst/>
+                          <a:latin typeface="+mn-lt"/>
+                          <a:ea typeface="+mn-ea"/>
+                          <a:cs typeface="+mn-cs"/>
+                        </a:rPr>
+                        <a:t> </a:t>
+                      </a:r>
+                    </a:p>
+                    <a:p>
+                      <a:pPr algn="ctr"/>
+                      <a:r>
+                        <a:rPr lang="en" altLang="ja-JP" sz="1200" b="0" i="0" u="none" strike="noStrike" kern="1200" dirty="0">
+                          <a:solidFill>
+                            <a:schemeClr val="dk1"/>
+                          </a:solidFill>
+                          <a:effectLst/>
+                          <a:latin typeface="+mn-lt"/>
+                          <a:ea typeface="+mn-ea"/>
+                          <a:cs typeface="+mn-cs"/>
+                        </a:rPr>
+                        <a:t>/</a:t>
+                      </a:r>
+                      <a:r>
+                        <a:rPr lang="ja-JP" altLang="en-US" sz="1200" b="0" i="0" u="none" strike="noStrike" kern="1200">
+                          <a:solidFill>
+                            <a:schemeClr val="dk1"/>
+                          </a:solidFill>
+                          <a:effectLst/>
+                          <a:latin typeface="+mn-lt"/>
+                          <a:ea typeface="+mn-ea"/>
+                          <a:cs typeface="+mn-cs"/>
+                        </a:rPr>
+                        <a:t>マルヨシ製麺所</a:t>
+                      </a:r>
+                      <a:endParaRPr kumimoji="1" lang="ja-JP" altLang="en-US" sz="1200"/>
+                    </a:p>
+                  </a:txBody>
+                  <a:tcPr marL="104496" marR="104496" marT="52248" marB="52248" anchor="ctr"/>
+                </a:tc>
+                <a:tc>
+                  <a:txBody>
+                    <a:bodyPr/>
+                    <a:lstStyle/>
+                    <a:p>
+                      <a:pPr algn="ctr"/>
+                      <a:r>
+                        <a:rPr kumimoji="1" lang="en-US" altLang="ja-JP" sz="1200" dirty="0" err="1"/>
+                        <a:t>Udon</a:t>
+                      </a:r>
+                      <a:endParaRPr kumimoji="1" lang="ja-JP" altLang="en-US" sz="1200"/>
+                    </a:p>
+                  </a:txBody>
+                  <a:tcPr marL="104496" marR="104496" marT="52248" marB="52248" anchor="ctr"/>
+                </a:tc>
+                <a:tc>
+                  <a:txBody>
+                    <a:bodyPr/>
+                    <a:lstStyle/>
+                    <a:p>
+                      <a:pPr algn="ctr"/>
+                      <a:r>
+                        <a:rPr lang="en" altLang="ja-JP" sz="1200" b="0" i="0" u="none" strike="noStrike" kern="1200" dirty="0">
+                          <a:solidFill>
+                            <a:schemeClr val="dk1"/>
+                          </a:solidFill>
+                          <a:effectLst/>
+                          <a:latin typeface="+mn-lt"/>
+                          <a:ea typeface="+mn-ea"/>
+                          <a:cs typeface="+mn-cs"/>
+                        </a:rPr>
+                        <a:t>20-min</a:t>
+                      </a:r>
+                      <a:endParaRPr kumimoji="1" lang="ja-JP" altLang="en-US" sz="1200"/>
+                    </a:p>
+                  </a:txBody>
+                  <a:tcPr marL="104496" marR="104496" marT="52248" marB="52248" anchor="ctr"/>
+                </a:tc>
+                <a:tc>
+                  <a:txBody>
+                    <a:bodyPr/>
+                    <a:lstStyle/>
+                    <a:p>
+                      <a:pPr algn="ctr"/>
+                      <a:endParaRPr kumimoji="1" lang="ja-JP" altLang="en-US" sz="1200"/>
+                    </a:p>
+                  </a:txBody>
+                  <a:tcPr marL="104496" marR="104496" marT="52248" marB="52248" anchor="ctr"/>
+                </a:tc>
+                <a:extLst>
+                  <a:ext uri="{0D108BD9-81ED-4DB2-BD59-A6C34878D82A}">
+                    <a16:rowId xmlns:a16="http://schemas.microsoft.com/office/drawing/2014/main" val="4156867040"/>
+                  </a:ext>
+                </a:extLst>
+              </a:tr>
+              <a:tr h="402373">
+                <a:tc>
+                  <a:txBody>
+                    <a:bodyPr/>
+                    <a:lstStyle/>
+                    <a:p>
+                      <a:pPr marL="0" indent="0" algn="ctr">
+                        <a:buFontTx/>
+                        <a:buNone/>
+                      </a:pPr>
+                      <a:r>
+                        <a:rPr kumimoji="1" lang="en-US" altLang="ja-JP" sz="1100" dirty="0"/>
+                        <a:t>14</a:t>
+                      </a:r>
+                    </a:p>
+                  </a:txBody>
+                  <a:tcPr marL="104496" marR="104496" marT="52248" marB="52248" anchor="ctr"/>
+                </a:tc>
+                <a:tc>
+                  <a:txBody>
+                    <a:bodyPr/>
+                    <a:lstStyle/>
+                    <a:p>
+                      <a:pPr algn="ctr"/>
+                      <a:r>
+                        <a:rPr lang="en" altLang="ja-JP" sz="1200" b="0" i="0" u="none" strike="noStrike" kern="1200" dirty="0" err="1">
+                          <a:solidFill>
+                            <a:schemeClr val="dk1"/>
+                          </a:solidFill>
+                          <a:effectLst/>
+                          <a:latin typeface="+mn-lt"/>
+                          <a:ea typeface="+mn-ea"/>
+                          <a:cs typeface="+mn-cs"/>
+                        </a:rPr>
+                        <a:t>Maruju</a:t>
+                      </a:r>
+                      <a:r>
+                        <a:rPr lang="en" altLang="ja-JP" sz="1200" b="0" i="0" u="none" strike="noStrike" kern="1200" dirty="0">
+                          <a:solidFill>
+                            <a:schemeClr val="dk1"/>
+                          </a:solidFill>
+                          <a:effectLst/>
+                          <a:latin typeface="+mn-lt"/>
+                          <a:ea typeface="+mn-ea"/>
+                          <a:cs typeface="+mn-cs"/>
+                        </a:rPr>
+                        <a:t> / </a:t>
+                      </a:r>
+                      <a:r>
+                        <a:rPr lang="ja-JP" altLang="en-US" sz="1200" b="0" i="0" u="none" strike="noStrike" kern="1200">
+                          <a:solidFill>
+                            <a:schemeClr val="dk1"/>
+                          </a:solidFill>
+                          <a:effectLst/>
+                          <a:latin typeface="+mn-lt"/>
+                          <a:ea typeface="+mn-ea"/>
+                          <a:cs typeface="+mn-cs"/>
+                        </a:rPr>
+                        <a:t>丸十</a:t>
+                      </a:r>
+                      <a:endParaRPr kumimoji="1" lang="ja-JP" altLang="en-US" sz="1200"/>
+                    </a:p>
+                  </a:txBody>
+                  <a:tcPr marL="104496" marR="104496" marT="52248" marB="52248" anchor="ctr"/>
+                </a:tc>
+                <a:tc>
+                  <a:txBody>
+                    <a:bodyPr/>
+                    <a:lstStyle/>
+                    <a:p>
+                      <a:pPr algn="ctr"/>
+                      <a:r>
+                        <a:rPr kumimoji="1" lang="en-US" altLang="ja-JP" sz="1200" dirty="0" err="1"/>
+                        <a:t>Udon</a:t>
+                      </a:r>
+                      <a:endParaRPr kumimoji="1" lang="ja-JP" altLang="en-US" sz="1200"/>
+                    </a:p>
+                  </a:txBody>
+                  <a:tcPr marL="104496" marR="104496" marT="52248" marB="52248" anchor="ctr"/>
+                </a:tc>
+                <a:tc>
+                  <a:txBody>
+                    <a:bodyPr/>
+                    <a:lstStyle/>
+                    <a:p>
+                      <a:pPr algn="ctr"/>
+                      <a:r>
+                        <a:rPr lang="en" altLang="ja-JP" sz="1200" b="0" i="0" u="none" strike="noStrike" kern="1200" dirty="0">
+                          <a:solidFill>
+                            <a:schemeClr val="dk1"/>
+                          </a:solidFill>
+                          <a:effectLst/>
+                          <a:latin typeface="+mn-lt"/>
+                          <a:ea typeface="+mn-ea"/>
+                          <a:cs typeface="+mn-cs"/>
+                        </a:rPr>
+                        <a:t>20-min</a:t>
+                      </a:r>
+                      <a:endParaRPr kumimoji="1" lang="ja-JP" altLang="en-US" sz="1200"/>
+                    </a:p>
+                  </a:txBody>
+                  <a:tcPr marL="104496" marR="104496" marT="52248" marB="52248" anchor="ctr"/>
+                </a:tc>
+                <a:tc>
+                  <a:txBody>
+                    <a:bodyPr/>
+                    <a:lstStyle/>
+                    <a:p>
+                      <a:pPr algn="ctr"/>
+                      <a:r>
+                        <a:rPr kumimoji="1" lang="en-US" altLang="ja-JP" sz="1200" dirty="0"/>
+                        <a:t>Sun</a:t>
+                      </a:r>
+                      <a:endParaRPr kumimoji="1" lang="ja-JP" altLang="en-US" sz="1200"/>
+                    </a:p>
+                  </a:txBody>
+                  <a:tcPr marL="104496" marR="104496" marT="52248" marB="52248" anchor="ctr"/>
+                </a:tc>
+                <a:extLst>
+                  <a:ext uri="{0D108BD9-81ED-4DB2-BD59-A6C34878D82A}">
+                    <a16:rowId xmlns:a16="http://schemas.microsoft.com/office/drawing/2014/main" val="551049951"/>
+                  </a:ext>
+                </a:extLst>
+              </a:tr>
+              <a:tr h="402373">
+                <a:tc>
+                  <a:txBody>
+                    <a:bodyPr/>
+                    <a:lstStyle/>
+                    <a:p>
+                      <a:pPr marL="0" indent="0" algn="ctr">
+                        <a:buFontTx/>
+                        <a:buNone/>
+                      </a:pPr>
+                      <a:r>
+                        <a:rPr kumimoji="1" lang="en-US" altLang="ja-JP" sz="1100" dirty="0"/>
+                        <a:t>15</a:t>
+                      </a:r>
+                    </a:p>
+                  </a:txBody>
+                  <a:tcPr marL="104496" marR="104496" marT="52248" marB="52248" anchor="ctr"/>
+                </a:tc>
+                <a:tc>
+                  <a:txBody>
+                    <a:bodyPr/>
+                    <a:lstStyle/>
+                    <a:p>
+                      <a:pPr algn="ctr"/>
+                      <a:r>
+                        <a:rPr lang="en" altLang="ja-JP" sz="1200" b="0" i="0" u="none" strike="noStrike" kern="1200" dirty="0" err="1">
+                          <a:solidFill>
+                            <a:schemeClr val="dk1"/>
+                          </a:solidFill>
+                          <a:effectLst/>
+                          <a:latin typeface="+mn-lt"/>
+                          <a:ea typeface="+mn-ea"/>
+                          <a:cs typeface="+mn-cs"/>
+                        </a:rPr>
+                        <a:t>Mendo</a:t>
+                      </a:r>
+                      <a:r>
+                        <a:rPr lang="en" altLang="ja-JP" sz="1200" b="0" i="0" u="none" strike="noStrike" kern="1200" dirty="0">
+                          <a:solidFill>
+                            <a:schemeClr val="dk1"/>
+                          </a:solidFill>
+                          <a:effectLst/>
+                          <a:latin typeface="+mn-lt"/>
+                          <a:ea typeface="+mn-ea"/>
+                          <a:cs typeface="+mn-cs"/>
+                        </a:rPr>
+                        <a:t> </a:t>
+                      </a:r>
+                      <a:r>
+                        <a:rPr lang="en" altLang="ja-JP" sz="1200" b="0" i="0" u="none" strike="noStrike" kern="1200" dirty="0" err="1">
+                          <a:solidFill>
+                            <a:schemeClr val="dk1"/>
+                          </a:solidFill>
+                          <a:effectLst/>
+                          <a:latin typeface="+mn-lt"/>
+                          <a:ea typeface="+mn-ea"/>
+                          <a:cs typeface="+mn-cs"/>
+                        </a:rPr>
+                        <a:t>Shuhari</a:t>
+                      </a:r>
+                      <a:r>
+                        <a:rPr lang="en" altLang="ja-JP" sz="1200" b="0" i="0" u="none" strike="noStrike" kern="1200" dirty="0">
+                          <a:solidFill>
+                            <a:schemeClr val="dk1"/>
+                          </a:solidFill>
+                          <a:effectLst/>
+                          <a:latin typeface="+mn-lt"/>
+                          <a:ea typeface="+mn-ea"/>
+                          <a:cs typeface="+mn-cs"/>
+                        </a:rPr>
+                        <a:t> </a:t>
+                      </a:r>
+                    </a:p>
+                    <a:p>
+                      <a:pPr algn="ctr"/>
+                      <a:r>
+                        <a:rPr lang="en" altLang="ja-JP" sz="1200" b="0" i="0" u="none" strike="noStrike" kern="1200" dirty="0">
+                          <a:solidFill>
+                            <a:schemeClr val="dk1"/>
+                          </a:solidFill>
+                          <a:effectLst/>
+                          <a:latin typeface="+mn-lt"/>
+                          <a:ea typeface="+mn-ea"/>
+                          <a:cs typeface="+mn-cs"/>
+                        </a:rPr>
+                        <a:t>/ </a:t>
+                      </a:r>
+                      <a:r>
+                        <a:rPr lang="ja-JP" altLang="en-US" sz="1200" b="0" i="0" u="none" strike="noStrike" kern="1200">
+                          <a:solidFill>
+                            <a:schemeClr val="dk1"/>
+                          </a:solidFill>
+                          <a:effectLst/>
+                          <a:latin typeface="+mn-lt"/>
+                          <a:ea typeface="+mn-ea"/>
+                          <a:cs typeface="+mn-cs"/>
+                        </a:rPr>
+                        <a:t>麺道 しゅはり</a:t>
+                      </a:r>
+                      <a:endParaRPr kumimoji="1" lang="ja-JP" altLang="en-US" sz="1200"/>
+                    </a:p>
+                  </a:txBody>
+                  <a:tcPr marL="104496" marR="104496" marT="52248" marB="52248" anchor="ctr"/>
+                </a:tc>
+                <a:tc>
+                  <a:txBody>
+                    <a:bodyPr/>
+                    <a:lstStyle/>
+                    <a:p>
+                      <a:pPr algn="ctr"/>
+                      <a:r>
+                        <a:rPr kumimoji="1" lang="en-US" altLang="ja-JP" sz="1200" dirty="0"/>
+                        <a:t>Ramen</a:t>
+                      </a:r>
+                      <a:endParaRPr kumimoji="1" lang="ja-JP" altLang="en-US" sz="1200"/>
+                    </a:p>
+                  </a:txBody>
+                  <a:tcPr marL="104496" marR="104496" marT="52248" marB="52248" anchor="ctr"/>
+                </a:tc>
+                <a:tc>
+                  <a:txBody>
+                    <a:bodyPr/>
+                    <a:lstStyle/>
+                    <a:p>
+                      <a:pPr algn="ctr"/>
+                      <a:r>
+                        <a:rPr lang="en" altLang="ja-JP" sz="1200" b="0" i="0" u="none" strike="noStrike" kern="1200" dirty="0">
+                          <a:solidFill>
+                            <a:schemeClr val="dk1"/>
+                          </a:solidFill>
+                          <a:effectLst/>
+                          <a:latin typeface="+mn-lt"/>
+                          <a:ea typeface="+mn-ea"/>
+                          <a:cs typeface="+mn-cs"/>
+                        </a:rPr>
+                        <a:t>15-20 min</a:t>
+                      </a:r>
+                      <a:endParaRPr kumimoji="1" lang="ja-JP" altLang="en-US" sz="1200"/>
+                    </a:p>
+                  </a:txBody>
+                  <a:tcPr marL="104496" marR="104496" marT="52248" marB="52248" anchor="ctr"/>
+                </a:tc>
+                <a:tc>
+                  <a:txBody>
+                    <a:bodyPr/>
+                    <a:lstStyle/>
+                    <a:p>
+                      <a:pPr algn="ctr"/>
+                      <a:endParaRPr kumimoji="1" lang="ja-JP" altLang="en-US" sz="1200"/>
+                    </a:p>
+                  </a:txBody>
+                  <a:tcPr marL="104496" marR="104496" marT="52248" marB="52248" anchor="ctr"/>
+                </a:tc>
+                <a:extLst>
+                  <a:ext uri="{0D108BD9-81ED-4DB2-BD59-A6C34878D82A}">
+                    <a16:rowId xmlns:a16="http://schemas.microsoft.com/office/drawing/2014/main" val="3049470925"/>
+                  </a:ext>
+                </a:extLst>
+              </a:tr>
+            </a:tbl>
+          </a:graphicData>
+        </a:graphic>
+      </p:graphicFrame>
+      <p:sp>
+        <p:nvSpPr>
+          <p:cNvPr id="7" name="テキスト ボックス 6">
+            <a:extLst>
+              <a:ext uri="{FF2B5EF4-FFF2-40B4-BE49-F238E27FC236}">
+                <a16:creationId xmlns:a16="http://schemas.microsoft.com/office/drawing/2014/main" id="{F38443BF-169D-06B4-7D36-F0747EC7A8E9}"/>
+              </a:ext>
+            </a:extLst>
+          </p:cNvPr>
+          <p:cNvSpPr txBox="1"/>
+          <p:nvPr/>
+        </p:nvSpPr>
+        <p:spPr>
+          <a:xfrm>
+            <a:off x="217337" y="5841762"/>
+            <a:ext cx="4943487" cy="1384995"/>
+          </a:xfrm>
+          <a:prstGeom prst="rect">
+            <a:avLst/>
+          </a:prstGeom>
+          <a:noFill/>
+          <a:scene3d>
+            <a:camera prst="orthographicFront"/>
+            <a:lightRig rig="threePt" dir="t"/>
+          </a:scene3d>
+          <a:sp3d contourW="12700">
+            <a:bevelT w="0"/>
+          </a:sp3d>
+        </p:spPr>
+        <p:txBody>
+          <a:bodyPr wrap="square" rtlCol="0">
+            <a:spAutoFit/>
+          </a:bodyPr>
+          <a:lstStyle/>
+          <a:p>
+            <a:r>
+              <a:rPr kumimoji="1" lang="en-US" altLang="ja-JP" sz="1400" dirty="0"/>
+              <a:t>Remark:</a:t>
+            </a:r>
+            <a:endParaRPr lang="en" altLang="ja-JP" sz="1400" dirty="0"/>
+          </a:p>
+          <a:p>
+            <a:pPr marL="285750" indent="-285750">
+              <a:buFont typeface="Arial" panose="020B0604020202020204" pitchFamily="34" charset="0"/>
+              <a:buChar char="•"/>
+            </a:pPr>
+            <a:r>
+              <a:rPr lang="en" altLang="ja-JP" sz="1400" dirty="0"/>
+              <a:t>      means convenience stores.</a:t>
+            </a:r>
+          </a:p>
+          <a:p>
+            <a:pPr marL="285750" indent="-285750">
+              <a:buFont typeface="Arial" panose="020B0604020202020204" pitchFamily="34" charset="0"/>
+              <a:buChar char="•"/>
+            </a:pPr>
+            <a:r>
+              <a:rPr lang="en" altLang="ja-JP" sz="1400" dirty="0"/>
+              <a:t>      means Lecture Room E404.</a:t>
+            </a:r>
+          </a:p>
+          <a:p>
+            <a:pPr marL="285750" indent="-285750">
+              <a:buFont typeface="Arial" panose="020B0604020202020204" pitchFamily="34" charset="0"/>
+              <a:buChar char="•"/>
+            </a:pPr>
+            <a:r>
+              <a:rPr lang="en" altLang="ja-JP" sz="1400" b="0" i="0" u="none" strike="noStrike" dirty="0">
+                <a:solidFill>
+                  <a:srgbClr val="000000"/>
+                </a:solidFill>
+                <a:effectLst/>
+                <a:latin typeface="-webkit-standard"/>
+              </a:rPr>
+              <a:t>In the top-left corner of the map, there are many restaurants near Ishibashi-</a:t>
+            </a:r>
+            <a:r>
+              <a:rPr lang="en" altLang="ja-JP" sz="1400" b="0" i="0" u="none" strike="noStrike" dirty="0" err="1">
+                <a:solidFill>
+                  <a:srgbClr val="000000"/>
+                </a:solidFill>
+                <a:effectLst/>
+                <a:latin typeface="-webkit-standard"/>
+              </a:rPr>
+              <a:t>Handai</a:t>
+            </a:r>
+            <a:r>
+              <a:rPr lang="en" altLang="ja-JP" sz="1400" b="0" i="0" u="none" strike="noStrike" dirty="0">
+                <a:solidFill>
+                  <a:srgbClr val="000000"/>
+                </a:solidFill>
+                <a:effectLst/>
+                <a:latin typeface="-webkit-standard"/>
+              </a:rPr>
+              <a:t>-</a:t>
+            </a:r>
+            <a:r>
+              <a:rPr lang="en" altLang="ja-JP" sz="1400" b="0" i="0" u="none" strike="noStrike" dirty="0" err="1">
+                <a:solidFill>
+                  <a:srgbClr val="000000"/>
+                </a:solidFill>
+                <a:effectLst/>
+                <a:latin typeface="-webkit-standard"/>
+              </a:rPr>
+              <a:t>mae</a:t>
+            </a:r>
+            <a:r>
+              <a:rPr lang="en" altLang="ja-JP" sz="1400" b="0" i="0" u="none" strike="noStrike" dirty="0">
+                <a:solidFill>
+                  <a:srgbClr val="000000"/>
+                </a:solidFill>
+                <a:effectLst/>
+                <a:latin typeface="-webkit-standard"/>
+              </a:rPr>
+              <a:t> Station</a:t>
+            </a:r>
+            <a:r>
+              <a:rPr lang="en" altLang="ja-JP" sz="1400" dirty="0">
+                <a:solidFill>
+                  <a:srgbClr val="000000"/>
+                </a:solidFill>
+                <a:latin typeface="-webkit-standard"/>
+              </a:rPr>
+              <a:t> (</a:t>
+            </a:r>
+            <a:r>
+              <a:rPr lang="ja-JP" altLang="en-US" sz="1400" b="0" i="0" u="none" strike="noStrike">
+                <a:solidFill>
+                  <a:srgbClr val="000000"/>
+                </a:solidFill>
+                <a:effectLst/>
+                <a:latin typeface="-webkit-standard"/>
+              </a:rPr>
+              <a:t>石橋阪大前駅</a:t>
+            </a:r>
+            <a:r>
+              <a:rPr lang="en" altLang="ja-JP" sz="1400" b="0" i="0" u="none" strike="noStrike" dirty="0">
+                <a:solidFill>
+                  <a:srgbClr val="000000"/>
+                </a:solidFill>
+                <a:effectLst/>
+                <a:latin typeface="-webkit-standard"/>
+              </a:rPr>
+              <a:t>) . </a:t>
+            </a:r>
+            <a:r>
+              <a:rPr lang="en" altLang="ja-JP" sz="1400" dirty="0">
+                <a:solidFill>
+                  <a:srgbClr val="000000"/>
+                </a:solidFill>
+                <a:latin typeface="-webkit-standard"/>
+              </a:rPr>
+              <a:t>B</a:t>
+            </a:r>
+            <a:r>
+              <a:rPr lang="en" altLang="ja-JP" sz="1400" b="0" i="0" u="none" strike="noStrike" dirty="0">
+                <a:solidFill>
+                  <a:srgbClr val="000000"/>
+                </a:solidFill>
+                <a:effectLst/>
+                <a:latin typeface="-webkit-standard"/>
+              </a:rPr>
+              <a:t>ut it takes about 25–30 minutes on </a:t>
+            </a:r>
+            <a:r>
+              <a:rPr lang="en" altLang="ja-JP" sz="1400" dirty="0">
+                <a:solidFill>
+                  <a:srgbClr val="000000"/>
+                </a:solidFill>
+                <a:latin typeface="-webkit-standard"/>
+              </a:rPr>
+              <a:t>foot </a:t>
+            </a:r>
+            <a:r>
+              <a:rPr lang="en" altLang="ja-JP" sz="1400" b="0" i="0" u="none" strike="noStrike" dirty="0">
+                <a:solidFill>
+                  <a:srgbClr val="000000"/>
+                </a:solidFill>
+                <a:effectLst/>
+                <a:latin typeface="-webkit-standard"/>
+              </a:rPr>
+              <a:t>to get there.</a:t>
+            </a:r>
+            <a:endParaRPr lang="en" altLang="ja-JP" sz="1400" dirty="0"/>
+          </a:p>
+        </p:txBody>
+      </p:sp>
+      <p:pic>
+        <p:nvPicPr>
+          <p:cNvPr id="10" name="図 9">
+            <a:extLst>
+              <a:ext uri="{FF2B5EF4-FFF2-40B4-BE49-F238E27FC236}">
+                <a16:creationId xmlns:a16="http://schemas.microsoft.com/office/drawing/2014/main" id="{C45DCB6D-5E20-CC41-1A59-B9AB243718E3}"/>
+              </a:ext>
+            </a:extLst>
+          </p:cNvPr>
+          <p:cNvPicPr>
+            <a:picLocks noChangeAspect="1"/>
+          </p:cNvPicPr>
+          <p:nvPr/>
+        </p:nvPicPr>
+        <p:blipFill>
+          <a:blip r:embed="rId5"/>
+          <a:stretch>
+            <a:fillRect/>
+          </a:stretch>
+        </p:blipFill>
+        <p:spPr>
+          <a:xfrm>
+            <a:off x="217337" y="734329"/>
+            <a:ext cx="4943655" cy="4848263"/>
           </a:xfrm>
           <a:prstGeom prst="rect">
             <a:avLst/>
@@ -6510,6 +6473,76 @@
           </a:prstGeom>
         </p:spPr>
       </p:pic>
+      <p:sp>
+        <p:nvSpPr>
+          <p:cNvPr id="5" name="テキスト ボックス 4">
+            <a:extLst>
+              <a:ext uri="{FF2B5EF4-FFF2-40B4-BE49-F238E27FC236}">
+                <a16:creationId xmlns:a16="http://schemas.microsoft.com/office/drawing/2014/main" id="{0AA5A646-354C-C7F4-7BA9-476A82326D2F}"/>
+              </a:ext>
+            </a:extLst>
+          </p:cNvPr>
+          <p:cNvSpPr txBox="1"/>
+          <p:nvPr/>
+        </p:nvSpPr>
+        <p:spPr>
+          <a:xfrm>
+            <a:off x="5626951" y="5639851"/>
+            <a:ext cx="4020855" cy="523220"/>
+          </a:xfrm>
+          <a:prstGeom prst="rect">
+            <a:avLst/>
+          </a:prstGeom>
+          <a:noFill/>
+        </p:spPr>
+        <p:txBody>
+          <a:bodyPr wrap="square" rtlCol="0">
+            <a:spAutoFit/>
+          </a:bodyPr>
+          <a:lstStyle/>
+          <a:p>
+            <a:r>
+              <a:rPr lang="en" altLang="ja-JP" sz="1400" b="0" i="0" u="none" strike="noStrike" dirty="0">
+                <a:solidFill>
+                  <a:srgbClr val="000000"/>
+                </a:solidFill>
+                <a:effectLst/>
+                <a:latin typeface="-webkit-standard"/>
+              </a:rPr>
+              <a:t>This</a:t>
+            </a:r>
+            <a:r>
+              <a:rPr lang="en-US" altLang="ja-JP" sz="1400" dirty="0">
+                <a:solidFill>
+                  <a:srgbClr val="000000"/>
+                </a:solidFill>
+                <a:latin typeface="-webkit-standard"/>
+              </a:rPr>
+              <a:t> google </a:t>
+            </a:r>
+            <a:r>
+              <a:rPr lang="en-US" altLang="ja-JP" sz="1400" dirty="0" err="1">
+                <a:solidFill>
+                  <a:srgbClr val="000000"/>
+                </a:solidFill>
+                <a:latin typeface="-webkit-standard"/>
+              </a:rPr>
+              <a:t>mymap</a:t>
+            </a:r>
+            <a:r>
+              <a:rPr lang="en" altLang="ja-JP" sz="1400" b="0" i="0" u="none" strike="noStrike" dirty="0">
+                <a:solidFill>
+                  <a:srgbClr val="000000"/>
+                </a:solidFill>
+                <a:effectLst/>
+                <a:latin typeface="-webkit-standard"/>
+              </a:rPr>
+              <a:t> also includes some restaurants that are not on the map.</a:t>
+            </a:r>
+            <a:endParaRPr kumimoji="1" lang="ja-JP" altLang="en-US" sz="1400"/>
+          </a:p>
+        </p:txBody>
+      </p:sp>
     </p:spTree>
     <p:extLst>
       <p:ext uri="{BB962C8B-B14F-4D97-AF65-F5344CB8AC3E}">

--- a/pdf/20251005_access/lunch_map_E404.pptx
+++ b/pdf/20251005_access/lunch_map_E404.pptx
@@ -209,7 +209,7 @@
           <a:p>
             <a:fld id="{BCDE465C-17AB-F74D-83D6-A06446C30CBD}" type="datetimeFigureOut">
               <a:rPr kumimoji="1" lang="ja-JP" altLang="en-US" smtClean="0"/>
-              <a:t>2025/10/29</a:t>
+              <a:t>2026/2/6</a:t>
             </a:fld>
             <a:endParaRPr kumimoji="1" lang="ja-JP" altLang="en-US"/>
           </a:p>
@@ -771,7 +771,7 @@
           <a:p>
             <a:fld id="{5BCAD085-E8A6-8845-BD4E-CB4CCA059FC4}" type="datetimeFigureOut">
               <a:rPr lang="en-US" smtClean="0"/>
-              <a:t>10/29/25</a:t>
+              <a:t>2/6/26</a:t>
             </a:fld>
             <a:endParaRPr lang="en-US"/>
           </a:p>
@@ -939,7 +939,7 @@
           <a:p>
             <a:fld id="{5BCAD085-E8A6-8845-BD4E-CB4CCA059FC4}" type="datetimeFigureOut">
               <a:rPr lang="en-US" smtClean="0"/>
-              <a:t>10/29/25</a:t>
+              <a:t>2/6/26</a:t>
             </a:fld>
             <a:endParaRPr lang="en-US"/>
           </a:p>
@@ -1117,7 +1117,7 @@
           <a:p>
             <a:fld id="{5BCAD085-E8A6-8845-BD4E-CB4CCA059FC4}" type="datetimeFigureOut">
               <a:rPr lang="en-US" smtClean="0"/>
-              <a:t>10/29/25</a:t>
+              <a:t>2/6/26</a:t>
             </a:fld>
             <a:endParaRPr lang="en-US"/>
           </a:p>
@@ -1285,7 +1285,7 @@
           <a:p>
             <a:fld id="{5BCAD085-E8A6-8845-BD4E-CB4CCA059FC4}" type="datetimeFigureOut">
               <a:rPr lang="en-US" smtClean="0"/>
-              <a:t>10/29/25</a:t>
+              <a:t>2/6/26</a:t>
             </a:fld>
             <a:endParaRPr lang="en-US"/>
           </a:p>
@@ -1530,7 +1530,7 @@
           <a:p>
             <a:fld id="{5BCAD085-E8A6-8845-BD4E-CB4CCA059FC4}" type="datetimeFigureOut">
               <a:rPr lang="en-US" smtClean="0"/>
-              <a:t>10/29/25</a:t>
+              <a:t>2/6/26</a:t>
             </a:fld>
             <a:endParaRPr lang="en-US"/>
           </a:p>
@@ -1815,7 +1815,7 @@
           <a:p>
             <a:fld id="{5BCAD085-E8A6-8845-BD4E-CB4CCA059FC4}" type="datetimeFigureOut">
               <a:rPr lang="en-US" smtClean="0"/>
-              <a:t>10/29/25</a:t>
+              <a:t>2/6/26</a:t>
             </a:fld>
             <a:endParaRPr lang="en-US"/>
           </a:p>
@@ -2234,7 +2234,7 @@
           <a:p>
             <a:fld id="{5BCAD085-E8A6-8845-BD4E-CB4CCA059FC4}" type="datetimeFigureOut">
               <a:rPr lang="en-US" smtClean="0"/>
-              <a:t>10/29/25</a:t>
+              <a:t>2/6/26</a:t>
             </a:fld>
             <a:endParaRPr lang="en-US"/>
           </a:p>
@@ -2351,7 +2351,7 @@
           <a:p>
             <a:fld id="{5BCAD085-E8A6-8845-BD4E-CB4CCA059FC4}" type="datetimeFigureOut">
               <a:rPr lang="en-US" smtClean="0"/>
-              <a:t>10/29/25</a:t>
+              <a:t>2/6/26</a:t>
             </a:fld>
             <a:endParaRPr lang="en-US"/>
           </a:p>
@@ -2446,7 +2446,7 @@
           <a:p>
             <a:fld id="{5BCAD085-E8A6-8845-BD4E-CB4CCA059FC4}" type="datetimeFigureOut">
               <a:rPr lang="en-US" smtClean="0"/>
-              <a:t>10/29/25</a:t>
+              <a:t>2/6/26</a:t>
             </a:fld>
             <a:endParaRPr lang="en-US"/>
           </a:p>
@@ -2721,7 +2721,7 @@
           <a:p>
             <a:fld id="{5BCAD085-E8A6-8845-BD4E-CB4CCA059FC4}" type="datetimeFigureOut">
               <a:rPr lang="en-US" smtClean="0"/>
-              <a:t>10/29/25</a:t>
+              <a:t>2/6/26</a:t>
             </a:fld>
             <a:endParaRPr lang="en-US"/>
           </a:p>
@@ -2973,7 +2973,7 @@
           <a:p>
             <a:fld id="{5BCAD085-E8A6-8845-BD4E-CB4CCA059FC4}" type="datetimeFigureOut">
               <a:rPr lang="en-US" smtClean="0"/>
-              <a:t>10/29/25</a:t>
+              <a:t>2/6/26</a:t>
             </a:fld>
             <a:endParaRPr lang="en-US"/>
           </a:p>
@@ -3184,7 +3184,7 @@
           <a:p>
             <a:fld id="{5BCAD085-E8A6-8845-BD4E-CB4CCA059FC4}" type="datetimeFigureOut">
               <a:rPr lang="en-US" smtClean="0"/>
-              <a:t>10/29/25</a:t>
+              <a:t>2/6/26</a:t>
             </a:fld>
             <a:endParaRPr lang="en-US"/>
           </a:p>
@@ -3573,7 +3573,7 @@
         </p:nvSpPr>
         <p:spPr>
           <a:xfrm>
-            <a:off x="1765259" y="211110"/>
+            <a:off x="1786429" y="106314"/>
             <a:ext cx="1805302" cy="523220"/>
           </a:xfrm>
           <a:prstGeom prst="rect">
@@ -3655,12 +3655,199 @@
           </a:prstGeom>
         </p:spPr>
       </p:pic>
+      <p:sp>
+        <p:nvSpPr>
+          <p:cNvPr id="7" name="テキスト ボックス 6">
+            <a:extLst>
+              <a:ext uri="{FF2B5EF4-FFF2-40B4-BE49-F238E27FC236}">
+                <a16:creationId xmlns:a16="http://schemas.microsoft.com/office/drawing/2014/main" id="{F38443BF-169D-06B4-7D36-F0747EC7A8E9}"/>
+              </a:ext>
+            </a:extLst>
+          </p:cNvPr>
+          <p:cNvSpPr txBox="1"/>
+          <p:nvPr/>
+        </p:nvSpPr>
+        <p:spPr>
+          <a:xfrm>
+            <a:off x="217337" y="5841762"/>
+            <a:ext cx="4943487" cy="1384995"/>
+          </a:xfrm>
+          <a:prstGeom prst="rect">
+            <a:avLst/>
+          </a:prstGeom>
+          <a:noFill/>
+          <a:scene3d>
+            <a:camera prst="orthographicFront"/>
+            <a:lightRig rig="threePt" dir="t"/>
+          </a:scene3d>
+          <a:sp3d contourW="12700">
+            <a:bevelT w="0"/>
+          </a:sp3d>
+        </p:spPr>
+        <p:txBody>
+          <a:bodyPr wrap="square" rtlCol="0">
+            <a:spAutoFit/>
+          </a:bodyPr>
+          <a:lstStyle/>
+          <a:p>
+            <a:r>
+              <a:rPr kumimoji="1" lang="en-US" altLang="ja-JP" sz="1400" dirty="0"/>
+              <a:t>Remark:</a:t>
+            </a:r>
+            <a:endParaRPr lang="en" altLang="ja-JP" sz="1400" dirty="0"/>
+          </a:p>
+          <a:p>
+            <a:pPr marL="285750" indent="-285750">
+              <a:buFont typeface="Arial" panose="020B0604020202020204" pitchFamily="34" charset="0"/>
+              <a:buChar char="•"/>
+            </a:pPr>
+            <a:r>
+              <a:rPr lang="en" altLang="ja-JP" sz="1400" dirty="0"/>
+              <a:t>      means convenience stores.</a:t>
+            </a:r>
+          </a:p>
+          <a:p>
+            <a:pPr marL="285750" indent="-285750">
+              <a:buFont typeface="Arial" panose="020B0604020202020204" pitchFamily="34" charset="0"/>
+              <a:buChar char="•"/>
+            </a:pPr>
+            <a:r>
+              <a:rPr lang="en" altLang="ja-JP" sz="1400" dirty="0"/>
+              <a:t>      means Lecture Room E404.</a:t>
+            </a:r>
+          </a:p>
+          <a:p>
+            <a:pPr marL="285750" indent="-285750">
+              <a:buFont typeface="Arial" panose="020B0604020202020204" pitchFamily="34" charset="0"/>
+              <a:buChar char="•"/>
+            </a:pPr>
+            <a:r>
+              <a:rPr lang="en" altLang="ja-JP" sz="1400" b="0" i="0" u="none" strike="noStrike" dirty="0">
+                <a:solidFill>
+                  <a:srgbClr val="000000"/>
+                </a:solidFill>
+                <a:effectLst/>
+                <a:latin typeface="-webkit-standard"/>
+              </a:rPr>
+              <a:t>In the top-left corner of the map, there are many restaurants near Ishibashi-</a:t>
+            </a:r>
+            <a:r>
+              <a:rPr lang="en" altLang="ja-JP" sz="1400" b="0" i="0" u="none" strike="noStrike" dirty="0" err="1">
+                <a:solidFill>
+                  <a:srgbClr val="000000"/>
+                </a:solidFill>
+                <a:effectLst/>
+                <a:latin typeface="-webkit-standard"/>
+              </a:rPr>
+              <a:t>Handai</a:t>
+            </a:r>
+            <a:r>
+              <a:rPr lang="en" altLang="ja-JP" sz="1400" b="0" i="0" u="none" strike="noStrike" dirty="0">
+                <a:solidFill>
+                  <a:srgbClr val="000000"/>
+                </a:solidFill>
+                <a:effectLst/>
+                <a:latin typeface="-webkit-standard"/>
+              </a:rPr>
+              <a:t>-</a:t>
+            </a:r>
+            <a:r>
+              <a:rPr lang="en" altLang="ja-JP" sz="1400" b="0" i="0" u="none" strike="noStrike" dirty="0" err="1">
+                <a:solidFill>
+                  <a:srgbClr val="000000"/>
+                </a:solidFill>
+                <a:effectLst/>
+                <a:latin typeface="-webkit-standard"/>
+              </a:rPr>
+              <a:t>mae</a:t>
+            </a:r>
+            <a:r>
+              <a:rPr lang="en" altLang="ja-JP" sz="1400" b="0" i="0" u="none" strike="noStrike" dirty="0">
+                <a:solidFill>
+                  <a:srgbClr val="000000"/>
+                </a:solidFill>
+                <a:effectLst/>
+                <a:latin typeface="-webkit-standard"/>
+              </a:rPr>
+              <a:t> Station</a:t>
+            </a:r>
+            <a:r>
+              <a:rPr lang="en" altLang="ja-JP" sz="1400" dirty="0">
+                <a:solidFill>
+                  <a:srgbClr val="000000"/>
+                </a:solidFill>
+                <a:latin typeface="-webkit-standard"/>
+              </a:rPr>
+              <a:t> (</a:t>
+            </a:r>
+            <a:r>
+              <a:rPr lang="ja-JP" altLang="en-US" sz="1400" b="0" i="0" u="none" strike="noStrike">
+                <a:solidFill>
+                  <a:srgbClr val="000000"/>
+                </a:solidFill>
+                <a:effectLst/>
+                <a:latin typeface="-webkit-standard"/>
+              </a:rPr>
+              <a:t>石橋阪大前駅</a:t>
+            </a:r>
+            <a:r>
+              <a:rPr lang="en" altLang="ja-JP" sz="1400" b="0" i="0" u="none" strike="noStrike" dirty="0">
+                <a:solidFill>
+                  <a:srgbClr val="000000"/>
+                </a:solidFill>
+                <a:effectLst/>
+                <a:latin typeface="-webkit-standard"/>
+              </a:rPr>
+              <a:t>) . </a:t>
+            </a:r>
+            <a:r>
+              <a:rPr lang="en" altLang="ja-JP" sz="1400" dirty="0">
+                <a:solidFill>
+                  <a:srgbClr val="000000"/>
+                </a:solidFill>
+                <a:latin typeface="-webkit-standard"/>
+              </a:rPr>
+              <a:t>B</a:t>
+            </a:r>
+            <a:r>
+              <a:rPr lang="en" altLang="ja-JP" sz="1400" b="0" i="0" u="none" strike="noStrike" dirty="0">
+                <a:solidFill>
+                  <a:srgbClr val="000000"/>
+                </a:solidFill>
+                <a:effectLst/>
+                <a:latin typeface="-webkit-standard"/>
+              </a:rPr>
+              <a:t>ut it takes about 25–30 minutes on </a:t>
+            </a:r>
+            <a:r>
+              <a:rPr lang="en" altLang="ja-JP" sz="1400" dirty="0">
+                <a:solidFill>
+                  <a:srgbClr val="000000"/>
+                </a:solidFill>
+                <a:latin typeface="-webkit-standard"/>
+              </a:rPr>
+              <a:t>foot </a:t>
+            </a:r>
+            <a:r>
+              <a:rPr lang="en" altLang="ja-JP" sz="1400" b="0" i="0" u="none" strike="noStrike" dirty="0">
+                <a:solidFill>
+                  <a:srgbClr val="000000"/>
+                </a:solidFill>
+                <a:effectLst/>
+                <a:latin typeface="-webkit-standard"/>
+              </a:rPr>
+              <a:t>to get there.</a:t>
+            </a:r>
+            <a:endParaRPr lang="en" altLang="ja-JP" sz="1400" dirty="0"/>
+          </a:p>
+        </p:txBody>
+      </p:sp>
       <p:graphicFrame>
         <p:nvGraphicFramePr>
-          <p:cNvPr id="4" name="表 3">
+          <p:cNvPr id="2" name="表 1">
             <a:extLst>
               <a:ext uri="{FF2B5EF4-FFF2-40B4-BE49-F238E27FC236}">
-                <a16:creationId xmlns:a16="http://schemas.microsoft.com/office/drawing/2014/main" id="{B9B6F69D-5B0B-6C0F-E24B-93F9E4397C33}"/>
+                <a16:creationId xmlns:a16="http://schemas.microsoft.com/office/drawing/2014/main" id="{FBF85CB2-CAD9-903B-DFBD-92CFF8A0A7F8}"/>
               </a:ext>
             </a:extLst>
           </p:cNvPr>
@@ -3670,14 +3857,14 @@
           <p:nvPr>
             <p:extLst>
               <p:ext uri="{D42A27DB-BD31-4B8C-83A1-F6EECF244321}">
-                <p14:modId xmlns:p14="http://schemas.microsoft.com/office/powerpoint/2010/main" val="1811519631"/>
+                <p14:modId xmlns:p14="http://schemas.microsoft.com/office/powerpoint/2010/main" val="3614235877"/>
               </p:ext>
             </p:extLst>
           </p:nvPr>
         </p:nvGraphicFramePr>
         <p:xfrm>
-          <a:off x="5301600" y="211110"/>
-          <a:ext cx="5172876" cy="7015647"/>
+          <a:off x="5427330" y="106314"/>
+          <a:ext cx="5172876" cy="7347045"/>
         </p:xfrm>
         <a:graphic>
           <a:graphicData uri="http://schemas.openxmlformats.org/drawingml/2006/table">
@@ -3689,40 +3876,40 @@
                 <a:gridCol w="362337">
                   <a:extLst>
                     <a:ext uri="{9D8B030D-6E8A-4147-A177-3AD203B41FA5}">
-                      <a16:colId xmlns:a16="http://schemas.microsoft.com/office/drawing/2014/main" val="1668481678"/>
+                      <a16:colId xmlns:a16="http://schemas.microsoft.com/office/drawing/2014/main" val="3683588153"/>
                     </a:ext>
                   </a:extLst>
                 </a:gridCol>
                 <a:gridCol w="1749287">
                   <a:extLst>
                     <a:ext uri="{9D8B030D-6E8A-4147-A177-3AD203B41FA5}">
-                      <a16:colId xmlns:a16="http://schemas.microsoft.com/office/drawing/2014/main" val="701489623"/>
+                      <a16:colId xmlns:a16="http://schemas.microsoft.com/office/drawing/2014/main" val="1205556195"/>
                     </a:ext>
                   </a:extLst>
                 </a:gridCol>
                 <a:gridCol w="1223008">
                   <a:extLst>
                     <a:ext uri="{9D8B030D-6E8A-4147-A177-3AD203B41FA5}">
-                      <a16:colId xmlns:a16="http://schemas.microsoft.com/office/drawing/2014/main" val="2166577437"/>
+                      <a16:colId xmlns:a16="http://schemas.microsoft.com/office/drawing/2014/main" val="1132338398"/>
                     </a:ext>
                   </a:extLst>
                 </a:gridCol>
                 <a:gridCol w="977030">
                   <a:extLst>
                     <a:ext uri="{9D8B030D-6E8A-4147-A177-3AD203B41FA5}">
-                      <a16:colId xmlns:a16="http://schemas.microsoft.com/office/drawing/2014/main" val="2021080276"/>
+                      <a16:colId xmlns:a16="http://schemas.microsoft.com/office/drawing/2014/main" val="2063752414"/>
                     </a:ext>
                   </a:extLst>
                 </a:gridCol>
                 <a:gridCol w="861214">
                   <a:extLst>
                     <a:ext uri="{9D8B030D-6E8A-4147-A177-3AD203B41FA5}">
-                      <a16:colId xmlns:a16="http://schemas.microsoft.com/office/drawing/2014/main" val="1497016226"/>
+                      <a16:colId xmlns:a16="http://schemas.microsoft.com/office/drawing/2014/main" val="2508722365"/>
                     </a:ext>
                   </a:extLst>
                 </a:gridCol>
               </a:tblGrid>
-              <a:tr h="298052">
+              <a:tr h="343108">
                 <a:tc>
                   <a:txBody>
                     <a:bodyPr/>
@@ -3802,11 +3989,11 @@
                 </a:tc>
                 <a:extLst>
                   <a:ext uri="{0D108BD9-81ED-4DB2-BD59-A6C34878D82A}">
-                    <a16:rowId xmlns:a16="http://schemas.microsoft.com/office/drawing/2014/main" val="3947127098"/>
+                    <a16:rowId xmlns:a16="http://schemas.microsoft.com/office/drawing/2014/main" val="3416132926"/>
                   </a:ext>
                 </a:extLst>
               </a:tr>
-              <a:tr h="402373">
+              <a:tr h="463198">
                 <a:tc>
                   <a:txBody>
                     <a:bodyPr/>
@@ -3942,11 +4129,11 @@
                 </a:tc>
                 <a:extLst>
                   <a:ext uri="{0D108BD9-81ED-4DB2-BD59-A6C34878D82A}">
-                    <a16:rowId xmlns:a16="http://schemas.microsoft.com/office/drawing/2014/main" val="3658262211"/>
+                    <a16:rowId xmlns:a16="http://schemas.microsoft.com/office/drawing/2014/main" val="3152377045"/>
                   </a:ext>
                 </a:extLst>
               </a:tr>
-              <a:tr h="402373">
+              <a:tr h="356087">
                 <a:tc>
                   <a:txBody>
                     <a:bodyPr/>
@@ -4054,11 +4241,11 @@
                 </a:tc>
                 <a:extLst>
                   <a:ext uri="{0D108BD9-81ED-4DB2-BD59-A6C34878D82A}">
-                    <a16:rowId xmlns:a16="http://schemas.microsoft.com/office/drawing/2014/main" val="2869481128"/>
+                    <a16:rowId xmlns:a16="http://schemas.microsoft.com/office/drawing/2014/main" val="3571008018"/>
                   </a:ext>
                 </a:extLst>
               </a:tr>
-              <a:tr h="402373">
+              <a:tr h="463198">
                 <a:tc>
                   <a:txBody>
                     <a:bodyPr/>
@@ -4185,11 +4372,11 @@
                 </a:tc>
                 <a:extLst>
                   <a:ext uri="{0D108BD9-81ED-4DB2-BD59-A6C34878D82A}">
-                    <a16:rowId xmlns:a16="http://schemas.microsoft.com/office/drawing/2014/main" val="2924007120"/>
+                    <a16:rowId xmlns:a16="http://schemas.microsoft.com/office/drawing/2014/main" val="153563262"/>
                   </a:ext>
                 </a:extLst>
               </a:tr>
-              <a:tr h="402373">
+              <a:tr h="463198">
                 <a:tc>
                   <a:txBody>
                     <a:bodyPr/>
@@ -4340,11 +4527,11 @@
                 </a:tc>
                 <a:extLst>
                   <a:ext uri="{0D108BD9-81ED-4DB2-BD59-A6C34878D82A}">
-                    <a16:rowId xmlns:a16="http://schemas.microsoft.com/office/drawing/2014/main" val="2144274560"/>
+                    <a16:rowId xmlns:a16="http://schemas.microsoft.com/office/drawing/2014/main" val="2701498992"/>
                   </a:ext>
                 </a:extLst>
               </a:tr>
-              <a:tr h="245892">
+              <a:tr h="283063">
                 <a:tc>
                   <a:txBody>
                     <a:bodyPr/>
@@ -4480,11 +4667,11 @@
                 </a:tc>
                 <a:extLst>
                   <a:ext uri="{0D108BD9-81ED-4DB2-BD59-A6C34878D82A}">
-                    <a16:rowId xmlns:a16="http://schemas.microsoft.com/office/drawing/2014/main" val="3730246578"/>
+                    <a16:rowId xmlns:a16="http://schemas.microsoft.com/office/drawing/2014/main" val="3900683319"/>
                   </a:ext>
                 </a:extLst>
               </a:tr>
-              <a:tr h="245892">
+              <a:tr h="283063">
                 <a:tc>
                   <a:txBody>
                     <a:bodyPr/>
@@ -4620,11 +4807,11 @@
                 </a:tc>
                 <a:extLst>
                   <a:ext uri="{0D108BD9-81ED-4DB2-BD59-A6C34878D82A}">
-                    <a16:rowId xmlns:a16="http://schemas.microsoft.com/office/drawing/2014/main" val="3790105729"/>
+                    <a16:rowId xmlns:a16="http://schemas.microsoft.com/office/drawing/2014/main" val="829863292"/>
                   </a:ext>
                 </a:extLst>
               </a:tr>
-              <a:tr h="402373">
+              <a:tr h="463198">
                 <a:tc>
                   <a:txBody>
                     <a:bodyPr/>
@@ -4724,11 +4911,11 @@
                 </a:tc>
                 <a:extLst>
                   <a:ext uri="{0D108BD9-81ED-4DB2-BD59-A6C34878D82A}">
-                    <a16:rowId xmlns:a16="http://schemas.microsoft.com/office/drawing/2014/main" val="1079421623"/>
+                    <a16:rowId xmlns:a16="http://schemas.microsoft.com/office/drawing/2014/main" val="1582342919"/>
                   </a:ext>
                 </a:extLst>
               </a:tr>
-              <a:tr h="420490">
+              <a:tr h="463198">
                 <a:tc>
                   <a:txBody>
                     <a:bodyPr/>
@@ -4871,11 +5058,11 @@
                 </a:tc>
                 <a:extLst>
                   <a:ext uri="{0D108BD9-81ED-4DB2-BD59-A6C34878D82A}">
-                    <a16:rowId xmlns:a16="http://schemas.microsoft.com/office/drawing/2014/main" val="584013561"/>
+                    <a16:rowId xmlns:a16="http://schemas.microsoft.com/office/drawing/2014/main" val="4239367201"/>
                   </a:ext>
                 </a:extLst>
               </a:tr>
-              <a:tr h="420490">
+              <a:tr h="463198">
                 <a:tc>
                   <a:txBody>
                     <a:bodyPr/>
@@ -5058,11 +5245,11 @@
                 </a:tc>
                 <a:extLst>
                   <a:ext uri="{0D108BD9-81ED-4DB2-BD59-A6C34878D82A}">
-                    <a16:rowId xmlns:a16="http://schemas.microsoft.com/office/drawing/2014/main" val="383862899"/>
+                    <a16:rowId xmlns:a16="http://schemas.microsoft.com/office/drawing/2014/main" val="2008923467"/>
                   </a:ext>
                 </a:extLst>
               </a:tr>
-              <a:tr h="402373">
+              <a:tr h="463198">
                 <a:tc>
                   <a:txBody>
                     <a:bodyPr/>
@@ -5085,124 +5272,148 @@
                     <a:bodyPr/>
                     <a:lstStyle/>
                     <a:p>
+                      <a:pPr marL="0" marR="0" indent="0" algn="ctr" defTabSz="457200" rtl="0" eaLnBrk="1" fontAlgn="auto" latinLnBrk="0" hangingPunct="1">
+                        <a:lnSpc>
+                          <a:spcPct val="100000"/>
+                        </a:lnSpc>
+                        <a:spcBef>
+                          <a:spcPts val="0"/>
+                        </a:spcBef>
+                        <a:spcAft>
+                          <a:spcPts val="0"/>
+                        </a:spcAft>
+                        <a:buClrTx/>
+                        <a:buSzTx/>
+                        <a:buFontTx/>
+                        <a:buNone/>
+                        <a:tabLst/>
+                        <a:defRPr/>
+                      </a:pPr>
+                      <a:r>
+                        <a:rPr lang="en" altLang="ja-JP" sz="1200" b="0" i="0" u="none" strike="noStrike" kern="1200" dirty="0" err="1">
+                          <a:solidFill>
+                            <a:schemeClr val="dk1"/>
+                          </a:solidFill>
+                          <a:effectLst/>
+                          <a:latin typeface="+mn-lt"/>
+                          <a:ea typeface="+mn-ea"/>
+                          <a:cs typeface="+mn-cs"/>
+                        </a:rPr>
+                        <a:t>Ganko</a:t>
+                      </a:r>
+                      <a:r>
+                        <a:rPr lang="en" altLang="ja-JP" sz="1200" b="0" i="0" u="none" strike="noStrike" kern="1200" dirty="0">
+                          <a:solidFill>
+                            <a:schemeClr val="dk1"/>
+                          </a:solidFill>
+                          <a:effectLst/>
+                          <a:latin typeface="+mn-lt"/>
+                          <a:ea typeface="+mn-ea"/>
+                          <a:cs typeface="+mn-cs"/>
+                        </a:rPr>
+                        <a:t> / </a:t>
+                      </a:r>
+                      <a:r>
+                        <a:rPr lang="ja-JP" altLang="en-US" sz="1200" b="0" i="0" u="none" strike="noStrike" kern="1200">
+                          <a:solidFill>
+                            <a:schemeClr val="dk1"/>
+                          </a:solidFill>
+                          <a:effectLst/>
+                          <a:latin typeface="+mn-lt"/>
+                          <a:ea typeface="+mn-ea"/>
+                          <a:cs typeface="+mn-cs"/>
+                        </a:rPr>
+                        <a:t>がんこ </a:t>
+                      </a:r>
+                      <a:endParaRPr kumimoji="1" lang="ja-JP" altLang="en-US" sz="1200"/>
+                    </a:p>
+                  </a:txBody>
+                  <a:tcPr marL="104496" marR="104496" marT="52248" marB="52248" anchor="ctr"/>
+                </a:tc>
+                <a:tc>
+                  <a:txBody>
+                    <a:bodyPr/>
+                    <a:lstStyle/>
+                    <a:p>
+                      <a:pPr marL="0" marR="0" indent="0" algn="ctr" defTabSz="457200" rtl="0" eaLnBrk="1" fontAlgn="auto" latinLnBrk="0" hangingPunct="1">
+                        <a:lnSpc>
+                          <a:spcPct val="100000"/>
+                        </a:lnSpc>
+                        <a:spcBef>
+                          <a:spcPts val="0"/>
+                        </a:spcBef>
+                        <a:spcAft>
+                          <a:spcPts val="0"/>
+                        </a:spcAft>
+                        <a:buClrTx/>
+                        <a:buSzTx/>
+                        <a:buFontTx/>
+                        <a:buNone/>
+                        <a:tabLst/>
+                        <a:defRPr/>
+                      </a:pPr>
+                      <a:r>
+                        <a:rPr lang="en" altLang="ja-JP" sz="1200" b="0" i="0" u="none" strike="noStrike" kern="1200" dirty="0">
+                          <a:solidFill>
+                            <a:schemeClr val="dk1"/>
+                          </a:solidFill>
+                          <a:effectLst/>
+                          <a:latin typeface="+mn-lt"/>
+                          <a:ea typeface="+mn-ea"/>
+                          <a:cs typeface="+mn-cs"/>
+                        </a:rPr>
+                        <a:t>Japanese cuisine</a:t>
+                      </a:r>
+                      <a:endParaRPr kumimoji="1" lang="ja-JP" altLang="en-US" sz="1200"/>
+                    </a:p>
+                  </a:txBody>
+                  <a:tcPr marL="104496" marR="104496" marT="52248" marB="52248" anchor="ctr"/>
+                </a:tc>
+                <a:tc>
+                  <a:txBody>
+                    <a:bodyPr/>
+                    <a:lstStyle/>
+                    <a:p>
+                      <a:pPr marL="0" marR="0" lvl="0" indent="0" algn="ctr" defTabSz="457200" rtl="0" eaLnBrk="1" fontAlgn="auto" latinLnBrk="0" hangingPunct="1">
+                        <a:lnSpc>
+                          <a:spcPct val="100000"/>
+                        </a:lnSpc>
+                        <a:spcBef>
+                          <a:spcPts val="0"/>
+                        </a:spcBef>
+                        <a:spcAft>
+                          <a:spcPts val="0"/>
+                        </a:spcAft>
+                        <a:buClrTx/>
+                        <a:buSzTx/>
+                        <a:buFontTx/>
+                        <a:buNone/>
+                        <a:tabLst/>
+                        <a:defRPr/>
+                      </a:pPr>
+                      <a:r>
+                        <a:rPr lang="en" altLang="ja-JP" sz="1200" b="0" i="0" u="none" strike="noStrike" kern="1200" dirty="0">
+                          <a:solidFill>
+                            <a:schemeClr val="dk1"/>
+                          </a:solidFill>
+                          <a:effectLst/>
+                          <a:latin typeface="+mn-lt"/>
+                          <a:ea typeface="+mn-ea"/>
+                          <a:cs typeface="+mn-cs"/>
+                        </a:rPr>
+                        <a:t>15-20 min </a:t>
+                      </a:r>
+                      <a:endParaRPr kumimoji="1" lang="ja-JP" altLang="en-US" sz="1200"/>
+                    </a:p>
+                  </a:txBody>
+                  <a:tcPr marL="104496" marR="104496" marT="52248" marB="52248" anchor="ctr"/>
+                </a:tc>
+                <a:tc>
+                  <a:txBody>
+                    <a:bodyPr/>
+                    <a:lstStyle/>
+                    <a:p>
                       <a:pPr algn="ctr"/>
-                      <a:r>
-                        <a:rPr lang="en" altLang="ja-JP" sz="1200" b="0" i="0" u="none" strike="noStrike" kern="1200" dirty="0">
-                          <a:solidFill>
-                            <a:schemeClr val="dk1"/>
-                          </a:solidFill>
-                          <a:effectLst/>
-                          <a:latin typeface="+mn-lt"/>
-                          <a:ea typeface="+mn-ea"/>
-                          <a:cs typeface="+mn-cs"/>
-                        </a:rPr>
-                        <a:t>Men-</a:t>
-                      </a:r>
-                      <a:r>
-                        <a:rPr lang="en" altLang="ja-JP" sz="1200" b="0" i="0" u="none" strike="noStrike" kern="1200" dirty="0" err="1">
-                          <a:solidFill>
-                            <a:schemeClr val="dk1"/>
-                          </a:solidFill>
-                          <a:effectLst/>
-                          <a:latin typeface="+mn-lt"/>
-                          <a:ea typeface="+mn-ea"/>
-                          <a:cs typeface="+mn-cs"/>
-                        </a:rPr>
-                        <a:t>ya</a:t>
-                      </a:r>
-                      <a:r>
-                        <a:rPr lang="en" altLang="ja-JP" sz="1200" b="0" i="0" u="none" strike="noStrike" kern="1200" dirty="0">
-                          <a:solidFill>
-                            <a:schemeClr val="dk1"/>
-                          </a:solidFill>
-                          <a:effectLst/>
-                          <a:latin typeface="+mn-lt"/>
-                          <a:ea typeface="+mn-ea"/>
-                          <a:cs typeface="+mn-cs"/>
-                        </a:rPr>
-                        <a:t> Hoi / </a:t>
-                      </a:r>
-                      <a:r>
-                        <a:rPr lang="ja-JP" altLang="en-US" sz="1200" b="0" i="0" u="none" strike="noStrike" kern="1200">
-                          <a:solidFill>
-                            <a:schemeClr val="dk1"/>
-                          </a:solidFill>
-                          <a:effectLst/>
-                          <a:latin typeface="+mn-lt"/>
-                          <a:ea typeface="+mn-ea"/>
-                          <a:cs typeface="+mn-cs"/>
-                        </a:rPr>
-                        <a:t>麺屋ほぃ</a:t>
-                      </a:r>
-                      <a:endParaRPr kumimoji="1" lang="ja-JP" altLang="en-US" sz="1200"/>
-                    </a:p>
-                  </a:txBody>
-                  <a:tcPr marL="104496" marR="104496" marT="52248" marB="52248" anchor="ctr"/>
-                </a:tc>
-                <a:tc>
-                  <a:txBody>
-                    <a:bodyPr/>
-                    <a:lstStyle/>
-                    <a:p>
-                      <a:pPr algn="ctr"/>
-                      <a:r>
-                        <a:rPr lang="en" altLang="ja-JP" sz="1200" b="0" i="0" u="none" strike="noStrike" kern="1200" dirty="0">
-                          <a:solidFill>
-                            <a:schemeClr val="dk1"/>
-                          </a:solidFill>
-                          <a:effectLst/>
-                          <a:latin typeface="+mn-lt"/>
-                          <a:ea typeface="+mn-ea"/>
-                          <a:cs typeface="+mn-cs"/>
-                        </a:rPr>
-                        <a:t>Ramen</a:t>
-                      </a:r>
-                      <a:endParaRPr kumimoji="1" lang="ja-JP" altLang="en-US" sz="1200"/>
-                    </a:p>
-                  </a:txBody>
-                  <a:tcPr marL="104496" marR="104496" marT="52248" marB="52248" anchor="ctr"/>
-                </a:tc>
-                <a:tc>
-                  <a:txBody>
-                    <a:bodyPr/>
-                    <a:lstStyle/>
-                    <a:p>
-                      <a:pPr algn="ctr"/>
-                      <a:r>
-                        <a:rPr lang="en" altLang="ja-JP" sz="1200" b="0" i="0" u="none" strike="noStrike" kern="1200" dirty="0">
-                          <a:solidFill>
-                            <a:schemeClr val="dk1"/>
-                          </a:solidFill>
-                          <a:effectLst/>
-                          <a:latin typeface="+mn-lt"/>
-                          <a:ea typeface="+mn-ea"/>
-                          <a:cs typeface="+mn-cs"/>
-                        </a:rPr>
-                        <a:t>15-20 min </a:t>
-                      </a:r>
-                      <a:endParaRPr kumimoji="1" lang="ja-JP" altLang="en-US" sz="1200"/>
-                    </a:p>
-                  </a:txBody>
-                  <a:tcPr marL="104496" marR="104496" marT="52248" marB="52248" anchor="ctr"/>
-                </a:tc>
-                <a:tc>
-                  <a:txBody>
-                    <a:bodyPr/>
-                    <a:lstStyle/>
-                    <a:p>
-                      <a:pPr algn="ctr"/>
-                      <a:r>
-                        <a:rPr lang="en" altLang="ja-JP" sz="1200" b="0" i="0" u="none" strike="noStrike" kern="1200" dirty="0">
-                          <a:solidFill>
-                            <a:schemeClr val="dk1"/>
-                          </a:solidFill>
-                          <a:effectLst/>
-                          <a:latin typeface="+mn-lt"/>
-                          <a:ea typeface="+mn-ea"/>
-                          <a:cs typeface="+mn-cs"/>
-                        </a:rPr>
-                        <a:t>Wed</a:t>
-                      </a:r>
                       <a:endParaRPr kumimoji="1" lang="ja-JP" altLang="en-US" sz="1200"/>
                     </a:p>
                   </a:txBody>
@@ -5210,11 +5421,11 @@
                 </a:tc>
                 <a:extLst>
                   <a:ext uri="{0D108BD9-81ED-4DB2-BD59-A6C34878D82A}">
-                    <a16:rowId xmlns:a16="http://schemas.microsoft.com/office/drawing/2014/main" val="3753433827"/>
+                    <a16:rowId xmlns:a16="http://schemas.microsoft.com/office/drawing/2014/main" val="2569901014"/>
                   </a:ext>
                 </a:extLst>
               </a:tr>
-              <a:tr h="402373">
+              <a:tr h="356087">
                 <a:tc>
                   <a:txBody>
                     <a:bodyPr/>
@@ -5248,9 +5459,53 @@
                           <a:ea typeface="+mn-ea"/>
                           <a:cs typeface="+mn-cs"/>
                         </a:rPr>
-                        <a:t>Kathmandu </a:t>
-                      </a:r>
-                    </a:p>
+                        <a:t>Men-</a:t>
+                      </a:r>
+                      <a:r>
+                        <a:rPr lang="en" altLang="ja-JP" sz="1200" b="0" i="0" u="none" strike="noStrike" kern="1200" dirty="0" err="1">
+                          <a:solidFill>
+                            <a:schemeClr val="dk1"/>
+                          </a:solidFill>
+                          <a:effectLst/>
+                          <a:latin typeface="+mn-lt"/>
+                          <a:ea typeface="+mn-ea"/>
+                          <a:cs typeface="+mn-cs"/>
+                        </a:rPr>
+                        <a:t>ya</a:t>
+                      </a:r>
+                      <a:r>
+                        <a:rPr lang="en" altLang="ja-JP" sz="1200" b="0" i="0" u="none" strike="noStrike" kern="1200" dirty="0">
+                          <a:solidFill>
+                            <a:schemeClr val="dk1"/>
+                          </a:solidFill>
+                          <a:effectLst/>
+                          <a:latin typeface="+mn-lt"/>
+                          <a:ea typeface="+mn-ea"/>
+                          <a:cs typeface="+mn-cs"/>
+                        </a:rPr>
+                        <a:t> Hoi / </a:t>
+                      </a:r>
+                      <a:r>
+                        <a:rPr lang="ja-JP" altLang="en-US" sz="1200" b="0" i="0" u="none" strike="noStrike" kern="1200">
+                          <a:solidFill>
+                            <a:schemeClr val="dk1"/>
+                          </a:solidFill>
+                          <a:effectLst/>
+                          <a:latin typeface="+mn-lt"/>
+                          <a:ea typeface="+mn-ea"/>
+                          <a:cs typeface="+mn-cs"/>
+                        </a:rPr>
+                        <a:t>麺屋ほぃ</a:t>
+                      </a:r>
+                      <a:endParaRPr kumimoji="1" lang="ja-JP" altLang="en-US" sz="1200"/>
+                    </a:p>
+                  </a:txBody>
+                  <a:tcPr marL="104496" marR="104496" marT="52248" marB="52248" anchor="ctr"/>
+                </a:tc>
+                <a:tc>
+                  <a:txBody>
+                    <a:bodyPr/>
+                    <a:lstStyle/>
                     <a:p>
                       <a:pPr algn="ctr"/>
                       <a:r>
@@ -5263,19 +5518,7 @@
                           <a:ea typeface="+mn-ea"/>
                           <a:cs typeface="+mn-cs"/>
                         </a:rPr>
-                        <a:t>/ </a:t>
-                      </a:r>
-                      <a:r>
-                        <a:rPr lang="ja-JP" altLang="en-US" sz="1200" b="0" i="0" u="none" strike="noStrike" kern="1200">
-                          <a:solidFill>
-                            <a:schemeClr val="dk1"/>
-                          </a:solidFill>
-                          <a:effectLst/>
-                          <a:latin typeface="+mn-lt"/>
-                          <a:ea typeface="+mn-ea"/>
-                          <a:cs typeface="+mn-cs"/>
-                        </a:rPr>
-                        <a:t>カトマンドゥ</a:t>
+                        <a:t>Ramen</a:t>
                       </a:r>
                       <a:endParaRPr kumimoji="1" lang="ja-JP" altLang="en-US" sz="1200"/>
                     </a:p>
@@ -5298,7 +5541,7 @@
                           <a:ea typeface="+mn-ea"/>
                           <a:cs typeface="+mn-cs"/>
                         </a:rPr>
-                        <a:t>Nepalese cuisine</a:t>
+                        <a:t>15-20 min </a:t>
                       </a:r>
                       <a:endParaRPr kumimoji="1" lang="ja-JP" altLang="en-US" sz="1200"/>
                     </a:p>
@@ -5321,19 +5564,8 @@
                           <a:ea typeface="+mn-ea"/>
                           <a:cs typeface="+mn-cs"/>
                         </a:rPr>
-                        <a:t>15-20 min </a:t>
-                      </a:r>
-                      <a:endParaRPr kumimoji="1" lang="ja-JP" altLang="en-US" sz="1200"/>
-                    </a:p>
-                  </a:txBody>
-                  <a:tcPr marL="104496" marR="104496" marT="52248" marB="52248" anchor="ctr"/>
-                </a:tc>
-                <a:tc>
-                  <a:txBody>
-                    <a:bodyPr/>
-                    <a:lstStyle/>
-                    <a:p>
-                      <a:pPr algn="ctr"/>
+                        <a:t>Wed</a:t>
+                      </a:r>
                       <a:endParaRPr kumimoji="1" lang="ja-JP" altLang="en-US" sz="1200"/>
                     </a:p>
                   </a:txBody>
@@ -5341,11 +5573,11 @@
                 </a:tc>
                 <a:extLst>
                   <a:ext uri="{0D108BD9-81ED-4DB2-BD59-A6C34878D82A}">
-                    <a16:rowId xmlns:a16="http://schemas.microsoft.com/office/drawing/2014/main" val="787028619"/>
+                    <a16:rowId xmlns:a16="http://schemas.microsoft.com/office/drawing/2014/main" val="2723142381"/>
                   </a:ext>
                 </a:extLst>
               </a:tr>
-              <a:tr h="558854">
+              <a:tr h="463198">
                 <a:tc>
                   <a:txBody>
                     <a:bodyPr/>
@@ -5379,20 +5611,11 @@
                           <a:ea typeface="+mn-ea"/>
                           <a:cs typeface="+mn-cs"/>
                         </a:rPr>
-                        <a:t>Yoshioka Maguro-</a:t>
-                      </a:r>
-                      <a:r>
-                        <a:rPr lang="en" altLang="ja-JP" sz="1200" b="0" i="0" u="none" strike="noStrike" kern="1200" dirty="0" err="1">
-                          <a:solidFill>
-                            <a:schemeClr val="dk1"/>
-                          </a:solidFill>
-                          <a:effectLst/>
-                          <a:latin typeface="+mn-lt"/>
-                          <a:ea typeface="+mn-ea"/>
-                          <a:cs typeface="+mn-cs"/>
-                        </a:rPr>
-                        <a:t>bushi</a:t>
-                      </a:r>
+                        <a:t>Kathmandu </a:t>
+                      </a:r>
+                    </a:p>
+                    <a:p>
+                      <a:pPr algn="ctr"/>
                       <a:r>
                         <a:rPr lang="en" altLang="ja-JP" sz="1200" b="0" i="0" u="none" strike="noStrike" kern="1200" dirty="0">
                           <a:solidFill>
@@ -5403,9 +5626,29 @@
                           <a:ea typeface="+mn-ea"/>
                           <a:cs typeface="+mn-cs"/>
                         </a:rPr>
-                        <a:t> Center</a:t>
-                      </a:r>
-                    </a:p>
+                        <a:t>/ </a:t>
+                      </a:r>
+                      <a:r>
+                        <a:rPr lang="ja-JP" altLang="en-US" sz="1200" b="0" i="0" u="none" strike="noStrike" kern="1200">
+                          <a:solidFill>
+                            <a:schemeClr val="dk1"/>
+                          </a:solidFill>
+                          <a:effectLst/>
+                          <a:latin typeface="+mn-lt"/>
+                          <a:ea typeface="+mn-ea"/>
+                          <a:cs typeface="+mn-cs"/>
+                        </a:rPr>
+                        <a:t>カトマンドゥ</a:t>
+                      </a:r>
+                      <a:endParaRPr kumimoji="1" lang="ja-JP" altLang="en-US" sz="1200"/>
+                    </a:p>
+                  </a:txBody>
+                  <a:tcPr marL="104496" marR="104496" marT="52248" marB="52248" anchor="ctr"/>
+                </a:tc>
+                <a:tc>
+                  <a:txBody>
+                    <a:bodyPr/>
+                    <a:lstStyle/>
                     <a:p>
                       <a:pPr algn="ctr"/>
                       <a:r>
@@ -5418,19 +5661,7 @@
                           <a:ea typeface="+mn-ea"/>
                           <a:cs typeface="+mn-cs"/>
                         </a:rPr>
-                        <a:t>/</a:t>
-                      </a:r>
-                      <a:r>
-                        <a:rPr lang="ja-JP" altLang="en-US" sz="1200" b="0" i="0" u="none" strike="noStrike" kern="1200">
-                          <a:solidFill>
-                            <a:schemeClr val="dk1"/>
-                          </a:solidFill>
-                          <a:effectLst/>
-                          <a:latin typeface="+mn-lt"/>
-                          <a:ea typeface="+mn-ea"/>
-                          <a:cs typeface="+mn-cs"/>
-                        </a:rPr>
-                        <a:t>吉岡マグロ節センター</a:t>
+                        <a:t>Nepalese cuisine</a:t>
                       </a:r>
                       <a:endParaRPr kumimoji="1" lang="ja-JP" altLang="en-US" sz="1200"/>
                     </a:p>
@@ -5453,30 +5684,7 @@
                           <a:ea typeface="+mn-ea"/>
                           <a:cs typeface="+mn-cs"/>
                         </a:rPr>
-                        <a:t>Ramen</a:t>
-                      </a:r>
-                      <a:endParaRPr kumimoji="1" lang="ja-JP" altLang="en-US" sz="1200"/>
-                    </a:p>
-                  </a:txBody>
-                  <a:tcPr marL="104496" marR="104496" marT="52248" marB="52248" anchor="ctr"/>
-                </a:tc>
-                <a:tc>
-                  <a:txBody>
-                    <a:bodyPr/>
-                    <a:lstStyle/>
-                    <a:p>
-                      <a:pPr algn="ctr"/>
-                      <a:r>
-                        <a:rPr lang="en" altLang="ja-JP" sz="1200" b="0" i="0" u="none" strike="noStrike" kern="1200" dirty="0">
-                          <a:solidFill>
-                            <a:schemeClr val="dk1"/>
-                          </a:solidFill>
-                          <a:effectLst/>
-                          <a:latin typeface="+mn-lt"/>
-                          <a:ea typeface="+mn-ea"/>
-                          <a:cs typeface="+mn-cs"/>
-                        </a:rPr>
-                        <a:t>15-20 min</a:t>
+                        <a:t>15-20 min </a:t>
                       </a:r>
                       <a:endParaRPr kumimoji="1" lang="ja-JP" altLang="en-US" sz="1200"/>
                     </a:p>
@@ -5496,11 +5704,11 @@
                 </a:tc>
                 <a:extLst>
                   <a:ext uri="{0D108BD9-81ED-4DB2-BD59-A6C34878D82A}">
-                    <a16:rowId xmlns:a16="http://schemas.microsoft.com/office/drawing/2014/main" val="928157175"/>
+                    <a16:rowId xmlns:a16="http://schemas.microsoft.com/office/drawing/2014/main" val="10680030"/>
                   </a:ext>
                 </a:extLst>
               </a:tr>
-              <a:tr h="420474">
+              <a:tr h="643333">
                 <a:tc>
                   <a:txBody>
                     <a:bodyPr/>
@@ -5525,6 +5733,18 @@
                     <a:p>
                       <a:pPr algn="ctr"/>
                       <a:r>
+                        <a:rPr lang="en" altLang="ja-JP" sz="1200" b="0" i="0" u="none" strike="noStrike" kern="1200" dirty="0">
+                          <a:solidFill>
+                            <a:schemeClr val="dk1"/>
+                          </a:solidFill>
+                          <a:effectLst/>
+                          <a:latin typeface="+mn-lt"/>
+                          <a:ea typeface="+mn-ea"/>
+                          <a:cs typeface="+mn-cs"/>
+                        </a:rPr>
+                        <a:t>Yoshioka Maguro-</a:t>
+                      </a:r>
+                      <a:r>
                         <a:rPr lang="en" altLang="ja-JP" sz="1200" b="0" i="0" u="none" strike="noStrike" kern="1200" dirty="0" err="1">
                           <a:solidFill>
                             <a:schemeClr val="dk1"/>
@@ -5534,7 +5754,7 @@
                           <a:ea typeface="+mn-ea"/>
                           <a:cs typeface="+mn-cs"/>
                         </a:rPr>
-                        <a:t>Maruyoshi</a:t>
+                        <a:t>bushi</a:t>
                       </a:r>
                       <a:r>
                         <a:rPr lang="en" altLang="ja-JP" sz="1200" b="0" i="0" u="none" strike="noStrike" kern="1200" dirty="0">
@@ -5546,20 +5766,11 @@
                           <a:ea typeface="+mn-ea"/>
                           <a:cs typeface="+mn-cs"/>
                         </a:rPr>
-                        <a:t> </a:t>
-                      </a:r>
-                      <a:r>
-                        <a:rPr lang="en" altLang="ja-JP" sz="1200" b="0" i="0" u="none" strike="noStrike" kern="1200" dirty="0" err="1">
-                          <a:solidFill>
-                            <a:schemeClr val="dk1"/>
-                          </a:solidFill>
-                          <a:effectLst/>
-                          <a:latin typeface="+mn-lt"/>
-                          <a:ea typeface="+mn-ea"/>
-                          <a:cs typeface="+mn-cs"/>
-                        </a:rPr>
-                        <a:t>Seimenjo</a:t>
-                      </a:r>
+                        <a:t> Center</a:t>
+                      </a:r>
+                    </a:p>
+                    <a:p>
+                      <a:pPr algn="ctr"/>
                       <a:r>
                         <a:rPr lang="en" altLang="ja-JP" sz="1200" b="0" i="0" u="none" strike="noStrike" kern="1200" dirty="0">
                           <a:solidFill>
@@ -5570,9 +5781,29 @@
                           <a:ea typeface="+mn-ea"/>
                           <a:cs typeface="+mn-cs"/>
                         </a:rPr>
-                        <a:t> </a:t>
-                      </a:r>
-                    </a:p>
+                        <a:t>/</a:t>
+                      </a:r>
+                      <a:r>
+                        <a:rPr lang="ja-JP" altLang="en-US" sz="1200" b="0" i="0" u="none" strike="noStrike" kern="1200">
+                          <a:solidFill>
+                            <a:schemeClr val="dk1"/>
+                          </a:solidFill>
+                          <a:effectLst/>
+                          <a:latin typeface="+mn-lt"/>
+                          <a:ea typeface="+mn-ea"/>
+                          <a:cs typeface="+mn-cs"/>
+                        </a:rPr>
+                        <a:t>吉岡マグロ節センター</a:t>
+                      </a:r>
+                      <a:endParaRPr kumimoji="1" lang="ja-JP" altLang="en-US" sz="1200"/>
+                    </a:p>
+                  </a:txBody>
+                  <a:tcPr marL="104496" marR="104496" marT="52248" marB="52248" anchor="ctr"/>
+                </a:tc>
+                <a:tc>
+                  <a:txBody>
+                    <a:bodyPr/>
+                    <a:lstStyle/>
                     <a:p>
                       <a:pPr algn="ctr"/>
                       <a:r>
@@ -5585,19 +5816,7 @@
                           <a:ea typeface="+mn-ea"/>
                           <a:cs typeface="+mn-cs"/>
                         </a:rPr>
-                        <a:t>/</a:t>
-                      </a:r>
-                      <a:r>
-                        <a:rPr lang="ja-JP" altLang="en-US" sz="1200" b="0" i="0" u="none" strike="noStrike" kern="1200">
-                          <a:solidFill>
-                            <a:schemeClr val="dk1"/>
-                          </a:solidFill>
-                          <a:effectLst/>
-                          <a:latin typeface="+mn-lt"/>
-                          <a:ea typeface="+mn-ea"/>
-                          <a:cs typeface="+mn-cs"/>
-                        </a:rPr>
-                        <a:t>マルヨシ製麺所</a:t>
+                        <a:t>Ramen</a:t>
                       </a:r>
                       <a:endParaRPr kumimoji="1" lang="ja-JP" altLang="en-US" sz="1200"/>
                     </a:p>
@@ -5611,21 +5830,6 @@
                     <a:p>
                       <a:pPr algn="ctr"/>
                       <a:r>
-                        <a:rPr kumimoji="1" lang="en-US" altLang="ja-JP" sz="1200" dirty="0" err="1"/>
-                        <a:t>Udon</a:t>
-                      </a:r>
-                      <a:endParaRPr kumimoji="1" lang="ja-JP" altLang="en-US" sz="1200"/>
-                    </a:p>
-                  </a:txBody>
-                  <a:tcPr marL="104496" marR="104496" marT="52248" marB="52248" anchor="ctr"/>
-                </a:tc>
-                <a:tc>
-                  <a:txBody>
-                    <a:bodyPr/>
-                    <a:lstStyle/>
-                    <a:p>
-                      <a:pPr algn="ctr"/>
-                      <a:r>
                         <a:rPr lang="en" altLang="ja-JP" sz="1200" b="0" i="0" u="none" strike="noStrike" kern="1200" dirty="0">
                           <a:solidFill>
                             <a:schemeClr val="dk1"/>
@@ -5635,7 +5839,7 @@
                           <a:ea typeface="+mn-ea"/>
                           <a:cs typeface="+mn-cs"/>
                         </a:rPr>
-                        <a:t>20-min</a:t>
+                        <a:t>15-20 min</a:t>
                       </a:r>
                       <a:endParaRPr kumimoji="1" lang="ja-JP" altLang="en-US" sz="1200"/>
                     </a:p>
@@ -5655,11 +5859,11 @@
                 </a:tc>
                 <a:extLst>
                   <a:ext uri="{0D108BD9-81ED-4DB2-BD59-A6C34878D82A}">
-                    <a16:rowId xmlns:a16="http://schemas.microsoft.com/office/drawing/2014/main" val="4156867040"/>
+                    <a16:rowId xmlns:a16="http://schemas.microsoft.com/office/drawing/2014/main" val="1131172623"/>
                   </a:ext>
                 </a:extLst>
               </a:tr>
-              <a:tr h="402373">
+              <a:tr h="463198">
                 <a:tc>
                   <a:txBody>
                     <a:bodyPr/>
@@ -5693,7 +5897,7 @@
                           <a:ea typeface="+mn-ea"/>
                           <a:cs typeface="+mn-cs"/>
                         </a:rPr>
-                        <a:t>Maruju</a:t>
+                        <a:t>Maruyoshi</a:t>
                       </a:r>
                       <a:r>
                         <a:rPr lang="en" altLang="ja-JP" sz="1200" b="0" i="0" u="none" strike="noStrike" kern="1200" dirty="0">
@@ -5705,7 +5909,46 @@
                           <a:ea typeface="+mn-ea"/>
                           <a:cs typeface="+mn-cs"/>
                         </a:rPr>
-                        <a:t> / </a:t>
+                        <a:t> </a:t>
+                      </a:r>
+                      <a:r>
+                        <a:rPr lang="en" altLang="ja-JP" sz="1200" b="0" i="0" u="none" strike="noStrike" kern="1200" dirty="0" err="1">
+                          <a:solidFill>
+                            <a:schemeClr val="dk1"/>
+                          </a:solidFill>
+                          <a:effectLst/>
+                          <a:latin typeface="+mn-lt"/>
+                          <a:ea typeface="+mn-ea"/>
+                          <a:cs typeface="+mn-cs"/>
+                        </a:rPr>
+                        <a:t>Seimenjo</a:t>
+                      </a:r>
+                      <a:r>
+                        <a:rPr lang="en" altLang="ja-JP" sz="1200" b="0" i="0" u="none" strike="noStrike" kern="1200" dirty="0">
+                          <a:solidFill>
+                            <a:schemeClr val="dk1"/>
+                          </a:solidFill>
+                          <a:effectLst/>
+                          <a:latin typeface="+mn-lt"/>
+                          <a:ea typeface="+mn-ea"/>
+                          <a:cs typeface="+mn-cs"/>
+                        </a:rPr>
+                        <a:t> </a:t>
+                      </a:r>
+                    </a:p>
+                    <a:p>
+                      <a:pPr algn="ctr"/>
+                      <a:r>
+                        <a:rPr lang="en" altLang="ja-JP" sz="1200" b="0" i="0" u="none" strike="noStrike" kern="1200" dirty="0">
+                          <a:solidFill>
+                            <a:schemeClr val="dk1"/>
+                          </a:solidFill>
+                          <a:effectLst/>
+                          <a:latin typeface="+mn-lt"/>
+                          <a:ea typeface="+mn-ea"/>
+                          <a:cs typeface="+mn-cs"/>
+                        </a:rPr>
+                        <a:t>/</a:t>
                       </a:r>
                       <a:r>
                         <a:rPr lang="ja-JP" altLang="en-US" sz="1200" b="0" i="0" u="none" strike="noStrike" kern="1200">
@@ -5717,7 +5960,7 @@
                           <a:ea typeface="+mn-ea"/>
                           <a:cs typeface="+mn-cs"/>
                         </a:rPr>
-                        <a:t>丸十</a:t>
+                        <a:t>マルヨシ製麺所</a:t>
                       </a:r>
                       <a:endParaRPr kumimoji="1" lang="ja-JP" altLang="en-US" sz="1200"/>
                     </a:p>
@@ -5768,10 +6011,6 @@
                     <a:lstStyle/>
                     <a:p>
                       <a:pPr algn="ctr"/>
-                      <a:r>
-                        <a:rPr kumimoji="1" lang="en-US" altLang="ja-JP" sz="1200" dirty="0"/>
-                        <a:t>Sun</a:t>
-                      </a:r>
                       <a:endParaRPr kumimoji="1" lang="ja-JP" altLang="en-US" sz="1200"/>
                     </a:p>
                   </a:txBody>
@@ -5779,11 +6018,11 @@
                 </a:tc>
                 <a:extLst>
                   <a:ext uri="{0D108BD9-81ED-4DB2-BD59-A6C34878D82A}">
-                    <a16:rowId xmlns:a16="http://schemas.microsoft.com/office/drawing/2014/main" val="551049951"/>
+                    <a16:rowId xmlns:a16="http://schemas.microsoft.com/office/drawing/2014/main" val="2903646253"/>
                   </a:ext>
                 </a:extLst>
               </a:tr>
-              <a:tr h="402373">
+              <a:tr h="356087">
                 <a:tc>
                   <a:txBody>
                     <a:bodyPr/>
@@ -5817,6 +6056,130 @@
                           <a:ea typeface="+mn-ea"/>
                           <a:cs typeface="+mn-cs"/>
                         </a:rPr>
+                        <a:t>Maruju</a:t>
+                      </a:r>
+                      <a:r>
+                        <a:rPr lang="en" altLang="ja-JP" sz="1200" b="0" i="0" u="none" strike="noStrike" kern="1200" dirty="0">
+                          <a:solidFill>
+                            <a:schemeClr val="dk1"/>
+                          </a:solidFill>
+                          <a:effectLst/>
+                          <a:latin typeface="+mn-lt"/>
+                          <a:ea typeface="+mn-ea"/>
+                          <a:cs typeface="+mn-cs"/>
+                        </a:rPr>
+                        <a:t> / </a:t>
+                      </a:r>
+                      <a:r>
+                        <a:rPr lang="ja-JP" altLang="en-US" sz="1200" b="0" i="0" u="none" strike="noStrike" kern="1200">
+                          <a:solidFill>
+                            <a:schemeClr val="dk1"/>
+                          </a:solidFill>
+                          <a:effectLst/>
+                          <a:latin typeface="+mn-lt"/>
+                          <a:ea typeface="+mn-ea"/>
+                          <a:cs typeface="+mn-cs"/>
+                        </a:rPr>
+                        <a:t>丸十</a:t>
+                      </a:r>
+                      <a:endParaRPr kumimoji="1" lang="ja-JP" altLang="en-US" sz="1200"/>
+                    </a:p>
+                  </a:txBody>
+                  <a:tcPr marL="104496" marR="104496" marT="52248" marB="52248" anchor="ctr"/>
+                </a:tc>
+                <a:tc>
+                  <a:txBody>
+                    <a:bodyPr/>
+                    <a:lstStyle/>
+                    <a:p>
+                      <a:pPr algn="ctr"/>
+                      <a:r>
+                        <a:rPr kumimoji="1" lang="en-US" altLang="ja-JP" sz="1200" dirty="0" err="1"/>
+                        <a:t>Udon</a:t>
+                      </a:r>
+                      <a:endParaRPr kumimoji="1" lang="ja-JP" altLang="en-US" sz="1200"/>
+                    </a:p>
+                  </a:txBody>
+                  <a:tcPr marL="104496" marR="104496" marT="52248" marB="52248" anchor="ctr"/>
+                </a:tc>
+                <a:tc>
+                  <a:txBody>
+                    <a:bodyPr/>
+                    <a:lstStyle/>
+                    <a:p>
+                      <a:pPr algn="ctr"/>
+                      <a:r>
+                        <a:rPr lang="en" altLang="ja-JP" sz="1200" b="0" i="0" u="none" strike="noStrike" kern="1200" dirty="0">
+                          <a:solidFill>
+                            <a:schemeClr val="dk1"/>
+                          </a:solidFill>
+                          <a:effectLst/>
+                          <a:latin typeface="+mn-lt"/>
+                          <a:ea typeface="+mn-ea"/>
+                          <a:cs typeface="+mn-cs"/>
+                        </a:rPr>
+                        <a:t>20-min</a:t>
+                      </a:r>
+                      <a:endParaRPr kumimoji="1" lang="ja-JP" altLang="en-US" sz="1200"/>
+                    </a:p>
+                  </a:txBody>
+                  <a:tcPr marL="104496" marR="104496" marT="52248" marB="52248" anchor="ctr"/>
+                </a:tc>
+                <a:tc>
+                  <a:txBody>
+                    <a:bodyPr/>
+                    <a:lstStyle/>
+                    <a:p>
+                      <a:pPr algn="ctr"/>
+                      <a:r>
+                        <a:rPr kumimoji="1" lang="en-US" altLang="ja-JP" sz="1200" dirty="0"/>
+                        <a:t>Sun</a:t>
+                      </a:r>
+                      <a:endParaRPr kumimoji="1" lang="ja-JP" altLang="en-US" sz="1200"/>
+                    </a:p>
+                  </a:txBody>
+                  <a:tcPr marL="104496" marR="104496" marT="52248" marB="52248" anchor="ctr"/>
+                </a:tc>
+                <a:extLst>
+                  <a:ext uri="{0D108BD9-81ED-4DB2-BD59-A6C34878D82A}">
+                    <a16:rowId xmlns:a16="http://schemas.microsoft.com/office/drawing/2014/main" val="3238402071"/>
+                  </a:ext>
+                </a:extLst>
+              </a:tr>
+              <a:tr h="463198">
+                <a:tc>
+                  <a:txBody>
+                    <a:bodyPr/>
+                    <a:lstStyle/>
+                    <a:p>
+                      <a:pPr marL="0" indent="0" algn="ctr">
+                        <a:buFontTx/>
+                        <a:buNone/>
+                      </a:pPr>
+                      <a:r>
+                        <a:rPr kumimoji="1" lang="en-US" altLang="ja-JP" sz="1100" dirty="0"/>
+                        <a:t>16</a:t>
+                      </a:r>
+                    </a:p>
+                  </a:txBody>
+                  <a:tcPr marL="104496" marR="104496" marT="52248" marB="52248" anchor="ctr"/>
+                </a:tc>
+                <a:tc>
+                  <a:txBody>
+                    <a:bodyPr/>
+                    <a:lstStyle/>
+                    <a:p>
+                      <a:pPr algn="ctr"/>
+                      <a:r>
+                        <a:rPr lang="en" altLang="ja-JP" sz="1200" b="0" i="0" u="none" strike="noStrike" kern="1200" dirty="0" err="1">
+                          <a:solidFill>
+                            <a:schemeClr val="dk1"/>
+                          </a:solidFill>
+                          <a:effectLst/>
+                          <a:latin typeface="+mn-lt"/>
+                          <a:ea typeface="+mn-ea"/>
+                          <a:cs typeface="+mn-cs"/>
+                        </a:rPr>
                         <a:t>Mendo</a:t>
                       </a:r>
                       <a:r>
@@ -5938,7 +6301,7 @@
                 </a:tc>
                 <a:extLst>
                   <a:ext uri="{0D108BD9-81ED-4DB2-BD59-A6C34878D82A}">
-                    <a16:rowId xmlns:a16="http://schemas.microsoft.com/office/drawing/2014/main" val="3049470925"/>
+                    <a16:rowId xmlns:a16="http://schemas.microsoft.com/office/drawing/2014/main" val="1039338239"/>
                   </a:ext>
                 </a:extLst>
               </a:tr>
@@ -5946,199 +6309,12 @@
           </a:graphicData>
         </a:graphic>
       </p:graphicFrame>
-      <p:sp>
-        <p:nvSpPr>
-          <p:cNvPr id="7" name="テキスト ボックス 6">
+      <p:pic>
+        <p:nvPicPr>
+          <p:cNvPr id="5" name="図 4">
             <a:extLst>
               <a:ext uri="{FF2B5EF4-FFF2-40B4-BE49-F238E27FC236}">
-                <a16:creationId xmlns:a16="http://schemas.microsoft.com/office/drawing/2014/main" id="{F38443BF-169D-06B4-7D36-F0747EC7A8E9}"/>
-              </a:ext>
-            </a:extLst>
-          </p:cNvPr>
-          <p:cNvSpPr txBox="1"/>
-          <p:nvPr/>
-        </p:nvSpPr>
-        <p:spPr>
-          <a:xfrm>
-            <a:off x="217337" y="5841762"/>
-            <a:ext cx="4943487" cy="1384995"/>
-          </a:xfrm>
-          <a:prstGeom prst="rect">
-            <a:avLst/>
-          </a:prstGeom>
-          <a:noFill/>
-          <a:scene3d>
-            <a:camera prst="orthographicFront"/>
-            <a:lightRig rig="threePt" dir="t"/>
-          </a:scene3d>
-          <a:sp3d contourW="12700">
-            <a:bevelT w="0"/>
-          </a:sp3d>
-        </p:spPr>
-        <p:txBody>
-          <a:bodyPr wrap="square" rtlCol="0">
-            <a:spAutoFit/>
-          </a:bodyPr>
-          <a:lstStyle/>
-          <a:p>
-            <a:r>
-              <a:rPr kumimoji="1" lang="en-US" altLang="ja-JP" sz="1400" dirty="0"/>
-              <a:t>Remark:</a:t>
-            </a:r>
-            <a:endParaRPr lang="en" altLang="ja-JP" sz="1400" dirty="0"/>
-          </a:p>
-          <a:p>
-            <a:pPr marL="285750" indent="-285750">
-              <a:buFont typeface="Arial" panose="020B0604020202020204" pitchFamily="34" charset="0"/>
-              <a:buChar char="•"/>
-            </a:pPr>
-            <a:r>
-              <a:rPr lang="en" altLang="ja-JP" sz="1400" dirty="0"/>
-              <a:t>      means convenience stores.</a:t>
-            </a:r>
-          </a:p>
-          <a:p>
-            <a:pPr marL="285750" indent="-285750">
-              <a:buFont typeface="Arial" panose="020B0604020202020204" pitchFamily="34" charset="0"/>
-              <a:buChar char="•"/>
-            </a:pPr>
-            <a:r>
-              <a:rPr lang="en" altLang="ja-JP" sz="1400" dirty="0"/>
-              <a:t>      means Lecture Room E404.</a:t>
-            </a:r>
-          </a:p>
-          <a:p>
-            <a:pPr marL="285750" indent="-285750">
-              <a:buFont typeface="Arial" panose="020B0604020202020204" pitchFamily="34" charset="0"/>
-              <a:buChar char="•"/>
-            </a:pPr>
-            <a:r>
-              <a:rPr lang="en" altLang="ja-JP" sz="1400" b="0" i="0" u="none" strike="noStrike" dirty="0">
-                <a:solidFill>
-                  <a:srgbClr val="000000"/>
-                </a:solidFill>
-                <a:effectLst/>
-                <a:latin typeface="-webkit-standard"/>
-              </a:rPr>
-              <a:t>In the top-left corner of the map, there are many restaurants near Ishibashi-</a:t>
-            </a:r>
-            <a:r>
-              <a:rPr lang="en" altLang="ja-JP" sz="1400" b="0" i="0" u="none" strike="noStrike" dirty="0" err="1">
-                <a:solidFill>
-                  <a:srgbClr val="000000"/>
-                </a:solidFill>
-                <a:effectLst/>
-                <a:latin typeface="-webkit-standard"/>
-              </a:rPr>
-              <a:t>Handai</a:t>
-            </a:r>
-            <a:r>
-              <a:rPr lang="en" altLang="ja-JP" sz="1400" b="0" i="0" u="none" strike="noStrike" dirty="0">
-                <a:solidFill>
-                  <a:srgbClr val="000000"/>
-                </a:solidFill>
-                <a:effectLst/>
-                <a:latin typeface="-webkit-standard"/>
-              </a:rPr>
-              <a:t>-</a:t>
-            </a:r>
-            <a:r>
-              <a:rPr lang="en" altLang="ja-JP" sz="1400" b="0" i="0" u="none" strike="noStrike" dirty="0" err="1">
-                <a:solidFill>
-                  <a:srgbClr val="000000"/>
-                </a:solidFill>
-                <a:effectLst/>
-                <a:latin typeface="-webkit-standard"/>
-              </a:rPr>
-              <a:t>mae</a:t>
-            </a:r>
-            <a:r>
-              <a:rPr lang="en" altLang="ja-JP" sz="1400" b="0" i="0" u="none" strike="noStrike" dirty="0">
-                <a:solidFill>
-                  <a:srgbClr val="000000"/>
-                </a:solidFill>
-                <a:effectLst/>
-                <a:latin typeface="-webkit-standard"/>
-              </a:rPr>
-              <a:t> Station</a:t>
-            </a:r>
-            <a:r>
-              <a:rPr lang="en" altLang="ja-JP" sz="1400" dirty="0">
-                <a:solidFill>
-                  <a:srgbClr val="000000"/>
-                </a:solidFill>
-                <a:latin typeface="-webkit-standard"/>
-              </a:rPr>
-              <a:t> (</a:t>
-            </a:r>
-            <a:r>
-              <a:rPr lang="ja-JP" altLang="en-US" sz="1400" b="0" i="0" u="none" strike="noStrike">
-                <a:solidFill>
-                  <a:srgbClr val="000000"/>
-                </a:solidFill>
-                <a:effectLst/>
-                <a:latin typeface="-webkit-standard"/>
-              </a:rPr>
-              <a:t>石橋阪大前駅</a:t>
-            </a:r>
-            <a:r>
-              <a:rPr lang="en" altLang="ja-JP" sz="1400" b="0" i="0" u="none" strike="noStrike" dirty="0">
-                <a:solidFill>
-                  <a:srgbClr val="000000"/>
-                </a:solidFill>
-                <a:effectLst/>
-                <a:latin typeface="-webkit-standard"/>
-              </a:rPr>
-              <a:t>) . </a:t>
-            </a:r>
-            <a:r>
-              <a:rPr lang="en" altLang="ja-JP" sz="1400" dirty="0">
-                <a:solidFill>
-                  <a:srgbClr val="000000"/>
-                </a:solidFill>
-                <a:latin typeface="-webkit-standard"/>
-              </a:rPr>
-              <a:t>B</a:t>
-            </a:r>
-            <a:r>
-              <a:rPr lang="en" altLang="ja-JP" sz="1400" b="0" i="0" u="none" strike="noStrike" dirty="0">
-                <a:solidFill>
-                  <a:srgbClr val="000000"/>
-                </a:solidFill>
-                <a:effectLst/>
-                <a:latin typeface="-webkit-standard"/>
-              </a:rPr>
-              <a:t>ut it takes about 25–30 minutes on </a:t>
-            </a:r>
-            <a:r>
-              <a:rPr lang="en" altLang="ja-JP" sz="1400" dirty="0">
-                <a:solidFill>
-                  <a:srgbClr val="000000"/>
-                </a:solidFill>
-                <a:latin typeface="-webkit-standard"/>
-              </a:rPr>
-              <a:t>foot </a:t>
-            </a:r>
-            <a:r>
-              <a:rPr lang="en" altLang="ja-JP" sz="1400" b="0" i="0" u="none" strike="noStrike" dirty="0">
-                <a:solidFill>
-                  <a:srgbClr val="000000"/>
-                </a:solidFill>
-                <a:effectLst/>
-                <a:latin typeface="-webkit-standard"/>
-              </a:rPr>
-              <a:t>to get there.</a:t>
-            </a:r>
-            <a:endParaRPr lang="en" altLang="ja-JP" sz="1400" dirty="0"/>
-          </a:p>
-        </p:txBody>
-      </p:sp>
-      <p:pic>
-        <p:nvPicPr>
-          <p:cNvPr id="10" name="図 9">
-            <a:extLst>
-              <a:ext uri="{FF2B5EF4-FFF2-40B4-BE49-F238E27FC236}">
-                <a16:creationId xmlns:a16="http://schemas.microsoft.com/office/drawing/2014/main" id="{C45DCB6D-5E20-CC41-1A59-B9AB243718E3}"/>
+                <a16:creationId xmlns:a16="http://schemas.microsoft.com/office/drawing/2014/main" id="{0CA75B00-6DB5-E8F5-56F5-85843C2E4A3F}"/>
               </a:ext>
             </a:extLst>
           </p:cNvPr>
@@ -6155,8 +6331,8 @@
         </p:blipFill>
         <p:spPr>
           <a:xfrm>
-            <a:off x="217337" y="734329"/>
-            <a:ext cx="4943655" cy="4848263"/>
+            <a:off x="217336" y="626108"/>
+            <a:ext cx="5110329" cy="5043172"/>
           </a:xfrm>
           <a:prstGeom prst="rect">
             <a:avLst/>
